--- a/doc/tex/sdf/simplified_coherent_receiver/figures/Simulation_setup.pptx
+++ b/doc/tex/sdf/simplified_coherent_receiver/figures/Simulation_setup.pptx
@@ -6,6 +6,7 @@
   </p:sldMasterIdLst>
   <p:sldIdLst>
     <p:sldId id="256" r:id="rId2"/>
+    <p:sldId id="257" r:id="rId3"/>
   </p:sldIdLst>
   <p:sldSz cx="12192000" cy="6858000"/>
   <p:notesSz cx="6858000" cy="9144000"/>
@@ -243,7 +244,7 @@
           <a:p>
             <a:fld id="{2680F75E-BF8A-4352-8DF2-5712531B63DB}" type="datetimeFigureOut">
               <a:rPr lang="pt-PT" smtClean="0"/>
-              <a:t>10/10/2017</a:t>
+              <a:t>11/10/2017</a:t>
             </a:fld>
             <a:endParaRPr lang="pt-PT"/>
           </a:p>
@@ -413,7 +414,7 @@
           <a:p>
             <a:fld id="{2680F75E-BF8A-4352-8DF2-5712531B63DB}" type="datetimeFigureOut">
               <a:rPr lang="pt-PT" smtClean="0"/>
-              <a:t>10/10/2017</a:t>
+              <a:t>11/10/2017</a:t>
             </a:fld>
             <a:endParaRPr lang="pt-PT"/>
           </a:p>
@@ -593,7 +594,7 @@
           <a:p>
             <a:fld id="{2680F75E-BF8A-4352-8DF2-5712531B63DB}" type="datetimeFigureOut">
               <a:rPr lang="pt-PT" smtClean="0"/>
-              <a:t>10/10/2017</a:t>
+              <a:t>11/10/2017</a:t>
             </a:fld>
             <a:endParaRPr lang="pt-PT"/>
           </a:p>
@@ -763,7 +764,7 @@
           <a:p>
             <a:fld id="{2680F75E-BF8A-4352-8DF2-5712531B63DB}" type="datetimeFigureOut">
               <a:rPr lang="pt-PT" smtClean="0"/>
-              <a:t>10/10/2017</a:t>
+              <a:t>11/10/2017</a:t>
             </a:fld>
             <a:endParaRPr lang="pt-PT"/>
           </a:p>
@@ -1009,7 +1010,7 @@
           <a:p>
             <a:fld id="{2680F75E-BF8A-4352-8DF2-5712531B63DB}" type="datetimeFigureOut">
               <a:rPr lang="pt-PT" smtClean="0"/>
-              <a:t>10/10/2017</a:t>
+              <a:t>11/10/2017</a:t>
             </a:fld>
             <a:endParaRPr lang="pt-PT"/>
           </a:p>
@@ -1241,7 +1242,7 @@
           <a:p>
             <a:fld id="{2680F75E-BF8A-4352-8DF2-5712531B63DB}" type="datetimeFigureOut">
               <a:rPr lang="pt-PT" smtClean="0"/>
-              <a:t>10/10/2017</a:t>
+              <a:t>11/10/2017</a:t>
             </a:fld>
             <a:endParaRPr lang="pt-PT"/>
           </a:p>
@@ -1608,7 +1609,7 @@
           <a:p>
             <a:fld id="{2680F75E-BF8A-4352-8DF2-5712531B63DB}" type="datetimeFigureOut">
               <a:rPr lang="pt-PT" smtClean="0"/>
-              <a:t>10/10/2017</a:t>
+              <a:t>11/10/2017</a:t>
             </a:fld>
             <a:endParaRPr lang="pt-PT"/>
           </a:p>
@@ -1726,7 +1727,7 @@
           <a:p>
             <a:fld id="{2680F75E-BF8A-4352-8DF2-5712531B63DB}" type="datetimeFigureOut">
               <a:rPr lang="pt-PT" smtClean="0"/>
-              <a:t>10/10/2017</a:t>
+              <a:t>11/10/2017</a:t>
             </a:fld>
             <a:endParaRPr lang="pt-PT"/>
           </a:p>
@@ -1821,7 +1822,7 @@
           <a:p>
             <a:fld id="{2680F75E-BF8A-4352-8DF2-5712531B63DB}" type="datetimeFigureOut">
               <a:rPr lang="pt-PT" smtClean="0"/>
-              <a:t>10/10/2017</a:t>
+              <a:t>11/10/2017</a:t>
             </a:fld>
             <a:endParaRPr lang="pt-PT"/>
           </a:p>
@@ -2098,7 +2099,7 @@
           <a:p>
             <a:fld id="{2680F75E-BF8A-4352-8DF2-5712531B63DB}" type="datetimeFigureOut">
               <a:rPr lang="pt-PT" smtClean="0"/>
-              <a:t>10/10/2017</a:t>
+              <a:t>11/10/2017</a:t>
             </a:fld>
             <a:endParaRPr lang="pt-PT"/>
           </a:p>
@@ -2351,7 +2352,7 @@
           <a:p>
             <a:fld id="{2680F75E-BF8A-4352-8DF2-5712531B63DB}" type="datetimeFigureOut">
               <a:rPr lang="pt-PT" smtClean="0"/>
-              <a:t>10/10/2017</a:t>
+              <a:t>11/10/2017</a:t>
             </a:fld>
             <a:endParaRPr lang="pt-PT"/>
           </a:p>
@@ -2564,7 +2565,7 @@
           <a:p>
             <a:fld id="{2680F75E-BF8A-4352-8DF2-5712531B63DB}" type="datetimeFigureOut">
               <a:rPr lang="pt-PT" smtClean="0"/>
-              <a:t>10/10/2017</a:t>
+              <a:t>11/10/2017</a:t>
             </a:fld>
             <a:endParaRPr lang="pt-PT"/>
           </a:p>
@@ -2969,6 +2970,2911 @@
           <a:chExt cx="0" cy="0"/>
         </a:xfrm>
       </p:grpSpPr>
+      <p:grpSp>
+        <p:nvGrpSpPr>
+          <p:cNvPr id="224" name="Group 223"/>
+          <p:cNvGrpSpPr/>
+          <p:nvPr/>
+        </p:nvGrpSpPr>
+        <p:grpSpPr>
+          <a:xfrm>
+            <a:off x="560263" y="979233"/>
+            <a:ext cx="11073798" cy="4506296"/>
+            <a:chOff x="568809" y="543397"/>
+            <a:chExt cx="11073798" cy="4506296"/>
+          </a:xfrm>
+        </p:grpSpPr>
+        <p:sp>
+          <p:nvSpPr>
+            <p:cNvPr id="2" name="Rectangle 1"/>
+            <p:cNvSpPr/>
+            <p:nvPr/>
+          </p:nvSpPr>
+          <p:spPr>
+            <a:xfrm>
+              <a:off x="572568" y="615297"/>
+              <a:ext cx="1283294" cy="828942"/>
+            </a:xfrm>
+            <a:prstGeom prst="rect">
+              <a:avLst/>
+            </a:prstGeom>
+            <a:ln w="28575"/>
+          </p:spPr>
+          <p:style>
+            <a:lnRef idx="2">
+              <a:schemeClr val="dk1"/>
+            </a:lnRef>
+            <a:fillRef idx="1">
+              <a:schemeClr val="lt1"/>
+            </a:fillRef>
+            <a:effectRef idx="0">
+              <a:schemeClr val="dk1"/>
+            </a:effectRef>
+            <a:fontRef idx="minor">
+              <a:schemeClr val="dk1"/>
+            </a:fontRef>
+          </p:style>
+          <p:txBody>
+            <a:bodyPr rtlCol="0" anchor="ctr"/>
+            <a:lstStyle/>
+            <a:p>
+              <a:pPr algn="ctr"/>
+              <a:r>
+                <a:rPr lang="en-US" sz="1200" dirty="0" smtClean="0"/>
+                <a:t>Generate bit sequence</a:t>
+              </a:r>
+              <a:endParaRPr lang="en-US" sz="1200" dirty="0"/>
+            </a:p>
+          </p:txBody>
+        </p:sp>
+        <p:sp>
+          <p:nvSpPr>
+            <p:cNvPr id="3" name="Rectangle 2"/>
+            <p:cNvSpPr/>
+            <p:nvPr/>
+          </p:nvSpPr>
+          <p:spPr>
+            <a:xfrm>
+              <a:off x="2434127" y="615297"/>
+              <a:ext cx="1283294" cy="828942"/>
+            </a:xfrm>
+            <a:prstGeom prst="rect">
+              <a:avLst/>
+            </a:prstGeom>
+            <a:ln w="28575"/>
+          </p:spPr>
+          <p:style>
+            <a:lnRef idx="2">
+              <a:schemeClr val="dk1"/>
+            </a:lnRef>
+            <a:fillRef idx="1">
+              <a:schemeClr val="lt1"/>
+            </a:fillRef>
+            <a:effectRef idx="0">
+              <a:schemeClr val="dk1"/>
+            </a:effectRef>
+            <a:fontRef idx="minor">
+              <a:schemeClr val="dk1"/>
+            </a:fontRef>
+          </p:style>
+          <p:txBody>
+            <a:bodyPr rtlCol="0" anchor="ctr"/>
+            <a:lstStyle/>
+            <a:p>
+              <a:pPr algn="ctr"/>
+              <a:r>
+                <a:rPr lang="en-US" sz="1200" dirty="0" smtClean="0"/>
+                <a:t>Represent bit information as a symbolic information</a:t>
+              </a:r>
+              <a:endParaRPr lang="en-US" sz="1200" dirty="0"/>
+            </a:p>
+          </p:txBody>
+        </p:sp>
+        <p:cxnSp>
+          <p:nvCxnSpPr>
+            <p:cNvPr id="5" name="Straight Arrow Connector 4"/>
+            <p:cNvCxnSpPr>
+              <a:stCxn id="2" idx="3"/>
+              <a:endCxn id="3" idx="1"/>
+            </p:cNvCxnSpPr>
+            <p:nvPr/>
+          </p:nvCxnSpPr>
+          <p:spPr>
+            <a:xfrm>
+              <a:off x="1855862" y="1029768"/>
+              <a:ext cx="578265" cy="0"/>
+            </a:xfrm>
+            <a:prstGeom prst="straightConnector1">
+              <a:avLst/>
+            </a:prstGeom>
+            <a:ln>
+              <a:tailEnd type="triangle"/>
+            </a:ln>
+          </p:spPr>
+          <p:style>
+            <a:lnRef idx="1">
+              <a:schemeClr val="accent1"/>
+            </a:lnRef>
+            <a:fillRef idx="0">
+              <a:schemeClr val="accent1"/>
+            </a:fillRef>
+            <a:effectRef idx="0">
+              <a:schemeClr val="accent1"/>
+            </a:effectRef>
+            <a:fontRef idx="minor">
+              <a:schemeClr val="tx1"/>
+            </a:fontRef>
+          </p:style>
+        </p:cxnSp>
+        <p:sp>
+          <p:nvSpPr>
+            <p:cNvPr id="7" name="Rectangle 6"/>
+            <p:cNvSpPr/>
+            <p:nvPr/>
+          </p:nvSpPr>
+          <p:spPr>
+            <a:xfrm>
+              <a:off x="4295686" y="615297"/>
+              <a:ext cx="1283294" cy="828942"/>
+            </a:xfrm>
+            <a:prstGeom prst="rect">
+              <a:avLst/>
+            </a:prstGeom>
+            <a:ln w="28575"/>
+          </p:spPr>
+          <p:style>
+            <a:lnRef idx="2">
+              <a:schemeClr val="dk1"/>
+            </a:lnRef>
+            <a:fillRef idx="1">
+              <a:schemeClr val="lt1"/>
+            </a:fillRef>
+            <a:effectRef idx="0">
+              <a:schemeClr val="dk1"/>
+            </a:effectRef>
+            <a:fontRef idx="minor">
+              <a:schemeClr val="dk1"/>
+            </a:fontRef>
+          </p:style>
+          <p:txBody>
+            <a:bodyPr rtlCol="0" anchor="ctr"/>
+            <a:lstStyle/>
+            <a:p>
+              <a:pPr algn="ctr"/>
+              <a:r>
+                <a:rPr lang="en-US" sz="1200" dirty="0" smtClean="0"/>
+                <a:t>Binary to decimal for MQAM</a:t>
+              </a:r>
+              <a:endParaRPr lang="en-US" sz="1200" dirty="0"/>
+            </a:p>
+          </p:txBody>
+        </p:sp>
+        <p:cxnSp>
+          <p:nvCxnSpPr>
+            <p:cNvPr id="9" name="Straight Arrow Connector 8"/>
+            <p:cNvCxnSpPr>
+              <a:stCxn id="3" idx="3"/>
+              <a:endCxn id="7" idx="1"/>
+            </p:cNvCxnSpPr>
+            <p:nvPr/>
+          </p:nvCxnSpPr>
+          <p:spPr>
+            <a:xfrm>
+              <a:off x="3717421" y="1029768"/>
+              <a:ext cx="578265" cy="0"/>
+            </a:xfrm>
+            <a:prstGeom prst="straightConnector1">
+              <a:avLst/>
+            </a:prstGeom>
+            <a:ln>
+              <a:tailEnd type="triangle"/>
+            </a:ln>
+          </p:spPr>
+          <p:style>
+            <a:lnRef idx="1">
+              <a:schemeClr val="accent1"/>
+            </a:lnRef>
+            <a:fillRef idx="0">
+              <a:schemeClr val="accent1"/>
+            </a:fillRef>
+            <a:effectRef idx="0">
+              <a:schemeClr val="accent1"/>
+            </a:effectRef>
+            <a:fontRef idx="minor">
+              <a:schemeClr val="tx1"/>
+            </a:fontRef>
+          </p:style>
+        </p:cxnSp>
+        <p:sp>
+          <p:nvSpPr>
+            <p:cNvPr id="11" name="Rectangle 10"/>
+            <p:cNvSpPr/>
+            <p:nvPr/>
+          </p:nvSpPr>
+          <p:spPr>
+            <a:xfrm>
+              <a:off x="6157245" y="615297"/>
+              <a:ext cx="1283294" cy="828942"/>
+            </a:xfrm>
+            <a:prstGeom prst="rect">
+              <a:avLst/>
+            </a:prstGeom>
+            <a:ln w="28575"/>
+          </p:spPr>
+          <p:style>
+            <a:lnRef idx="2">
+              <a:schemeClr val="dk1"/>
+            </a:lnRef>
+            <a:fillRef idx="1">
+              <a:schemeClr val="lt1"/>
+            </a:fillRef>
+            <a:effectRef idx="0">
+              <a:schemeClr val="dk1"/>
+            </a:effectRef>
+            <a:fontRef idx="minor">
+              <a:schemeClr val="dk1"/>
+            </a:fontRef>
+          </p:style>
+          <p:txBody>
+            <a:bodyPr rtlCol="0" anchor="ctr"/>
+            <a:lstStyle/>
+            <a:p>
+              <a:pPr algn="ctr"/>
+              <a:r>
+                <a:rPr lang="en-US" sz="1200" dirty="0" smtClean="0"/>
+                <a:t>MQAM Mapping</a:t>
+              </a:r>
+            </a:p>
+          </p:txBody>
+        </p:sp>
+        <p:cxnSp>
+          <p:nvCxnSpPr>
+            <p:cNvPr id="12" name="Straight Arrow Connector 11"/>
+            <p:cNvCxnSpPr>
+              <a:stCxn id="7" idx="3"/>
+              <a:endCxn id="11" idx="1"/>
+            </p:cNvCxnSpPr>
+            <p:nvPr/>
+          </p:nvCxnSpPr>
+          <p:spPr>
+            <a:xfrm>
+              <a:off x="5578980" y="1029768"/>
+              <a:ext cx="578265" cy="0"/>
+            </a:xfrm>
+            <a:prstGeom prst="straightConnector1">
+              <a:avLst/>
+            </a:prstGeom>
+            <a:ln>
+              <a:tailEnd type="triangle"/>
+            </a:ln>
+          </p:spPr>
+          <p:style>
+            <a:lnRef idx="1">
+              <a:schemeClr val="accent1"/>
+            </a:lnRef>
+            <a:fillRef idx="0">
+              <a:schemeClr val="accent1"/>
+            </a:fillRef>
+            <a:effectRef idx="0">
+              <a:schemeClr val="accent1"/>
+            </a:effectRef>
+            <a:fontRef idx="minor">
+              <a:schemeClr val="tx1"/>
+            </a:fontRef>
+          </p:style>
+        </p:cxnSp>
+        <p:cxnSp>
+          <p:nvCxnSpPr>
+            <p:cNvPr id="16" name="Straight Arrow Connector 15"/>
+            <p:cNvCxnSpPr/>
+            <p:nvPr/>
+          </p:nvCxnSpPr>
+          <p:spPr>
+            <a:xfrm>
+              <a:off x="7440539" y="811850"/>
+              <a:ext cx="737786" cy="0"/>
+            </a:xfrm>
+            <a:prstGeom prst="straightConnector1">
+              <a:avLst/>
+            </a:prstGeom>
+            <a:ln>
+              <a:tailEnd type="triangle"/>
+            </a:ln>
+          </p:spPr>
+          <p:style>
+            <a:lnRef idx="1">
+              <a:schemeClr val="accent1"/>
+            </a:lnRef>
+            <a:fillRef idx="0">
+              <a:schemeClr val="accent1"/>
+            </a:fillRef>
+            <a:effectRef idx="0">
+              <a:schemeClr val="accent1"/>
+            </a:effectRef>
+            <a:fontRef idx="minor">
+              <a:schemeClr val="tx1"/>
+            </a:fontRef>
+          </p:style>
+        </p:cxnSp>
+        <p:cxnSp>
+          <p:nvCxnSpPr>
+            <p:cNvPr id="19" name="Straight Arrow Connector 18"/>
+            <p:cNvCxnSpPr/>
+            <p:nvPr/>
+          </p:nvCxnSpPr>
+          <p:spPr>
+            <a:xfrm>
+              <a:off x="7440539" y="1254807"/>
+              <a:ext cx="737786" cy="0"/>
+            </a:xfrm>
+            <a:prstGeom prst="straightConnector1">
+              <a:avLst/>
+            </a:prstGeom>
+            <a:ln>
+              <a:tailEnd type="triangle"/>
+            </a:ln>
+          </p:spPr>
+          <p:style>
+            <a:lnRef idx="1">
+              <a:schemeClr val="accent1"/>
+            </a:lnRef>
+            <a:fillRef idx="0">
+              <a:schemeClr val="accent1"/>
+            </a:fillRef>
+            <a:effectRef idx="0">
+              <a:schemeClr val="accent1"/>
+            </a:effectRef>
+            <a:fontRef idx="minor">
+              <a:schemeClr val="tx1"/>
+            </a:fontRef>
+          </p:style>
+        </p:cxnSp>
+        <mc:AlternateContent xmlns:mc="http://schemas.openxmlformats.org/markup-compatibility/2006">
+          <mc:Choice xmlns:a14="http://schemas.microsoft.com/office/drawing/2010/main" Requires="a14">
+            <p:sp>
+              <p:nvSpPr>
+                <p:cNvPr id="21" name="TextBox 20"/>
+                <p:cNvSpPr txBox="1"/>
+                <p:nvPr/>
+              </p:nvSpPr>
+              <p:spPr>
+                <a:xfrm>
+                  <a:off x="7750913" y="543397"/>
+                  <a:ext cx="148374" cy="276999"/>
+                </a:xfrm>
+                <a:prstGeom prst="rect">
+                  <a:avLst/>
+                </a:prstGeom>
+                <a:noFill/>
+              </p:spPr>
+              <p:txBody>
+                <a:bodyPr wrap="none" lIns="0" tIns="0" rIns="0" bIns="0" rtlCol="0">
+                  <a:spAutoFit/>
+                </a:bodyPr>
+                <a:lstStyle/>
+                <a:p>
+                  <a14:m>
+                    <m:oMathPara xmlns:m="http://schemas.openxmlformats.org/officeDocument/2006/math">
+                      <m:oMathParaPr>
+                        <m:jc m:val="centerGroup"/>
+                      </m:oMathParaPr>
+                      <m:oMath xmlns:m="http://schemas.openxmlformats.org/officeDocument/2006/math">
+                        <m:r>
+                          <a:rPr lang="en-US" b="0" i="1" smtClean="0">
+                            <a:latin typeface="Cambria Math" panose="02040503050406030204" pitchFamily="18" charset="0"/>
+                          </a:rPr>
+                          <m:t>𝐼</m:t>
+                        </m:r>
+                      </m:oMath>
+                    </m:oMathPara>
+                  </a14:m>
+                  <a:endParaRPr lang="en-US" dirty="0"/>
+                </a:p>
+              </p:txBody>
+            </p:sp>
+          </mc:Choice>
+          <mc:Fallback>
+            <p:sp>
+              <p:nvSpPr>
+                <p:cNvPr id="21" name="TextBox 20"/>
+                <p:cNvSpPr txBox="1">
+                  <a:spLocks noRot="1" noChangeAspect="1" noMove="1" noResize="1" noEditPoints="1" noAdjustHandles="1" noChangeArrowheads="1" noChangeShapeType="1" noTextEdit="1"/>
+                </p:cNvSpPr>
+                <p:nvPr/>
+              </p:nvSpPr>
+              <p:spPr>
+                <a:xfrm>
+                  <a:off x="7750913" y="543397"/>
+                  <a:ext cx="148374" cy="276999"/>
+                </a:xfrm>
+                <a:prstGeom prst="rect">
+                  <a:avLst/>
+                </a:prstGeom>
+                <a:blipFill>
+                  <a:blip r:embed="rId2"/>
+                  <a:stretch>
+                    <a:fillRect l="-37500" r="-33333" b="-6667"/>
+                  </a:stretch>
+                </a:blipFill>
+              </p:spPr>
+              <p:txBody>
+                <a:bodyPr/>
+                <a:lstStyle/>
+                <a:p>
+                  <a:r>
+                    <a:rPr lang="en-US">
+                      <a:noFill/>
+                    </a:rPr>
+                    <a:t> </a:t>
+                  </a:r>
+                </a:p>
+              </p:txBody>
+            </p:sp>
+          </mc:Fallback>
+        </mc:AlternateContent>
+        <p:sp>
+          <p:nvSpPr>
+            <p:cNvPr id="22" name="TextBox 21"/>
+            <p:cNvSpPr txBox="1"/>
+            <p:nvPr/>
+          </p:nvSpPr>
+          <p:spPr>
+            <a:xfrm>
+              <a:off x="7750913" y="1263352"/>
+              <a:ext cx="155492" cy="276999"/>
+            </a:xfrm>
+            <a:prstGeom prst="rect">
+              <a:avLst/>
+            </a:prstGeom>
+            <a:noFill/>
+          </p:spPr>
+          <p:txBody>
+            <a:bodyPr wrap="none" lIns="0" tIns="0" rIns="0" bIns="0" rtlCol="0">
+              <a:spAutoFit/>
+            </a:bodyPr>
+            <a:lstStyle/>
+            <a:p>
+              <a:r>
+                <a:rPr lang="en-US" dirty="0" smtClean="0"/>
+                <a:t>Q</a:t>
+              </a:r>
+              <a:endParaRPr lang="en-US" dirty="0"/>
+            </a:p>
+          </p:txBody>
+        </p:sp>
+        <p:sp>
+          <p:nvSpPr>
+            <p:cNvPr id="23" name="Rectangle 22"/>
+            <p:cNvSpPr/>
+            <p:nvPr/>
+          </p:nvSpPr>
+          <p:spPr>
+            <a:xfrm>
+              <a:off x="8178325" y="640934"/>
+              <a:ext cx="965674" cy="341832"/>
+            </a:xfrm>
+            <a:prstGeom prst="rect">
+              <a:avLst/>
+            </a:prstGeom>
+            <a:ln w="28575"/>
+          </p:spPr>
+          <p:style>
+            <a:lnRef idx="2">
+              <a:schemeClr val="dk1"/>
+            </a:lnRef>
+            <a:fillRef idx="1">
+              <a:schemeClr val="lt1"/>
+            </a:fillRef>
+            <a:effectRef idx="0">
+              <a:schemeClr val="dk1"/>
+            </a:effectRef>
+            <a:fontRef idx="minor">
+              <a:schemeClr val="dk1"/>
+            </a:fontRef>
+          </p:style>
+          <p:txBody>
+            <a:bodyPr rtlCol="0" anchor="ctr"/>
+            <a:lstStyle/>
+            <a:p>
+              <a:pPr algn="ctr"/>
+              <a:r>
+                <a:rPr lang="en-US" sz="1200" dirty="0" smtClean="0"/>
+                <a:t>RRC Filter</a:t>
+              </a:r>
+              <a:endParaRPr lang="en-US" sz="1200" dirty="0"/>
+            </a:p>
+          </p:txBody>
+        </p:sp>
+        <p:sp>
+          <p:nvSpPr>
+            <p:cNvPr id="25" name="Rectangle 24"/>
+            <p:cNvSpPr/>
+            <p:nvPr/>
+          </p:nvSpPr>
+          <p:spPr>
+            <a:xfrm>
+              <a:off x="8178325" y="1083891"/>
+              <a:ext cx="965674" cy="341832"/>
+            </a:xfrm>
+            <a:prstGeom prst="rect">
+              <a:avLst/>
+            </a:prstGeom>
+            <a:ln w="28575"/>
+          </p:spPr>
+          <p:style>
+            <a:lnRef idx="2">
+              <a:schemeClr val="dk1"/>
+            </a:lnRef>
+            <a:fillRef idx="1">
+              <a:schemeClr val="lt1"/>
+            </a:fillRef>
+            <a:effectRef idx="0">
+              <a:schemeClr val="dk1"/>
+            </a:effectRef>
+            <a:fontRef idx="minor">
+              <a:schemeClr val="dk1"/>
+            </a:fontRef>
+          </p:style>
+          <p:txBody>
+            <a:bodyPr rtlCol="0" anchor="ctr"/>
+            <a:lstStyle/>
+            <a:p>
+              <a:pPr algn="ctr"/>
+              <a:r>
+                <a:rPr lang="en-US" sz="1200" dirty="0" smtClean="0"/>
+                <a:t>RRC Filter</a:t>
+              </a:r>
+              <a:endParaRPr lang="en-US" sz="1200" dirty="0"/>
+            </a:p>
+          </p:txBody>
+        </p:sp>
+        <p:sp>
+          <p:nvSpPr>
+            <p:cNvPr id="26" name="Rectangle 25"/>
+            <p:cNvSpPr/>
+            <p:nvPr/>
+          </p:nvSpPr>
+          <p:spPr>
+            <a:xfrm>
+              <a:off x="9881785" y="640933"/>
+              <a:ext cx="1283294" cy="828942"/>
+            </a:xfrm>
+            <a:prstGeom prst="rect">
+              <a:avLst/>
+            </a:prstGeom>
+            <a:ln w="28575"/>
+          </p:spPr>
+          <p:style>
+            <a:lnRef idx="2">
+              <a:schemeClr val="dk1"/>
+            </a:lnRef>
+            <a:fillRef idx="1">
+              <a:schemeClr val="lt1"/>
+            </a:fillRef>
+            <a:effectRef idx="0">
+              <a:schemeClr val="dk1"/>
+            </a:effectRef>
+            <a:fontRef idx="minor">
+              <a:schemeClr val="dk1"/>
+            </a:fontRef>
+          </p:style>
+          <p:txBody>
+            <a:bodyPr rtlCol="0" anchor="ctr"/>
+            <a:lstStyle/>
+            <a:p>
+              <a:pPr algn="ctr"/>
+              <a:r>
+                <a:rPr lang="en-US" sz="1200" dirty="0" smtClean="0"/>
+                <a:t>IQ modulator</a:t>
+              </a:r>
+              <a:endParaRPr lang="en-US" sz="1200" dirty="0"/>
+            </a:p>
+          </p:txBody>
+        </p:sp>
+        <p:cxnSp>
+          <p:nvCxnSpPr>
+            <p:cNvPr id="27" name="Straight Arrow Connector 26"/>
+            <p:cNvCxnSpPr/>
+            <p:nvPr/>
+          </p:nvCxnSpPr>
+          <p:spPr>
+            <a:xfrm>
+              <a:off x="9143999" y="811850"/>
+              <a:ext cx="737786" cy="0"/>
+            </a:xfrm>
+            <a:prstGeom prst="straightConnector1">
+              <a:avLst/>
+            </a:prstGeom>
+            <a:ln>
+              <a:tailEnd type="triangle"/>
+            </a:ln>
+          </p:spPr>
+          <p:style>
+            <a:lnRef idx="1">
+              <a:schemeClr val="accent1"/>
+            </a:lnRef>
+            <a:fillRef idx="0">
+              <a:schemeClr val="accent1"/>
+            </a:fillRef>
+            <a:effectRef idx="0">
+              <a:schemeClr val="accent1"/>
+            </a:effectRef>
+            <a:fontRef idx="minor">
+              <a:schemeClr val="tx1"/>
+            </a:fontRef>
+          </p:style>
+        </p:cxnSp>
+        <p:cxnSp>
+          <p:nvCxnSpPr>
+            <p:cNvPr id="28" name="Straight Arrow Connector 27"/>
+            <p:cNvCxnSpPr/>
+            <p:nvPr/>
+          </p:nvCxnSpPr>
+          <p:spPr>
+            <a:xfrm>
+              <a:off x="9143999" y="1254807"/>
+              <a:ext cx="737786" cy="0"/>
+            </a:xfrm>
+            <a:prstGeom prst="straightConnector1">
+              <a:avLst/>
+            </a:prstGeom>
+            <a:ln>
+              <a:tailEnd type="triangle"/>
+            </a:ln>
+          </p:spPr>
+          <p:style>
+            <a:lnRef idx="1">
+              <a:schemeClr val="accent1"/>
+            </a:lnRef>
+            <a:fillRef idx="0">
+              <a:schemeClr val="accent1"/>
+            </a:fillRef>
+            <a:effectRef idx="0">
+              <a:schemeClr val="accent1"/>
+            </a:effectRef>
+            <a:fontRef idx="minor">
+              <a:schemeClr val="tx1"/>
+            </a:fontRef>
+          </p:style>
+        </p:cxnSp>
+        <p:sp>
+          <p:nvSpPr>
+            <p:cNvPr id="39" name="Rectangle 38"/>
+            <p:cNvSpPr/>
+            <p:nvPr/>
+          </p:nvSpPr>
+          <p:spPr>
+            <a:xfrm>
+              <a:off x="568809" y="3245086"/>
+              <a:ext cx="1283294" cy="828942"/>
+            </a:xfrm>
+            <a:prstGeom prst="rect">
+              <a:avLst/>
+            </a:prstGeom>
+            <a:ln w="28575"/>
+          </p:spPr>
+          <p:style>
+            <a:lnRef idx="2">
+              <a:schemeClr val="dk1"/>
+            </a:lnRef>
+            <a:fillRef idx="1">
+              <a:schemeClr val="lt1"/>
+            </a:fillRef>
+            <a:effectRef idx="0">
+              <a:schemeClr val="dk1"/>
+            </a:effectRef>
+            <a:fontRef idx="minor">
+              <a:schemeClr val="dk1"/>
+            </a:fontRef>
+          </p:style>
+          <p:txBody>
+            <a:bodyPr rtlCol="0" anchor="ctr"/>
+            <a:lstStyle/>
+            <a:p>
+              <a:pPr algn="ctr"/>
+              <a:r>
+                <a:rPr lang="en-US" sz="1200" dirty="0" smtClean="0"/>
+                <a:t>Hilbert Transformer</a:t>
+              </a:r>
+              <a:endParaRPr lang="en-US" sz="1200" dirty="0"/>
+            </a:p>
+          </p:txBody>
+        </p:sp>
+        <p:sp>
+          <p:nvSpPr>
+            <p:cNvPr id="40" name="Flowchart: Or 39"/>
+            <p:cNvSpPr/>
+            <p:nvPr/>
+          </p:nvSpPr>
+          <p:spPr>
+            <a:xfrm>
+              <a:off x="2577515" y="3376477"/>
+              <a:ext cx="523101" cy="566159"/>
+            </a:xfrm>
+            <a:prstGeom prst="flowChartOr">
+              <a:avLst/>
+            </a:prstGeom>
+          </p:spPr>
+          <p:style>
+            <a:lnRef idx="2">
+              <a:schemeClr val="dk1"/>
+            </a:lnRef>
+            <a:fillRef idx="1">
+              <a:schemeClr val="lt1"/>
+            </a:fillRef>
+            <a:effectRef idx="0">
+              <a:schemeClr val="dk1"/>
+            </a:effectRef>
+            <a:fontRef idx="minor">
+              <a:schemeClr val="dk1"/>
+            </a:fontRef>
+          </p:style>
+          <p:txBody>
+            <a:bodyPr rtlCol="0" anchor="ctr"/>
+            <a:lstStyle/>
+            <a:p>
+              <a:pPr algn="ctr"/>
+              <a:endParaRPr lang="en-US"/>
+            </a:p>
+          </p:txBody>
+        </p:sp>
+        <p:cxnSp>
+          <p:nvCxnSpPr>
+            <p:cNvPr id="41" name="Straight Arrow Connector 40"/>
+            <p:cNvCxnSpPr>
+              <a:stCxn id="39" idx="3"/>
+              <a:endCxn id="40" idx="2"/>
+            </p:cNvCxnSpPr>
+            <p:nvPr/>
+          </p:nvCxnSpPr>
+          <p:spPr>
+            <a:xfrm>
+              <a:off x="1852103" y="3659557"/>
+              <a:ext cx="725412" cy="0"/>
+            </a:xfrm>
+            <a:prstGeom prst="straightConnector1">
+              <a:avLst/>
+            </a:prstGeom>
+            <a:ln>
+              <a:tailEnd type="triangle"/>
+            </a:ln>
+          </p:spPr>
+          <p:style>
+            <a:lnRef idx="1">
+              <a:schemeClr val="accent1"/>
+            </a:lnRef>
+            <a:fillRef idx="0">
+              <a:schemeClr val="accent1"/>
+            </a:fillRef>
+            <a:effectRef idx="0">
+              <a:schemeClr val="accent1"/>
+            </a:effectRef>
+            <a:fontRef idx="minor">
+              <a:schemeClr val="tx1"/>
+            </a:fontRef>
+          </p:style>
+        </p:cxnSp>
+        <p:cxnSp>
+          <p:nvCxnSpPr>
+            <p:cNvPr id="48" name="Elbow Connector 47"/>
+            <p:cNvCxnSpPr>
+              <a:stCxn id="26" idx="3"/>
+              <a:endCxn id="40" idx="0"/>
+            </p:cNvCxnSpPr>
+            <p:nvPr/>
+          </p:nvCxnSpPr>
+          <p:spPr>
+            <a:xfrm flipH="1">
+              <a:off x="2839066" y="1055404"/>
+              <a:ext cx="8326013" cy="2321073"/>
+            </a:xfrm>
+            <a:prstGeom prst="bentConnector4">
+              <a:avLst>
+                <a:gd name="adj1" fmla="val -2746"/>
+                <a:gd name="adj2" fmla="val 58928"/>
+              </a:avLst>
+            </a:prstGeom>
+            <a:ln>
+              <a:tailEnd type="triangle"/>
+            </a:ln>
+          </p:spPr>
+          <p:style>
+            <a:lnRef idx="1">
+              <a:schemeClr val="accent1"/>
+            </a:lnRef>
+            <a:fillRef idx="0">
+              <a:schemeClr val="accent1"/>
+            </a:fillRef>
+            <a:effectRef idx="0">
+              <a:schemeClr val="accent1"/>
+            </a:effectRef>
+            <a:fontRef idx="minor">
+              <a:schemeClr val="tx1"/>
+            </a:fontRef>
+          </p:style>
+        </p:cxnSp>
+        <p:cxnSp>
+          <p:nvCxnSpPr>
+            <p:cNvPr id="53" name="Elbow Connector 52"/>
+            <p:cNvCxnSpPr>
+              <a:stCxn id="26" idx="2"/>
+              <a:endCxn id="39" idx="0"/>
+            </p:cNvCxnSpPr>
+            <p:nvPr/>
+          </p:nvCxnSpPr>
+          <p:spPr>
+            <a:xfrm rot="5400000">
+              <a:off x="4979339" y="-2299008"/>
+              <a:ext cx="1775211" cy="9312976"/>
+            </a:xfrm>
+            <a:prstGeom prst="bentConnector3">
+              <a:avLst>
+                <a:gd name="adj1" fmla="val 27374"/>
+              </a:avLst>
+            </a:prstGeom>
+            <a:ln>
+              <a:tailEnd type="triangle"/>
+            </a:ln>
+          </p:spPr>
+          <p:style>
+            <a:lnRef idx="1">
+              <a:schemeClr val="accent1"/>
+            </a:lnRef>
+            <a:fillRef idx="0">
+              <a:schemeClr val="accent1"/>
+            </a:fillRef>
+            <a:effectRef idx="0">
+              <a:schemeClr val="accent1"/>
+            </a:effectRef>
+            <a:fontRef idx="minor">
+              <a:schemeClr val="tx1"/>
+            </a:fontRef>
+          </p:style>
+        </p:cxnSp>
+        <p:cxnSp>
+          <p:nvCxnSpPr>
+            <p:cNvPr id="58" name="Straight Arrow Connector 57"/>
+            <p:cNvCxnSpPr>
+              <a:stCxn id="40" idx="6"/>
+            </p:cNvCxnSpPr>
+            <p:nvPr/>
+          </p:nvCxnSpPr>
+          <p:spPr>
+            <a:xfrm flipV="1">
+              <a:off x="3100616" y="3659556"/>
+              <a:ext cx="1878340" cy="1"/>
+            </a:xfrm>
+            <a:prstGeom prst="straightConnector1">
+              <a:avLst/>
+            </a:prstGeom>
+            <a:ln>
+              <a:tailEnd type="triangle"/>
+            </a:ln>
+          </p:spPr>
+          <p:style>
+            <a:lnRef idx="1">
+              <a:schemeClr val="accent1"/>
+            </a:lnRef>
+            <a:fillRef idx="0">
+              <a:schemeClr val="accent1"/>
+            </a:fillRef>
+            <a:effectRef idx="0">
+              <a:schemeClr val="accent1"/>
+            </a:effectRef>
+            <a:fontRef idx="minor">
+              <a:schemeClr val="tx1"/>
+            </a:fontRef>
+          </p:style>
+        </p:cxnSp>
+        <p:grpSp>
+          <p:nvGrpSpPr>
+            <p:cNvPr id="135" name="Group 134"/>
+            <p:cNvGrpSpPr/>
+            <p:nvPr/>
+          </p:nvGrpSpPr>
+          <p:grpSpPr>
+            <a:xfrm>
+              <a:off x="4977526" y="3229695"/>
+              <a:ext cx="492736" cy="828942"/>
+              <a:chOff x="4131322" y="4186806"/>
+              <a:chExt cx="492736" cy="828942"/>
+            </a:xfrm>
+          </p:grpSpPr>
+          <p:sp>
+            <p:nvSpPr>
+              <p:cNvPr id="61" name="Rectangle 60"/>
+              <p:cNvSpPr/>
+              <p:nvPr/>
+            </p:nvSpPr>
+            <p:spPr>
+              <a:xfrm>
+                <a:off x="4131322" y="4601276"/>
+                <a:ext cx="492736" cy="414472"/>
+              </a:xfrm>
+              <a:prstGeom prst="rect">
+                <a:avLst/>
+              </a:prstGeom>
+            </p:spPr>
+            <p:style>
+              <a:lnRef idx="2">
+                <a:schemeClr val="accent1">
+                  <a:shade val="50000"/>
+                </a:schemeClr>
+              </a:lnRef>
+              <a:fillRef idx="1">
+                <a:schemeClr val="accent1"/>
+              </a:fillRef>
+              <a:effectRef idx="0">
+                <a:schemeClr val="accent1"/>
+              </a:effectRef>
+              <a:fontRef idx="minor">
+                <a:schemeClr val="lt1"/>
+              </a:fontRef>
+            </p:style>
+            <p:txBody>
+              <a:bodyPr rtlCol="0" anchor="ctr"/>
+              <a:lstStyle/>
+              <a:p>
+                <a:pPr algn="ctr"/>
+                <a:r>
+                  <a:rPr lang="en-US" sz="1200" b="1" dirty="0" err="1" smtClean="0">
+                    <a:latin typeface="+mj-lt"/>
+                  </a:rPr>
+                  <a:t>Imag</a:t>
+                </a:r>
+                <a:endParaRPr lang="en-US" sz="1200" b="1" dirty="0">
+                  <a:latin typeface="+mj-lt"/>
+                </a:endParaRPr>
+              </a:p>
+            </p:txBody>
+          </p:sp>
+          <p:sp>
+            <p:nvSpPr>
+              <p:cNvPr id="62" name="Rectangle 61"/>
+              <p:cNvSpPr/>
+              <p:nvPr/>
+            </p:nvSpPr>
+            <p:spPr>
+              <a:xfrm>
+                <a:off x="4131322" y="4186806"/>
+                <a:ext cx="492736" cy="418612"/>
+              </a:xfrm>
+              <a:prstGeom prst="rect">
+                <a:avLst/>
+              </a:prstGeom>
+            </p:spPr>
+            <p:style>
+              <a:lnRef idx="2">
+                <a:schemeClr val="accent1">
+                  <a:shade val="50000"/>
+                </a:schemeClr>
+              </a:lnRef>
+              <a:fillRef idx="1">
+                <a:schemeClr val="accent1"/>
+              </a:fillRef>
+              <a:effectRef idx="0">
+                <a:schemeClr val="accent1"/>
+              </a:effectRef>
+              <a:fontRef idx="minor">
+                <a:schemeClr val="lt1"/>
+              </a:fontRef>
+            </p:style>
+            <p:txBody>
+              <a:bodyPr rtlCol="0" anchor="ctr"/>
+              <a:lstStyle/>
+              <a:p>
+                <a:pPr algn="ctr"/>
+                <a:r>
+                  <a:rPr lang="en-US" sz="1200" b="1" dirty="0" smtClean="0">
+                    <a:latin typeface="+mj-lt"/>
+                  </a:rPr>
+                  <a:t>Real</a:t>
+                </a:r>
+                <a:endParaRPr lang="en-US" sz="1200" b="1" dirty="0">
+                  <a:latin typeface="+mj-lt"/>
+                </a:endParaRPr>
+              </a:p>
+            </p:txBody>
+          </p:sp>
+        </p:grpSp>
+        <p:pic>
+          <p:nvPicPr>
+            <p:cNvPr id="106" name="Picture 105"/>
+            <p:cNvPicPr>
+              <a:picLocks noChangeAspect="1"/>
+            </p:cNvPicPr>
+            <p:nvPr/>
+          </p:nvPicPr>
+          <p:blipFill>
+            <a:blip r:embed="rId3" cstate="print">
+              <a:extLst>
+                <a:ext uri="{28A0092B-C50C-407E-A947-70E740481C1C}">
+                  <a14:useLocalDpi xmlns:a14="http://schemas.microsoft.com/office/drawing/2010/main" val="0"/>
+                </a:ext>
+              </a:extLst>
+            </a:blip>
+            <a:stretch>
+              <a:fillRect/>
+            </a:stretch>
+          </p:blipFill>
+          <p:spPr>
+            <a:xfrm>
+              <a:off x="6873276" y="3311519"/>
+              <a:ext cx="764628" cy="811494"/>
+            </a:xfrm>
+            <a:prstGeom prst="rect">
+              <a:avLst/>
+            </a:prstGeom>
+          </p:spPr>
+        </p:pic>
+        <p:cxnSp>
+          <p:nvCxnSpPr>
+            <p:cNvPr id="108" name="Straight Connector 107"/>
+            <p:cNvCxnSpPr>
+              <a:stCxn id="106" idx="3"/>
+            </p:cNvCxnSpPr>
+            <p:nvPr/>
+          </p:nvCxnSpPr>
+          <p:spPr>
+            <a:xfrm>
+              <a:off x="7637904" y="3717266"/>
+              <a:ext cx="355095" cy="0"/>
+            </a:xfrm>
+            <a:prstGeom prst="line">
+              <a:avLst/>
+            </a:prstGeom>
+            <a:ln>
+              <a:solidFill>
+                <a:srgbClr val="FF0000"/>
+              </a:solidFill>
+            </a:ln>
+          </p:spPr>
+          <p:style>
+            <a:lnRef idx="3">
+              <a:schemeClr val="accent2"/>
+            </a:lnRef>
+            <a:fillRef idx="0">
+              <a:schemeClr val="accent2"/>
+            </a:fillRef>
+            <a:effectRef idx="2">
+              <a:schemeClr val="accent2"/>
+            </a:effectRef>
+            <a:fontRef idx="minor">
+              <a:schemeClr val="tx1"/>
+            </a:fontRef>
+          </p:style>
+        </p:cxnSp>
+        <p:sp>
+          <p:nvSpPr>
+            <p:cNvPr id="109" name="TextBox 108"/>
+            <p:cNvSpPr txBox="1"/>
+            <p:nvPr/>
+          </p:nvSpPr>
+          <p:spPr>
+            <a:xfrm>
+              <a:off x="6873343" y="3006393"/>
+              <a:ext cx="612134" cy="354264"/>
+            </a:xfrm>
+            <a:prstGeom prst="rect">
+              <a:avLst/>
+            </a:prstGeom>
+            <a:noFill/>
+          </p:spPr>
+          <p:txBody>
+            <a:bodyPr wrap="none" rtlCol="0">
+              <a:spAutoFit/>
+            </a:bodyPr>
+            <a:lstStyle/>
+            <a:p>
+              <a:r>
+                <a:rPr lang="en-US" sz="1400" dirty="0" smtClean="0"/>
+                <a:t>LASER</a:t>
+              </a:r>
+              <a:endParaRPr lang="en-US" sz="1400" dirty="0"/>
+            </a:p>
+          </p:txBody>
+        </p:sp>
+        <p:pic>
+          <p:nvPicPr>
+            <p:cNvPr id="115" name="Picture 114"/>
+            <p:cNvPicPr>
+              <a:picLocks noChangeAspect="1"/>
+            </p:cNvPicPr>
+            <p:nvPr/>
+          </p:nvPicPr>
+          <p:blipFill>
+            <a:blip r:embed="rId4" cstate="print">
+              <a:extLst>
+                <a:ext uri="{28A0092B-C50C-407E-A947-70E740481C1C}">
+                  <a14:useLocalDpi xmlns:a14="http://schemas.microsoft.com/office/drawing/2010/main" val="0"/>
+                </a:ext>
+              </a:extLst>
+            </a:blip>
+            <a:stretch>
+              <a:fillRect/>
+            </a:stretch>
+          </p:blipFill>
+          <p:spPr>
+            <a:xfrm>
+              <a:off x="7856513" y="2835561"/>
+              <a:ext cx="1349959" cy="1765715"/>
+            </a:xfrm>
+            <a:prstGeom prst="rect">
+              <a:avLst/>
+            </a:prstGeom>
+          </p:spPr>
+        </p:pic>
+        <p:sp>
+          <p:nvSpPr>
+            <p:cNvPr id="116" name="TextBox 115"/>
+            <p:cNvSpPr txBox="1"/>
+            <p:nvPr/>
+          </p:nvSpPr>
+          <p:spPr>
+            <a:xfrm>
+              <a:off x="10379397" y="2771979"/>
+              <a:ext cx="537597" cy="602247"/>
+            </a:xfrm>
+            <a:prstGeom prst="rect">
+              <a:avLst/>
+            </a:prstGeom>
+            <a:noFill/>
+          </p:spPr>
+          <p:txBody>
+            <a:bodyPr wrap="none" rtlCol="0">
+              <a:spAutoFit/>
+            </a:bodyPr>
+            <a:lstStyle/>
+            <a:p>
+              <a:pPr algn="ctr"/>
+              <a:r>
+                <a:rPr lang="en-US" sz="1400" dirty="0" smtClean="0"/>
+                <a:t>Fiber</a:t>
+              </a:r>
+            </a:p>
+            <a:p>
+              <a:pPr algn="ctr"/>
+              <a:r>
+                <a:rPr lang="en-US" sz="1400" dirty="0" smtClean="0"/>
+                <a:t>Loop</a:t>
+              </a:r>
+              <a:endParaRPr lang="en-US" sz="1400" dirty="0"/>
+            </a:p>
+          </p:txBody>
+        </p:sp>
+        <p:cxnSp>
+          <p:nvCxnSpPr>
+            <p:cNvPr id="117" name="Straight Connector 116"/>
+            <p:cNvCxnSpPr/>
+            <p:nvPr/>
+          </p:nvCxnSpPr>
+          <p:spPr>
+            <a:xfrm flipV="1">
+              <a:off x="9029438" y="3718418"/>
+              <a:ext cx="442637" cy="2"/>
+            </a:xfrm>
+            <a:prstGeom prst="line">
+              <a:avLst/>
+            </a:prstGeom>
+            <a:ln>
+              <a:solidFill>
+                <a:srgbClr val="FF0000"/>
+              </a:solidFill>
+            </a:ln>
+          </p:spPr>
+          <p:style>
+            <a:lnRef idx="3">
+              <a:schemeClr val="accent2"/>
+            </a:lnRef>
+            <a:fillRef idx="0">
+              <a:schemeClr val="accent2"/>
+            </a:fillRef>
+            <a:effectRef idx="2">
+              <a:schemeClr val="accent2"/>
+            </a:effectRef>
+            <a:fontRef idx="minor">
+              <a:schemeClr val="tx1"/>
+            </a:fontRef>
+          </p:style>
+        </p:cxnSp>
+        <p:grpSp>
+          <p:nvGrpSpPr>
+            <p:cNvPr id="118" name="Group 117"/>
+            <p:cNvGrpSpPr/>
+            <p:nvPr/>
+          </p:nvGrpSpPr>
+          <p:grpSpPr>
+            <a:xfrm>
+              <a:off x="10403337" y="3339330"/>
+              <a:ext cx="493187" cy="377101"/>
+              <a:chOff x="9200668" y="2800350"/>
+              <a:chExt cx="840581" cy="452438"/>
+            </a:xfrm>
+          </p:grpSpPr>
+          <p:sp>
+            <p:nvSpPr>
+              <p:cNvPr id="123" name="Oval 122"/>
+              <p:cNvSpPr/>
+              <p:nvPr/>
+            </p:nvSpPr>
+            <p:spPr>
+              <a:xfrm>
+                <a:off x="9296400" y="2800350"/>
+                <a:ext cx="469106" cy="452438"/>
+              </a:xfrm>
+              <a:prstGeom prst="ellipse">
+                <a:avLst/>
+              </a:prstGeom>
+              <a:solidFill>
+                <a:schemeClr val="lt1">
+                  <a:alpha val="0"/>
+                </a:schemeClr>
+              </a:solidFill>
+              <a:ln w="38100"/>
+            </p:spPr>
+            <p:style>
+              <a:lnRef idx="2">
+                <a:schemeClr val="dk1"/>
+              </a:lnRef>
+              <a:fillRef idx="1">
+                <a:schemeClr val="lt1"/>
+              </a:fillRef>
+              <a:effectRef idx="0">
+                <a:schemeClr val="dk1"/>
+              </a:effectRef>
+              <a:fontRef idx="minor">
+                <a:schemeClr val="dk1"/>
+              </a:fontRef>
+            </p:style>
+            <p:txBody>
+              <a:bodyPr rtlCol="0" anchor="ctr"/>
+              <a:lstStyle/>
+              <a:p>
+                <a:pPr algn="ctr"/>
+                <a:endParaRPr lang="en-US"/>
+              </a:p>
+            </p:txBody>
+          </p:sp>
+          <p:sp>
+            <p:nvSpPr>
+              <p:cNvPr id="124" name="Oval 123"/>
+              <p:cNvSpPr/>
+              <p:nvPr/>
+            </p:nvSpPr>
+            <p:spPr>
+              <a:xfrm>
+                <a:off x="9376960" y="2800350"/>
+                <a:ext cx="482085" cy="452438"/>
+              </a:xfrm>
+              <a:prstGeom prst="ellipse">
+                <a:avLst/>
+              </a:prstGeom>
+              <a:solidFill>
+                <a:schemeClr val="lt1">
+                  <a:alpha val="0"/>
+                </a:schemeClr>
+              </a:solidFill>
+              <a:ln w="38100"/>
+            </p:spPr>
+            <p:style>
+              <a:lnRef idx="2">
+                <a:schemeClr val="dk1"/>
+              </a:lnRef>
+              <a:fillRef idx="1">
+                <a:schemeClr val="lt1"/>
+              </a:fillRef>
+              <a:effectRef idx="0">
+                <a:schemeClr val="dk1"/>
+              </a:effectRef>
+              <a:fontRef idx="minor">
+                <a:schemeClr val="dk1"/>
+              </a:fontRef>
+            </p:style>
+            <p:txBody>
+              <a:bodyPr rtlCol="0" anchor="ctr"/>
+              <a:lstStyle/>
+              <a:p>
+                <a:pPr algn="ctr"/>
+                <a:endParaRPr lang="en-US"/>
+              </a:p>
+            </p:txBody>
+          </p:sp>
+          <p:sp>
+            <p:nvSpPr>
+              <p:cNvPr id="125" name="Oval 124"/>
+              <p:cNvSpPr/>
+              <p:nvPr/>
+            </p:nvSpPr>
+            <p:spPr>
+              <a:xfrm>
+                <a:off x="9462923" y="2800350"/>
+                <a:ext cx="469106" cy="452438"/>
+              </a:xfrm>
+              <a:prstGeom prst="ellipse">
+                <a:avLst/>
+              </a:prstGeom>
+              <a:solidFill>
+                <a:schemeClr val="lt1">
+                  <a:alpha val="0"/>
+                </a:schemeClr>
+              </a:solidFill>
+              <a:ln w="38100"/>
+            </p:spPr>
+            <p:style>
+              <a:lnRef idx="2">
+                <a:schemeClr val="dk1"/>
+              </a:lnRef>
+              <a:fillRef idx="1">
+                <a:schemeClr val="lt1"/>
+              </a:fillRef>
+              <a:effectRef idx="0">
+                <a:schemeClr val="dk1"/>
+              </a:effectRef>
+              <a:fontRef idx="minor">
+                <a:schemeClr val="dk1"/>
+              </a:fontRef>
+            </p:style>
+            <p:txBody>
+              <a:bodyPr rtlCol="0" anchor="ctr"/>
+              <a:lstStyle/>
+              <a:p>
+                <a:pPr algn="ctr"/>
+                <a:endParaRPr lang="en-US"/>
+              </a:p>
+            </p:txBody>
+          </p:sp>
+          <p:cxnSp>
+            <p:nvCxnSpPr>
+              <p:cNvPr id="126" name="Straight Connector 125"/>
+              <p:cNvCxnSpPr/>
+              <p:nvPr/>
+            </p:nvCxnSpPr>
+            <p:spPr>
+              <a:xfrm>
+                <a:off x="9200668" y="3252788"/>
+                <a:ext cx="840581" cy="0"/>
+              </a:xfrm>
+              <a:prstGeom prst="line">
+                <a:avLst/>
+              </a:prstGeom>
+              <a:ln w="28575"/>
+            </p:spPr>
+            <p:style>
+              <a:lnRef idx="1">
+                <a:schemeClr val="dk1"/>
+              </a:lnRef>
+              <a:fillRef idx="0">
+                <a:schemeClr val="dk1"/>
+              </a:fillRef>
+              <a:effectRef idx="0">
+                <a:schemeClr val="dk1"/>
+              </a:effectRef>
+              <a:fontRef idx="minor">
+                <a:schemeClr val="tx1"/>
+              </a:fontRef>
+            </p:style>
+          </p:cxnSp>
+        </p:grpSp>
+        <p:cxnSp>
+          <p:nvCxnSpPr>
+            <p:cNvPr id="119" name="Straight Connector 118"/>
+            <p:cNvCxnSpPr/>
+            <p:nvPr/>
+          </p:nvCxnSpPr>
+          <p:spPr>
+            <a:xfrm flipV="1">
+              <a:off x="9456129" y="3717264"/>
+              <a:ext cx="923268" cy="1156"/>
+            </a:xfrm>
+            <a:prstGeom prst="line">
+              <a:avLst/>
+            </a:prstGeom>
+            <a:ln>
+              <a:solidFill>
+                <a:srgbClr val="FF0000"/>
+              </a:solidFill>
+              <a:prstDash val="sysDash"/>
+            </a:ln>
+          </p:spPr>
+          <p:style>
+            <a:lnRef idx="3">
+              <a:schemeClr val="accent2"/>
+            </a:lnRef>
+            <a:fillRef idx="0">
+              <a:schemeClr val="accent2"/>
+            </a:fillRef>
+            <a:effectRef idx="2">
+              <a:schemeClr val="accent2"/>
+            </a:effectRef>
+            <a:fontRef idx="minor">
+              <a:schemeClr val="tx1"/>
+            </a:fontRef>
+          </p:style>
+        </p:cxnSp>
+        <p:cxnSp>
+          <p:nvCxnSpPr>
+            <p:cNvPr id="120" name="Straight Connector 119"/>
+            <p:cNvCxnSpPr/>
+            <p:nvPr/>
+          </p:nvCxnSpPr>
+          <p:spPr>
+            <a:xfrm flipV="1">
+              <a:off x="10904235" y="3716431"/>
+              <a:ext cx="442637" cy="2"/>
+            </a:xfrm>
+            <a:prstGeom prst="line">
+              <a:avLst/>
+            </a:prstGeom>
+            <a:ln>
+              <a:solidFill>
+                <a:srgbClr val="FF0000"/>
+              </a:solidFill>
+              <a:prstDash val="sysDash"/>
+            </a:ln>
+          </p:spPr>
+          <p:style>
+            <a:lnRef idx="3">
+              <a:schemeClr val="accent2"/>
+            </a:lnRef>
+            <a:fillRef idx="0">
+              <a:schemeClr val="accent2"/>
+            </a:fillRef>
+            <a:effectRef idx="2">
+              <a:schemeClr val="accent2"/>
+            </a:effectRef>
+            <a:fontRef idx="minor">
+              <a:schemeClr val="tx1"/>
+            </a:fontRef>
+          </p:style>
+        </p:cxnSp>
+        <p:cxnSp>
+          <p:nvCxnSpPr>
+            <p:cNvPr id="121" name="Straight Arrow Connector 120"/>
+            <p:cNvCxnSpPr/>
+            <p:nvPr/>
+          </p:nvCxnSpPr>
+          <p:spPr>
+            <a:xfrm>
+              <a:off x="11332712" y="3716431"/>
+              <a:ext cx="309895" cy="0"/>
+            </a:xfrm>
+            <a:prstGeom prst="straightConnector1">
+              <a:avLst/>
+            </a:prstGeom>
+            <a:ln w="19050">
+              <a:solidFill>
+                <a:srgbClr val="FF0000"/>
+              </a:solidFill>
+              <a:tailEnd type="triangle"/>
+            </a:ln>
+          </p:spPr>
+          <p:style>
+            <a:lnRef idx="1">
+              <a:schemeClr val="accent1"/>
+            </a:lnRef>
+            <a:fillRef idx="0">
+              <a:schemeClr val="accent1"/>
+            </a:fillRef>
+            <a:effectRef idx="0">
+              <a:schemeClr val="accent1"/>
+            </a:effectRef>
+            <a:fontRef idx="minor">
+              <a:schemeClr val="tx1"/>
+            </a:fontRef>
+          </p:style>
+        </p:cxnSp>
+        <p:sp>
+          <p:nvSpPr>
+            <p:cNvPr id="122" name="TextBox 121"/>
+            <p:cNvSpPr txBox="1"/>
+            <p:nvPr/>
+          </p:nvSpPr>
+          <p:spPr>
+            <a:xfrm>
+              <a:off x="9422895" y="4081342"/>
+              <a:ext cx="1105051" cy="594988"/>
+            </a:xfrm>
+            <a:prstGeom prst="rect">
+              <a:avLst/>
+            </a:prstGeom>
+            <a:noFill/>
+          </p:spPr>
+          <p:txBody>
+            <a:bodyPr wrap="none" rtlCol="0">
+              <a:spAutoFit/>
+            </a:bodyPr>
+            <a:lstStyle/>
+            <a:p>
+              <a:pPr algn="ctr"/>
+              <a:r>
+                <a:rPr lang="en-US" sz="1400" dirty="0" smtClean="0"/>
+                <a:t>SSB </a:t>
+              </a:r>
+            </a:p>
+            <a:p>
+              <a:pPr algn="ctr"/>
+              <a:r>
+                <a:rPr lang="en-US" sz="1400" dirty="0" smtClean="0"/>
+                <a:t>Optical Signal</a:t>
+              </a:r>
+              <a:endParaRPr lang="en-US" sz="1400" dirty="0"/>
+            </a:p>
+          </p:txBody>
+        </p:sp>
+        <p:grpSp>
+          <p:nvGrpSpPr>
+            <p:cNvPr id="180" name="Group 179"/>
+            <p:cNvGrpSpPr/>
+            <p:nvPr/>
+          </p:nvGrpSpPr>
+          <p:grpSpPr>
+            <a:xfrm>
+              <a:off x="5470262" y="2705099"/>
+              <a:ext cx="3022581" cy="733902"/>
+              <a:chOff x="5470262" y="2705099"/>
+              <a:chExt cx="3022581" cy="733902"/>
+            </a:xfrm>
+          </p:grpSpPr>
+          <p:cxnSp>
+            <p:nvCxnSpPr>
+              <p:cNvPr id="168" name="Elbow Connector 167"/>
+              <p:cNvCxnSpPr>
+                <a:stCxn id="62" idx="3"/>
+              </p:cNvCxnSpPr>
+              <p:nvPr/>
+            </p:nvCxnSpPr>
+            <p:spPr>
+              <a:xfrm flipV="1">
+                <a:off x="5470262" y="2705099"/>
+                <a:ext cx="1953360" cy="733902"/>
+              </a:xfrm>
+              <a:prstGeom prst="bentConnector3">
+                <a:avLst>
+                  <a:gd name="adj1" fmla="val 50000"/>
+                </a:avLst>
+              </a:prstGeom>
+            </p:spPr>
+            <p:style>
+              <a:lnRef idx="1">
+                <a:schemeClr val="accent1"/>
+              </a:lnRef>
+              <a:fillRef idx="0">
+                <a:schemeClr val="accent1"/>
+              </a:fillRef>
+              <a:effectRef idx="0">
+                <a:schemeClr val="accent1"/>
+              </a:effectRef>
+              <a:fontRef idx="minor">
+                <a:schemeClr val="tx1"/>
+              </a:fontRef>
+            </p:style>
+          </p:cxnSp>
+          <p:cxnSp>
+            <p:nvCxnSpPr>
+              <p:cNvPr id="171" name="Elbow Connector 170"/>
+              <p:cNvCxnSpPr/>
+              <p:nvPr/>
+            </p:nvCxnSpPr>
+            <p:spPr>
+              <a:xfrm>
+                <a:off x="7417180" y="2705099"/>
+                <a:ext cx="1075663" cy="319059"/>
+              </a:xfrm>
+              <a:prstGeom prst="bentConnector3">
+                <a:avLst>
+                  <a:gd name="adj1" fmla="val 100252"/>
+                </a:avLst>
+              </a:prstGeom>
+              <a:ln>
+                <a:tailEnd type="triangle"/>
+              </a:ln>
+            </p:spPr>
+            <p:style>
+              <a:lnRef idx="1">
+                <a:schemeClr val="accent1"/>
+              </a:lnRef>
+              <a:fillRef idx="0">
+                <a:schemeClr val="accent1"/>
+              </a:fillRef>
+              <a:effectRef idx="0">
+                <a:schemeClr val="accent1"/>
+              </a:effectRef>
+              <a:fontRef idx="minor">
+                <a:schemeClr val="tx1"/>
+              </a:fontRef>
+            </p:style>
+          </p:cxnSp>
+        </p:grpSp>
+        <p:grpSp>
+          <p:nvGrpSpPr>
+            <p:cNvPr id="181" name="Group 180"/>
+            <p:cNvGrpSpPr/>
+            <p:nvPr/>
+          </p:nvGrpSpPr>
+          <p:grpSpPr>
+            <a:xfrm>
+              <a:off x="5470262" y="3851401"/>
+              <a:ext cx="3029023" cy="857502"/>
+              <a:chOff x="5443101" y="2640394"/>
+              <a:chExt cx="3029023" cy="857502"/>
+            </a:xfrm>
+          </p:grpSpPr>
+          <p:cxnSp>
+            <p:nvCxnSpPr>
+              <p:cNvPr id="182" name="Elbow Connector 181"/>
+              <p:cNvCxnSpPr>
+                <a:stCxn id="61" idx="3"/>
+              </p:cNvCxnSpPr>
+              <p:nvPr/>
+            </p:nvCxnSpPr>
+            <p:spPr>
+              <a:xfrm>
+                <a:off x="5443101" y="2640394"/>
+                <a:ext cx="1953360" cy="857502"/>
+              </a:xfrm>
+              <a:prstGeom prst="bentConnector3">
+                <a:avLst>
+                  <a:gd name="adj1" fmla="val 50000"/>
+                </a:avLst>
+              </a:prstGeom>
+            </p:spPr>
+            <p:style>
+              <a:lnRef idx="1">
+                <a:schemeClr val="accent1"/>
+              </a:lnRef>
+              <a:fillRef idx="0">
+                <a:schemeClr val="accent1"/>
+              </a:fillRef>
+              <a:effectRef idx="0">
+                <a:schemeClr val="accent1"/>
+              </a:effectRef>
+              <a:fontRef idx="minor">
+                <a:schemeClr val="tx1"/>
+              </a:fontRef>
+            </p:style>
+          </p:cxnSp>
+          <p:cxnSp>
+            <p:nvCxnSpPr>
+              <p:cNvPr id="183" name="Elbow Connector 182"/>
+              <p:cNvCxnSpPr/>
+              <p:nvPr/>
+            </p:nvCxnSpPr>
+            <p:spPr>
+              <a:xfrm flipV="1">
+                <a:off x="7396461" y="3178837"/>
+                <a:ext cx="1075663" cy="319059"/>
+              </a:xfrm>
+              <a:prstGeom prst="bentConnector3">
+                <a:avLst>
+                  <a:gd name="adj1" fmla="val 100252"/>
+                </a:avLst>
+              </a:prstGeom>
+              <a:ln>
+                <a:tailEnd type="triangle"/>
+              </a:ln>
+            </p:spPr>
+            <p:style>
+              <a:lnRef idx="1">
+                <a:schemeClr val="accent1"/>
+              </a:lnRef>
+              <a:fillRef idx="0">
+                <a:schemeClr val="accent1"/>
+              </a:fillRef>
+              <a:effectRef idx="0">
+                <a:schemeClr val="accent1"/>
+              </a:effectRef>
+              <a:fontRef idx="minor">
+                <a:schemeClr val="tx1"/>
+              </a:fontRef>
+            </p:style>
+          </p:cxnSp>
+        </p:grpSp>
+        <p:sp>
+          <p:nvSpPr>
+            <p:cNvPr id="196" name="TextBox 195"/>
+            <p:cNvSpPr txBox="1"/>
+            <p:nvPr/>
+          </p:nvSpPr>
+          <p:spPr>
+            <a:xfrm>
+              <a:off x="7899287" y="4741916"/>
+              <a:ext cx="1385123" cy="307777"/>
+            </a:xfrm>
+            <a:prstGeom prst="rect">
+              <a:avLst/>
+            </a:prstGeom>
+            <a:noFill/>
+          </p:spPr>
+          <p:txBody>
+            <a:bodyPr wrap="none" rtlCol="0">
+              <a:spAutoFit/>
+            </a:bodyPr>
+            <a:lstStyle/>
+            <a:p>
+              <a:r>
+                <a:rPr lang="en-US" sz="1400" dirty="0" smtClean="0"/>
+                <a:t>MZM modulator</a:t>
+              </a:r>
+              <a:endParaRPr lang="en-US" sz="1400" dirty="0"/>
+            </a:p>
+          </p:txBody>
+        </p:sp>
+        <mc:AlternateContent xmlns:mc="http://schemas.openxmlformats.org/markup-compatibility/2006">
+          <mc:Choice xmlns:a14="http://schemas.microsoft.com/office/drawing/2010/main" Requires="a14">
+            <p:sp>
+              <p:nvSpPr>
+                <p:cNvPr id="204" name="TextBox 203"/>
+                <p:cNvSpPr txBox="1"/>
+                <p:nvPr/>
+              </p:nvSpPr>
+              <p:spPr>
+                <a:xfrm>
+                  <a:off x="11254952" y="811850"/>
+                  <a:ext cx="349455" cy="215444"/>
+                </a:xfrm>
+                <a:prstGeom prst="rect">
+                  <a:avLst/>
+                </a:prstGeom>
+                <a:noFill/>
+              </p:spPr>
+              <p:txBody>
+                <a:bodyPr wrap="none" lIns="0" tIns="0" rIns="0" bIns="0" rtlCol="0">
+                  <a:spAutoFit/>
+                </a:bodyPr>
+                <a:lstStyle/>
+                <a:p>
+                  <a14:m>
+                    <m:oMathPara xmlns:m="http://schemas.openxmlformats.org/officeDocument/2006/math">
+                      <m:oMathParaPr>
+                        <m:jc m:val="centerGroup"/>
+                      </m:oMathParaPr>
+                      <m:oMath xmlns:m="http://schemas.openxmlformats.org/officeDocument/2006/math">
+                        <m:r>
+                          <a:rPr lang="en-US" sz="1400" b="0" i="1" smtClean="0">
+                            <a:latin typeface="Cambria Math" panose="02040503050406030204" pitchFamily="18" charset="0"/>
+                          </a:rPr>
+                          <m:t>𝑠</m:t>
+                        </m:r>
+                        <m:r>
+                          <a:rPr lang="en-US" sz="1400" b="0" i="1" smtClean="0">
+                            <a:latin typeface="Cambria Math" panose="02040503050406030204" pitchFamily="18" charset="0"/>
+                          </a:rPr>
+                          <m:t>(</m:t>
+                        </m:r>
+                        <m:r>
+                          <a:rPr lang="en-US" sz="1400" b="0" i="1" smtClean="0">
+                            <a:latin typeface="Cambria Math" panose="02040503050406030204" pitchFamily="18" charset="0"/>
+                          </a:rPr>
+                          <m:t>𝑡</m:t>
+                        </m:r>
+                        <m:r>
+                          <a:rPr lang="en-US" sz="1400" b="0" i="1" smtClean="0">
+                            <a:latin typeface="Cambria Math" panose="02040503050406030204" pitchFamily="18" charset="0"/>
+                          </a:rPr>
+                          <m:t>)</m:t>
+                        </m:r>
+                      </m:oMath>
+                    </m:oMathPara>
+                  </a14:m>
+                  <a:endParaRPr lang="en-US" sz="1400" dirty="0"/>
+                </a:p>
+              </p:txBody>
+            </p:sp>
+          </mc:Choice>
+          <mc:Fallback>
+            <p:sp>
+              <p:nvSpPr>
+                <p:cNvPr id="204" name="TextBox 203"/>
+                <p:cNvSpPr txBox="1">
+                  <a:spLocks noRot="1" noChangeAspect="1" noMove="1" noResize="1" noEditPoints="1" noAdjustHandles="1" noChangeArrowheads="1" noChangeShapeType="1" noTextEdit="1"/>
+                </p:cNvSpPr>
+                <p:nvPr/>
+              </p:nvSpPr>
+              <p:spPr>
+                <a:xfrm>
+                  <a:off x="11254952" y="811850"/>
+                  <a:ext cx="349455" cy="215444"/>
+                </a:xfrm>
+                <a:prstGeom prst="rect">
+                  <a:avLst/>
+                </a:prstGeom>
+                <a:blipFill>
+                  <a:blip r:embed="rId5"/>
+                  <a:stretch>
+                    <a:fillRect l="-7018" r="-17544" b="-31429"/>
+                  </a:stretch>
+                </a:blipFill>
+              </p:spPr>
+              <p:txBody>
+                <a:bodyPr/>
+                <a:lstStyle/>
+                <a:p>
+                  <a:r>
+                    <a:rPr lang="en-US">
+                      <a:noFill/>
+                    </a:rPr>
+                    <a:t> </a:t>
+                  </a:r>
+                </a:p>
+              </p:txBody>
+            </p:sp>
+          </mc:Fallback>
+        </mc:AlternateContent>
+        <mc:AlternateContent xmlns:mc="http://schemas.openxmlformats.org/markup-compatibility/2006">
+          <mc:Choice xmlns:a14="http://schemas.microsoft.com/office/drawing/2010/main" Requires="a14">
+            <p:sp>
+              <p:nvSpPr>
+                <p:cNvPr id="205" name="TextBox 204"/>
+                <p:cNvSpPr txBox="1"/>
+                <p:nvPr/>
+              </p:nvSpPr>
+              <p:spPr>
+                <a:xfrm>
+                  <a:off x="2037258" y="3410294"/>
+                  <a:ext cx="349455" cy="215444"/>
+                </a:xfrm>
+                <a:prstGeom prst="rect">
+                  <a:avLst/>
+                </a:prstGeom>
+                <a:noFill/>
+              </p:spPr>
+              <p:txBody>
+                <a:bodyPr wrap="none" lIns="0" tIns="0" rIns="0" bIns="0" rtlCol="0">
+                  <a:spAutoFit/>
+                </a:bodyPr>
+                <a:lstStyle/>
+                <a:p>
+                  <a14:m>
+                    <m:oMathPara xmlns:m="http://schemas.openxmlformats.org/officeDocument/2006/math">
+                      <m:oMathParaPr>
+                        <m:jc m:val="centerGroup"/>
+                      </m:oMathParaPr>
+                      <m:oMath xmlns:m="http://schemas.openxmlformats.org/officeDocument/2006/math">
+                        <m:acc>
+                          <m:accPr>
+                            <m:chr m:val="̂"/>
+                            <m:ctrlPr>
+                              <a:rPr lang="en-US" sz="1400" i="1" smtClean="0">
+                                <a:latin typeface="Cambria Math" panose="02040503050406030204" pitchFamily="18" charset="0"/>
+                              </a:rPr>
+                            </m:ctrlPr>
+                          </m:accPr>
+                          <m:e>
+                            <m:r>
+                              <a:rPr lang="en-US" sz="1400" b="0" i="1" smtClean="0">
+                                <a:latin typeface="Cambria Math" panose="02040503050406030204" pitchFamily="18" charset="0"/>
+                              </a:rPr>
+                              <m:t>𝑠</m:t>
+                            </m:r>
+                          </m:e>
+                        </m:acc>
+                        <m:r>
+                          <a:rPr lang="en-US" sz="1400" b="0" i="1" smtClean="0">
+                            <a:latin typeface="Cambria Math" panose="02040503050406030204" pitchFamily="18" charset="0"/>
+                          </a:rPr>
+                          <m:t>(</m:t>
+                        </m:r>
+                        <m:r>
+                          <a:rPr lang="en-US" sz="1400" b="0" i="1" smtClean="0">
+                            <a:latin typeface="Cambria Math" panose="02040503050406030204" pitchFamily="18" charset="0"/>
+                          </a:rPr>
+                          <m:t>𝑡</m:t>
+                        </m:r>
+                        <m:r>
+                          <a:rPr lang="en-US" sz="1400" b="0" i="1" smtClean="0">
+                            <a:latin typeface="Cambria Math" panose="02040503050406030204" pitchFamily="18" charset="0"/>
+                          </a:rPr>
+                          <m:t>)</m:t>
+                        </m:r>
+                      </m:oMath>
+                    </m:oMathPara>
+                  </a14:m>
+                  <a:endParaRPr lang="en-US" sz="1400" dirty="0"/>
+                </a:p>
+              </p:txBody>
+            </p:sp>
+          </mc:Choice>
+          <mc:Fallback>
+            <p:sp>
+              <p:nvSpPr>
+                <p:cNvPr id="205" name="TextBox 204"/>
+                <p:cNvSpPr txBox="1">
+                  <a:spLocks noRot="1" noChangeAspect="1" noMove="1" noResize="1" noEditPoints="1" noAdjustHandles="1" noChangeArrowheads="1" noChangeShapeType="1" noTextEdit="1"/>
+                </p:cNvSpPr>
+                <p:nvPr/>
+              </p:nvSpPr>
+              <p:spPr>
+                <a:xfrm>
+                  <a:off x="2037258" y="3410294"/>
+                  <a:ext cx="349455" cy="215444"/>
+                </a:xfrm>
+                <a:prstGeom prst="rect">
+                  <a:avLst/>
+                </a:prstGeom>
+                <a:blipFill>
+                  <a:blip r:embed="rId6"/>
+                  <a:stretch>
+                    <a:fillRect l="-7018" t="-17143" r="-17544" b="-31429"/>
+                  </a:stretch>
+                </a:blipFill>
+              </p:spPr>
+              <p:txBody>
+                <a:bodyPr/>
+                <a:lstStyle/>
+                <a:p>
+                  <a:r>
+                    <a:rPr lang="en-US">
+                      <a:noFill/>
+                    </a:rPr>
+                    <a:t> </a:t>
+                  </a:r>
+                </a:p>
+              </p:txBody>
+            </p:sp>
+          </mc:Fallback>
+        </mc:AlternateContent>
+        <mc:AlternateContent xmlns:mc="http://schemas.openxmlformats.org/markup-compatibility/2006">
+          <mc:Choice xmlns:a14="http://schemas.microsoft.com/office/drawing/2010/main" Requires="a14">
+            <p:sp>
+              <p:nvSpPr>
+                <p:cNvPr id="213" name="TextBox 212"/>
+                <p:cNvSpPr txBox="1"/>
+                <p:nvPr/>
+              </p:nvSpPr>
+              <p:spPr>
+                <a:xfrm>
+                  <a:off x="3240191" y="3410294"/>
+                  <a:ext cx="1500988" cy="215444"/>
+                </a:xfrm>
+                <a:prstGeom prst="rect">
+                  <a:avLst/>
+                </a:prstGeom>
+                <a:noFill/>
+              </p:spPr>
+              <p:txBody>
+                <a:bodyPr wrap="none" lIns="0" tIns="0" rIns="0" bIns="0" rtlCol="0">
+                  <a:spAutoFit/>
+                </a:bodyPr>
+                <a:lstStyle/>
+                <a:p>
+                  <a14:m>
+                    <m:oMathPara xmlns:m="http://schemas.openxmlformats.org/officeDocument/2006/math">
+                      <m:oMathParaPr>
+                        <m:jc m:val="centerGroup"/>
+                      </m:oMathParaPr>
+                      <m:oMath xmlns:m="http://schemas.openxmlformats.org/officeDocument/2006/math">
+                        <m:sSub>
+                          <m:sSubPr>
+                            <m:ctrlPr>
+                              <a:rPr lang="en-US" sz="1400" i="1" smtClean="0">
+                                <a:latin typeface="Cambria Math" panose="02040503050406030204" pitchFamily="18" charset="0"/>
+                              </a:rPr>
+                            </m:ctrlPr>
+                          </m:sSubPr>
+                          <m:e>
+                            <m:r>
+                              <a:rPr lang="en-US" sz="1400" b="0" i="1" smtClean="0">
+                                <a:latin typeface="Cambria Math" panose="02040503050406030204" pitchFamily="18" charset="0"/>
+                              </a:rPr>
+                              <m:t>𝑠</m:t>
+                            </m:r>
+                          </m:e>
+                          <m:sub>
+                            <m:r>
+                              <a:rPr lang="en-US" sz="1400" b="0" i="1" smtClean="0">
+                                <a:latin typeface="Cambria Math" panose="02040503050406030204" pitchFamily="18" charset="0"/>
+                              </a:rPr>
+                              <m:t>𝑎</m:t>
+                            </m:r>
+                          </m:sub>
+                        </m:sSub>
+                        <m:d>
+                          <m:dPr>
+                            <m:ctrlPr>
+                              <a:rPr lang="en-US" sz="1400" b="0" i="1" smtClean="0">
+                                <a:latin typeface="Cambria Math" panose="02040503050406030204" pitchFamily="18" charset="0"/>
+                              </a:rPr>
+                            </m:ctrlPr>
+                          </m:dPr>
+                          <m:e>
+                            <m:r>
+                              <a:rPr lang="en-US" sz="1400" b="0" i="1" smtClean="0">
+                                <a:latin typeface="Cambria Math" panose="02040503050406030204" pitchFamily="18" charset="0"/>
+                              </a:rPr>
+                              <m:t>𝑡</m:t>
+                            </m:r>
+                          </m:e>
+                        </m:d>
+                        <m:r>
+                          <a:rPr lang="en-US" sz="1400" b="0" i="1" smtClean="0">
+                            <a:latin typeface="Cambria Math" panose="02040503050406030204" pitchFamily="18" charset="0"/>
+                          </a:rPr>
+                          <m:t>=</m:t>
+                        </m:r>
+                        <m:r>
+                          <a:rPr lang="en-US" sz="1400" b="0" i="1" smtClean="0">
+                            <a:latin typeface="Cambria Math" panose="02040503050406030204" pitchFamily="18" charset="0"/>
+                          </a:rPr>
+                          <m:t>𝑠</m:t>
+                        </m:r>
+                        <m:d>
+                          <m:dPr>
+                            <m:ctrlPr>
+                              <a:rPr lang="en-US" sz="1400" b="0" i="1" smtClean="0">
+                                <a:latin typeface="Cambria Math" panose="02040503050406030204" pitchFamily="18" charset="0"/>
+                              </a:rPr>
+                            </m:ctrlPr>
+                          </m:dPr>
+                          <m:e>
+                            <m:r>
+                              <a:rPr lang="en-US" sz="1400" b="0" i="1" smtClean="0">
+                                <a:latin typeface="Cambria Math" panose="02040503050406030204" pitchFamily="18" charset="0"/>
+                              </a:rPr>
+                              <m:t>𝑡</m:t>
+                            </m:r>
+                          </m:e>
+                        </m:d>
+                        <m:r>
+                          <a:rPr lang="en-US" sz="1400" b="0" i="1" smtClean="0">
+                            <a:latin typeface="Cambria Math" panose="02040503050406030204" pitchFamily="18" charset="0"/>
+                          </a:rPr>
+                          <m:t>+</m:t>
+                        </m:r>
+                        <m:acc>
+                          <m:accPr>
+                            <m:chr m:val="̂"/>
+                            <m:ctrlPr>
+                              <a:rPr lang="en-US" sz="1400" b="0" i="1" smtClean="0">
+                                <a:latin typeface="Cambria Math" panose="02040503050406030204" pitchFamily="18" charset="0"/>
+                              </a:rPr>
+                            </m:ctrlPr>
+                          </m:accPr>
+                          <m:e>
+                            <m:r>
+                              <a:rPr lang="en-US" sz="1400" b="0" i="1" smtClean="0">
+                                <a:latin typeface="Cambria Math" panose="02040503050406030204" pitchFamily="18" charset="0"/>
+                              </a:rPr>
+                              <m:t>𝑠</m:t>
+                            </m:r>
+                          </m:e>
+                        </m:acc>
+                        <m:r>
+                          <a:rPr lang="en-US" sz="1400" b="0" i="1" smtClean="0">
+                            <a:latin typeface="Cambria Math" panose="02040503050406030204" pitchFamily="18" charset="0"/>
+                          </a:rPr>
+                          <m:t>(</m:t>
+                        </m:r>
+                        <m:r>
+                          <a:rPr lang="en-US" sz="1400" b="0" i="1" smtClean="0">
+                            <a:latin typeface="Cambria Math" panose="02040503050406030204" pitchFamily="18" charset="0"/>
+                          </a:rPr>
+                          <m:t>𝑡</m:t>
+                        </m:r>
+                        <m:r>
+                          <a:rPr lang="en-US" sz="1400" b="0" i="1" smtClean="0">
+                            <a:latin typeface="Cambria Math" panose="02040503050406030204" pitchFamily="18" charset="0"/>
+                          </a:rPr>
+                          <m:t>)</m:t>
+                        </m:r>
+                      </m:oMath>
+                    </m:oMathPara>
+                  </a14:m>
+                  <a:endParaRPr lang="en-US" sz="1400" dirty="0"/>
+                </a:p>
+              </p:txBody>
+            </p:sp>
+          </mc:Choice>
+          <mc:Fallback>
+            <p:sp>
+              <p:nvSpPr>
+                <p:cNvPr id="213" name="TextBox 212"/>
+                <p:cNvSpPr txBox="1">
+                  <a:spLocks noRot="1" noChangeAspect="1" noMove="1" noResize="1" noEditPoints="1" noAdjustHandles="1" noChangeArrowheads="1" noChangeShapeType="1" noTextEdit="1"/>
+                </p:cNvSpPr>
+                <p:nvPr/>
+              </p:nvSpPr>
+              <p:spPr>
+                <a:xfrm>
+                  <a:off x="3240191" y="3410294"/>
+                  <a:ext cx="1500988" cy="215444"/>
+                </a:xfrm>
+                <a:prstGeom prst="rect">
+                  <a:avLst/>
+                </a:prstGeom>
+                <a:blipFill>
+                  <a:blip r:embed="rId7"/>
+                  <a:stretch>
+                    <a:fillRect l="-1220" t="-17143" r="-4065" b="-31429"/>
+                  </a:stretch>
+                </a:blipFill>
+              </p:spPr>
+              <p:txBody>
+                <a:bodyPr/>
+                <a:lstStyle/>
+                <a:p>
+                  <a:r>
+                    <a:rPr lang="en-US">
+                      <a:noFill/>
+                    </a:rPr>
+                    <a:t> </a:t>
+                  </a:r>
+                </a:p>
+              </p:txBody>
+            </p:sp>
+          </mc:Fallback>
+        </mc:AlternateContent>
+        <mc:AlternateContent xmlns:mc="http://schemas.openxmlformats.org/markup-compatibility/2006">
+          <mc:Choice xmlns:a14="http://schemas.microsoft.com/office/drawing/2010/main" Requires="a14">
+            <p:sp>
+              <p:nvSpPr>
+                <p:cNvPr id="222" name="Rectangle 221"/>
+                <p:cNvSpPr/>
+                <p:nvPr/>
+              </p:nvSpPr>
+              <p:spPr>
+                <a:xfrm>
+                  <a:off x="8422563" y="2671282"/>
+                  <a:ext cx="534121" cy="307777"/>
+                </a:xfrm>
+                <a:prstGeom prst="rect">
+                  <a:avLst/>
+                </a:prstGeom>
+              </p:spPr>
+              <p:txBody>
+                <a:bodyPr wrap="none">
+                  <a:spAutoFit/>
+                </a:bodyPr>
+                <a:lstStyle/>
+                <a:p>
+                  <a:pPr/>
+                  <a14:m>
+                    <m:oMathPara xmlns:m="http://schemas.openxmlformats.org/officeDocument/2006/math">
+                      <m:oMathParaPr>
+                        <m:jc m:val="centerGroup"/>
+                      </m:oMathParaPr>
+                      <m:oMath xmlns:m="http://schemas.openxmlformats.org/officeDocument/2006/math">
+                        <m:r>
+                          <a:rPr lang="en-US" sz="1400" i="1">
+                            <a:latin typeface="Cambria Math" panose="02040503050406030204" pitchFamily="18" charset="0"/>
+                          </a:rPr>
+                          <m:t>𝑠</m:t>
+                        </m:r>
+                        <m:r>
+                          <a:rPr lang="en-US" sz="1400" i="1">
+                            <a:latin typeface="Cambria Math" panose="02040503050406030204" pitchFamily="18" charset="0"/>
+                          </a:rPr>
+                          <m:t>(</m:t>
+                        </m:r>
+                        <m:r>
+                          <a:rPr lang="en-US" sz="1400" i="1">
+                            <a:latin typeface="Cambria Math" panose="02040503050406030204" pitchFamily="18" charset="0"/>
+                          </a:rPr>
+                          <m:t>𝑡</m:t>
+                        </m:r>
+                        <m:r>
+                          <a:rPr lang="en-US" sz="1400" i="1">
+                            <a:latin typeface="Cambria Math" panose="02040503050406030204" pitchFamily="18" charset="0"/>
+                          </a:rPr>
+                          <m:t>)</m:t>
+                        </m:r>
+                      </m:oMath>
+                    </m:oMathPara>
+                  </a14:m>
+                  <a:endParaRPr lang="en-US" sz="1400" dirty="0"/>
+                </a:p>
+              </p:txBody>
+            </p:sp>
+          </mc:Choice>
+          <mc:Fallback>
+            <p:sp>
+              <p:nvSpPr>
+                <p:cNvPr id="222" name="Rectangle 221"/>
+                <p:cNvSpPr>
+                  <a:spLocks noRot="1" noChangeAspect="1" noMove="1" noResize="1" noEditPoints="1" noAdjustHandles="1" noChangeArrowheads="1" noChangeShapeType="1" noTextEdit="1"/>
+                </p:cNvSpPr>
+                <p:nvPr/>
+              </p:nvSpPr>
+              <p:spPr>
+                <a:xfrm>
+                  <a:off x="8422563" y="2671282"/>
+                  <a:ext cx="534121" cy="307777"/>
+                </a:xfrm>
+                <a:prstGeom prst="rect">
+                  <a:avLst/>
+                </a:prstGeom>
+                <a:blipFill>
+                  <a:blip r:embed="rId8"/>
+                  <a:stretch>
+                    <a:fillRect b="-8000"/>
+                  </a:stretch>
+                </a:blipFill>
+              </p:spPr>
+              <p:txBody>
+                <a:bodyPr/>
+                <a:lstStyle/>
+                <a:p>
+                  <a:r>
+                    <a:rPr lang="en-US">
+                      <a:noFill/>
+                    </a:rPr>
+                    <a:t> </a:t>
+                  </a:r>
+                </a:p>
+              </p:txBody>
+            </p:sp>
+          </mc:Fallback>
+        </mc:AlternateContent>
+        <mc:AlternateContent xmlns:mc="http://schemas.openxmlformats.org/markup-compatibility/2006">
+          <mc:Choice xmlns:a14="http://schemas.microsoft.com/office/drawing/2010/main" Requires="a14">
+            <p:sp>
+              <p:nvSpPr>
+                <p:cNvPr id="223" name="Rectangle 222"/>
+                <p:cNvSpPr/>
+                <p:nvPr/>
+              </p:nvSpPr>
+              <p:spPr>
+                <a:xfrm>
+                  <a:off x="8450833" y="4401126"/>
+                  <a:ext cx="534121" cy="307777"/>
+                </a:xfrm>
+                <a:prstGeom prst="rect">
+                  <a:avLst/>
+                </a:prstGeom>
+              </p:spPr>
+              <p:txBody>
+                <a:bodyPr wrap="none">
+                  <a:spAutoFit/>
+                </a:bodyPr>
+                <a:lstStyle/>
+                <a:p>
+                  <a:pPr/>
+                  <a14:m>
+                    <m:oMathPara xmlns:m="http://schemas.openxmlformats.org/officeDocument/2006/math">
+                      <m:oMathParaPr>
+                        <m:jc m:val="centerGroup"/>
+                      </m:oMathParaPr>
+                      <m:oMath xmlns:m="http://schemas.openxmlformats.org/officeDocument/2006/math">
+                        <m:acc>
+                          <m:accPr>
+                            <m:chr m:val="̂"/>
+                            <m:ctrlPr>
+                              <a:rPr lang="en-US" sz="1400" i="1">
+                                <a:latin typeface="Cambria Math" panose="02040503050406030204" pitchFamily="18" charset="0"/>
+                              </a:rPr>
+                            </m:ctrlPr>
+                          </m:accPr>
+                          <m:e>
+                            <m:r>
+                              <a:rPr lang="en-US" sz="1400" i="1">
+                                <a:latin typeface="Cambria Math" panose="02040503050406030204" pitchFamily="18" charset="0"/>
+                              </a:rPr>
+                              <m:t>𝑠</m:t>
+                            </m:r>
+                          </m:e>
+                        </m:acc>
+                        <m:r>
+                          <a:rPr lang="en-US" sz="1400" i="1">
+                            <a:latin typeface="Cambria Math" panose="02040503050406030204" pitchFamily="18" charset="0"/>
+                          </a:rPr>
+                          <m:t>(</m:t>
+                        </m:r>
+                        <m:r>
+                          <a:rPr lang="en-US" sz="1400" i="1">
+                            <a:latin typeface="Cambria Math" panose="02040503050406030204" pitchFamily="18" charset="0"/>
+                          </a:rPr>
+                          <m:t>𝑡</m:t>
+                        </m:r>
+                        <m:r>
+                          <a:rPr lang="en-US" sz="1400" i="1">
+                            <a:latin typeface="Cambria Math" panose="02040503050406030204" pitchFamily="18" charset="0"/>
+                          </a:rPr>
+                          <m:t>)</m:t>
+                        </m:r>
+                      </m:oMath>
+                    </m:oMathPara>
+                  </a14:m>
+                  <a:endParaRPr lang="en-US" sz="1400" dirty="0"/>
+                </a:p>
+              </p:txBody>
+            </p:sp>
+          </mc:Choice>
+          <mc:Fallback>
+            <p:sp>
+              <p:nvSpPr>
+                <p:cNvPr id="223" name="Rectangle 222"/>
+                <p:cNvSpPr>
+                  <a:spLocks noRot="1" noChangeAspect="1" noMove="1" noResize="1" noEditPoints="1" noAdjustHandles="1" noChangeArrowheads="1" noChangeShapeType="1" noTextEdit="1"/>
+                </p:cNvSpPr>
+                <p:nvPr/>
+              </p:nvSpPr>
+              <p:spPr>
+                <a:xfrm>
+                  <a:off x="8450833" y="4401126"/>
+                  <a:ext cx="534121" cy="307777"/>
+                </a:xfrm>
+                <a:prstGeom prst="rect">
+                  <a:avLst/>
+                </a:prstGeom>
+                <a:blipFill>
+                  <a:blip r:embed="rId9"/>
+                  <a:stretch>
+                    <a:fillRect b="-5882"/>
+                  </a:stretch>
+                </a:blipFill>
+              </p:spPr>
+              <p:txBody>
+                <a:bodyPr/>
+                <a:lstStyle/>
+                <a:p>
+                  <a:r>
+                    <a:rPr lang="en-US">
+                      <a:noFill/>
+                    </a:rPr>
+                    <a:t> </a:t>
+                  </a:r>
+                </a:p>
+              </p:txBody>
+            </p:sp>
+          </mc:Fallback>
+        </mc:AlternateContent>
+      </p:grpSp>
+      <mc:AlternateContent xmlns:mc="http://schemas.openxmlformats.org/markup-compatibility/2006">
+        <mc:Choice xmlns:a14="http://schemas.microsoft.com/office/drawing/2010/main" Requires="a14">
+          <p:sp>
+            <p:nvSpPr>
+              <p:cNvPr id="225" name="Rectangle 224"/>
+              <p:cNvSpPr/>
+              <p:nvPr/>
+            </p:nvSpPr>
+            <p:spPr>
+              <a:xfrm>
+                <a:off x="9525811" y="4222178"/>
+                <a:ext cx="766812" cy="369332"/>
+              </a:xfrm>
+              <a:prstGeom prst="rect">
+                <a:avLst/>
+              </a:prstGeom>
+            </p:spPr>
+            <p:txBody>
+              <a:bodyPr wrap="none">
+                <a:spAutoFit/>
+              </a:bodyPr>
+              <a:lstStyle/>
+              <a:p>
+                <a14:m>
+                  <m:oMathPara xmlns:m="http://schemas.openxmlformats.org/officeDocument/2006/math">
+                    <m:oMathParaPr>
+                      <m:jc m:val="centerGroup"/>
+                    </m:oMathParaPr>
+                    <m:oMath xmlns:m="http://schemas.openxmlformats.org/officeDocument/2006/math">
+                      <m:sSub>
+                        <m:sSubPr>
+                          <m:ctrlPr>
+                            <a:rPr lang="en-US" i="1" smtClean="0">
+                              <a:latin typeface="Cambria Math" panose="02040503050406030204" pitchFamily="18" charset="0"/>
+                            </a:rPr>
+                          </m:ctrlPr>
+                        </m:sSubPr>
+                        <m:e>
+                          <m:r>
+                            <a:rPr lang="en-US" b="0" i="1" smtClean="0">
+                              <a:latin typeface="Cambria Math" panose="02040503050406030204" pitchFamily="18" charset="0"/>
+                            </a:rPr>
+                            <m:t>𝐴</m:t>
+                          </m:r>
+                        </m:e>
+                        <m:sub>
+                          <m:r>
+                            <a:rPr lang="en-US" b="0" i="1" smtClean="0">
+                              <a:latin typeface="Cambria Math" panose="02040503050406030204" pitchFamily="18" charset="0"/>
+                            </a:rPr>
+                            <m:t>𝑠</m:t>
+                          </m:r>
+                        </m:sub>
+                      </m:sSub>
+                      <m:d>
+                        <m:dPr>
+                          <m:ctrlPr>
+                            <a:rPr lang="en-US" i="1">
+                              <a:latin typeface="Cambria Math" panose="02040503050406030204" pitchFamily="18" charset="0"/>
+                            </a:rPr>
+                          </m:ctrlPr>
+                        </m:dPr>
+                        <m:e>
+                          <m:r>
+                            <a:rPr lang="en-US" i="1">
+                              <a:latin typeface="Cambria Math" panose="02040503050406030204" pitchFamily="18" charset="0"/>
+                            </a:rPr>
+                            <m:t>𝑡</m:t>
+                          </m:r>
+                        </m:e>
+                      </m:d>
+                    </m:oMath>
+                  </m:oMathPara>
+                </a14:m>
+                <a:endParaRPr lang="en-US" dirty="0"/>
+              </a:p>
+            </p:txBody>
+          </p:sp>
+        </mc:Choice>
+        <mc:Fallback>
+          <p:sp>
+            <p:nvSpPr>
+              <p:cNvPr id="225" name="Rectangle 224"/>
+              <p:cNvSpPr>
+                <a:spLocks noRot="1" noChangeAspect="1" noMove="1" noResize="1" noEditPoints="1" noAdjustHandles="1" noChangeArrowheads="1" noChangeShapeType="1" noTextEdit="1"/>
+              </p:cNvSpPr>
+              <p:nvPr/>
+            </p:nvSpPr>
+            <p:spPr>
+              <a:xfrm>
+                <a:off x="9525811" y="4222178"/>
+                <a:ext cx="766812" cy="369332"/>
+              </a:xfrm>
+              <a:prstGeom prst="rect">
+                <a:avLst/>
+              </a:prstGeom>
+              <a:blipFill>
+                <a:blip r:embed="rId10"/>
+                <a:stretch>
+                  <a:fillRect/>
+                </a:stretch>
+              </a:blipFill>
+            </p:spPr>
+            <p:txBody>
+              <a:bodyPr/>
+              <a:lstStyle/>
+              <a:p>
+                <a:r>
+                  <a:rPr lang="en-US">
+                    <a:noFill/>
+                  </a:rPr>
+                  <a:t> </a:t>
+                </a:r>
+              </a:p>
+            </p:txBody>
+          </p:sp>
+        </mc:Fallback>
+      </mc:AlternateContent>
+      <mc:AlternateContent xmlns:mc="http://schemas.openxmlformats.org/markup-compatibility/2006">
+        <mc:Choice xmlns:a14="http://schemas.microsoft.com/office/drawing/2010/main" Requires="a14">
+          <p:sp>
+            <p:nvSpPr>
+              <p:cNvPr id="227" name="TextBox 226"/>
+              <p:cNvSpPr txBox="1"/>
+              <p:nvPr/>
+            </p:nvSpPr>
+            <p:spPr>
+              <a:xfrm>
+                <a:off x="560263" y="5502621"/>
+                <a:ext cx="2966902" cy="1077218"/>
+              </a:xfrm>
+              <a:prstGeom prst="rect">
+                <a:avLst/>
+              </a:prstGeom>
+              <a:noFill/>
+            </p:spPr>
+            <p:txBody>
+              <a:bodyPr wrap="none" lIns="0" tIns="0" rIns="0" bIns="0" rtlCol="0">
+                <a:spAutoFit/>
+              </a:bodyPr>
+              <a:lstStyle/>
+              <a:p>
+                <a:pPr/>
+                <a14:m>
+                  <m:oMathPara xmlns:m="http://schemas.openxmlformats.org/officeDocument/2006/math">
+                    <m:oMathParaPr>
+                      <m:jc m:val="left"/>
+                    </m:oMathParaPr>
+                    <m:oMath xmlns:m="http://schemas.openxmlformats.org/officeDocument/2006/math">
+                      <m:r>
+                        <a:rPr lang="en-US" sz="1400" b="0" i="1" smtClean="0">
+                          <a:latin typeface="Cambria Math" panose="02040503050406030204" pitchFamily="18" charset="0"/>
+                        </a:rPr>
+                        <m:t>𝑠</m:t>
+                      </m:r>
+                      <m:d>
+                        <m:dPr>
+                          <m:ctrlPr>
+                            <a:rPr lang="en-US" sz="1400" b="0" i="1" smtClean="0">
+                              <a:latin typeface="Cambria Math" panose="02040503050406030204" pitchFamily="18" charset="0"/>
+                            </a:rPr>
+                          </m:ctrlPr>
+                        </m:dPr>
+                        <m:e>
+                          <m:r>
+                            <a:rPr lang="en-US" sz="1400" b="0" i="1" smtClean="0">
+                              <a:latin typeface="Cambria Math" panose="02040503050406030204" pitchFamily="18" charset="0"/>
+                            </a:rPr>
+                            <m:t>𝑡</m:t>
+                          </m:r>
+                        </m:e>
+                      </m:d>
+                      <m:r>
+                        <a:rPr lang="en-US" sz="1400" b="0" i="1" smtClean="0">
+                          <a:latin typeface="Cambria Math" panose="02040503050406030204" pitchFamily="18" charset="0"/>
+                        </a:rPr>
+                        <m:t>   :</m:t>
+                      </m:r>
+                      <m:r>
+                        <a:rPr lang="en-US" sz="1400" b="0" i="1" smtClean="0">
+                          <a:latin typeface="Cambria Math" panose="02040503050406030204" pitchFamily="18" charset="0"/>
+                        </a:rPr>
+                        <m:t>𝑚𝑜𝑑𝑢𝑙𝑎𝑡𝑒𝑑</m:t>
+                      </m:r>
+                      <m:r>
+                        <a:rPr lang="en-US" sz="1400" b="0" i="1" smtClean="0">
+                          <a:latin typeface="Cambria Math" panose="02040503050406030204" pitchFamily="18" charset="0"/>
+                        </a:rPr>
+                        <m:t> </m:t>
+                      </m:r>
+                      <m:r>
+                        <a:rPr lang="en-US" sz="1400" b="0" i="1" smtClean="0">
+                          <a:latin typeface="Cambria Math" panose="02040503050406030204" pitchFamily="18" charset="0"/>
+                        </a:rPr>
+                        <m:t>𝑠𝑖𝑔𝑛𝑎𝑙</m:t>
+                      </m:r>
+                    </m:oMath>
+                  </m:oMathPara>
+                </a14:m>
+                <a:endParaRPr lang="en-US" sz="1400" b="0" dirty="0" smtClean="0"/>
+              </a:p>
+              <a:p>
+                <a:pPr/>
+                <a14:m>
+                  <m:oMathPara xmlns:m="http://schemas.openxmlformats.org/officeDocument/2006/math">
+                    <m:oMathParaPr>
+                      <m:jc m:val="left"/>
+                    </m:oMathParaPr>
+                    <m:oMath xmlns:m="http://schemas.openxmlformats.org/officeDocument/2006/math">
+                      <m:acc>
+                        <m:accPr>
+                          <m:chr m:val="̂"/>
+                          <m:ctrlPr>
+                            <a:rPr lang="en-US" sz="1400" i="1">
+                              <a:latin typeface="Cambria Math" panose="02040503050406030204" pitchFamily="18" charset="0"/>
+                            </a:rPr>
+                          </m:ctrlPr>
+                        </m:accPr>
+                        <m:e>
+                          <m:r>
+                            <a:rPr lang="en-US" sz="1400" i="1">
+                              <a:latin typeface="Cambria Math" panose="02040503050406030204" pitchFamily="18" charset="0"/>
+                            </a:rPr>
+                            <m:t>𝑠</m:t>
+                          </m:r>
+                        </m:e>
+                      </m:acc>
+                      <m:d>
+                        <m:dPr>
+                          <m:ctrlPr>
+                            <a:rPr lang="en-US" sz="1400" i="1">
+                              <a:latin typeface="Cambria Math" panose="02040503050406030204" pitchFamily="18" charset="0"/>
+                            </a:rPr>
+                          </m:ctrlPr>
+                        </m:dPr>
+                        <m:e>
+                          <m:r>
+                            <a:rPr lang="en-US" sz="1400" i="1">
+                              <a:latin typeface="Cambria Math" panose="02040503050406030204" pitchFamily="18" charset="0"/>
+                            </a:rPr>
+                            <m:t>𝑡</m:t>
+                          </m:r>
+                        </m:e>
+                      </m:d>
+                      <m:r>
+                        <a:rPr lang="en-US" sz="1400" b="0" i="0" smtClean="0">
+                          <a:latin typeface="Cambria Math" panose="02040503050406030204" pitchFamily="18" charset="0"/>
+                        </a:rPr>
+                        <m:t>   :</m:t>
+                      </m:r>
+                      <m:r>
+                        <m:rPr>
+                          <m:sty m:val="p"/>
+                        </m:rPr>
+                        <a:rPr lang="en-US" sz="1400" b="0" i="0" smtClean="0">
+                          <a:latin typeface="Cambria Math" panose="02040503050406030204" pitchFamily="18" charset="0"/>
+                        </a:rPr>
+                        <m:t>Hilbert</m:t>
+                      </m:r>
+                      <m:r>
+                        <a:rPr lang="en-US" sz="1400" b="0" i="0" smtClean="0">
+                          <a:latin typeface="Cambria Math" panose="02040503050406030204" pitchFamily="18" charset="0"/>
+                        </a:rPr>
+                        <m:t> </m:t>
+                      </m:r>
+                      <m:r>
+                        <m:rPr>
+                          <m:sty m:val="p"/>
+                        </m:rPr>
+                        <a:rPr lang="en-US" sz="1400" b="0" i="0" smtClean="0">
+                          <a:latin typeface="Cambria Math" panose="02040503050406030204" pitchFamily="18" charset="0"/>
+                        </a:rPr>
+                        <m:t>transform</m:t>
+                      </m:r>
+                      <m:r>
+                        <a:rPr lang="en-US" sz="1400" b="0" i="0" smtClean="0">
+                          <a:latin typeface="Cambria Math" panose="02040503050406030204" pitchFamily="18" charset="0"/>
+                        </a:rPr>
+                        <m:t> </m:t>
+                      </m:r>
+                      <m:r>
+                        <m:rPr>
+                          <m:sty m:val="p"/>
+                        </m:rPr>
+                        <a:rPr lang="en-US" sz="1400" b="0" i="0" smtClean="0">
+                          <a:latin typeface="Cambria Math" panose="02040503050406030204" pitchFamily="18" charset="0"/>
+                        </a:rPr>
+                        <m:t>of</m:t>
+                      </m:r>
+                      <m:r>
+                        <a:rPr lang="en-US" sz="1400" b="0" i="0" smtClean="0">
+                          <a:latin typeface="Cambria Math" panose="02040503050406030204" pitchFamily="18" charset="0"/>
+                        </a:rPr>
+                        <m:t> </m:t>
+                      </m:r>
+                      <m:r>
+                        <m:rPr>
+                          <m:sty m:val="p"/>
+                        </m:rPr>
+                        <a:rPr lang="en-US" sz="1400" b="0" i="0" smtClean="0">
+                          <a:latin typeface="Cambria Math" panose="02040503050406030204" pitchFamily="18" charset="0"/>
+                        </a:rPr>
+                        <m:t>s</m:t>
+                      </m:r>
+                      <m:r>
+                        <a:rPr lang="en-US" sz="1400" b="0" i="0" smtClean="0">
+                          <a:latin typeface="Cambria Math" panose="02040503050406030204" pitchFamily="18" charset="0"/>
+                        </a:rPr>
+                        <m:t>(</m:t>
+                      </m:r>
+                      <m:r>
+                        <m:rPr>
+                          <m:sty m:val="p"/>
+                        </m:rPr>
+                        <a:rPr lang="en-US" sz="1400" b="0" i="0" smtClean="0">
+                          <a:latin typeface="Cambria Math" panose="02040503050406030204" pitchFamily="18" charset="0"/>
+                        </a:rPr>
+                        <m:t>t</m:t>
+                      </m:r>
+                      <m:r>
+                        <a:rPr lang="en-US" sz="1400" b="0" i="0" smtClean="0">
+                          <a:latin typeface="Cambria Math" panose="02040503050406030204" pitchFamily="18" charset="0"/>
+                        </a:rPr>
+                        <m:t>)</m:t>
+                      </m:r>
+                    </m:oMath>
+                  </m:oMathPara>
+                </a14:m>
+                <a:endParaRPr lang="en-US" sz="1400" dirty="0" smtClean="0"/>
+              </a:p>
+              <a:p>
+                <a:pPr/>
+                <a14:m>
+                  <m:oMathPara xmlns:m="http://schemas.openxmlformats.org/officeDocument/2006/math">
+                    <m:oMathParaPr>
+                      <m:jc m:val="left"/>
+                    </m:oMathParaPr>
+                    <m:oMath xmlns:m="http://schemas.openxmlformats.org/officeDocument/2006/math">
+                      <m:sSub>
+                        <m:sSubPr>
+                          <m:ctrlPr>
+                            <a:rPr lang="en-US" sz="1400" i="1">
+                              <a:latin typeface="Cambria Math" panose="02040503050406030204" pitchFamily="18" charset="0"/>
+                            </a:rPr>
+                          </m:ctrlPr>
+                        </m:sSubPr>
+                        <m:e>
+                          <m:r>
+                            <a:rPr lang="en-US" sz="1400" i="1">
+                              <a:latin typeface="Cambria Math" panose="02040503050406030204" pitchFamily="18" charset="0"/>
+                            </a:rPr>
+                            <m:t>𝑠</m:t>
+                          </m:r>
+                        </m:e>
+                        <m:sub>
+                          <m:r>
+                            <a:rPr lang="en-US" sz="1400" i="1">
+                              <a:latin typeface="Cambria Math" panose="02040503050406030204" pitchFamily="18" charset="0"/>
+                            </a:rPr>
+                            <m:t>𝑎</m:t>
+                          </m:r>
+                        </m:sub>
+                      </m:sSub>
+                      <m:d>
+                        <m:dPr>
+                          <m:ctrlPr>
+                            <a:rPr lang="en-US" sz="1400" i="1">
+                              <a:latin typeface="Cambria Math" panose="02040503050406030204" pitchFamily="18" charset="0"/>
+                            </a:rPr>
+                          </m:ctrlPr>
+                        </m:dPr>
+                        <m:e>
+                          <m:r>
+                            <a:rPr lang="en-US" sz="1400" i="1">
+                              <a:latin typeface="Cambria Math" panose="02040503050406030204" pitchFamily="18" charset="0"/>
+                            </a:rPr>
+                            <m:t>𝑡</m:t>
+                          </m:r>
+                        </m:e>
+                      </m:d>
+                      <m:r>
+                        <a:rPr lang="en-US" sz="1400" i="1">
+                          <a:latin typeface="Cambria Math" panose="02040503050406030204" pitchFamily="18" charset="0"/>
+                        </a:rPr>
+                        <m:t> :</m:t>
+                      </m:r>
+                      <m:r>
+                        <a:rPr lang="en-US" sz="1400" b="0" i="1" smtClean="0">
+                          <a:latin typeface="Cambria Math" panose="02040503050406030204" pitchFamily="18" charset="0"/>
+                        </a:rPr>
+                        <m:t>𝐴𝑛𝑎𝑙𝑦𝑡𝑖𝑐𝑎𝑙</m:t>
+                      </m:r>
+                      <m:r>
+                        <a:rPr lang="en-US" sz="1400" i="1">
+                          <a:latin typeface="Cambria Math" panose="02040503050406030204" pitchFamily="18" charset="0"/>
+                        </a:rPr>
+                        <m:t> </m:t>
+                      </m:r>
+                      <m:r>
+                        <a:rPr lang="en-US" sz="1400" i="1">
+                          <a:latin typeface="Cambria Math" panose="02040503050406030204" pitchFamily="18" charset="0"/>
+                        </a:rPr>
+                        <m:t>𝑠𝑖𝑔𝑛𝑎𝑙</m:t>
+                      </m:r>
+                    </m:oMath>
+                  </m:oMathPara>
+                </a14:m>
+                <a:endParaRPr lang="en-US" sz="1400" dirty="0" smtClean="0"/>
+              </a:p>
+              <a:p>
+                <a:pPr/>
+                <a14:m>
+                  <m:oMathPara xmlns:m="http://schemas.openxmlformats.org/officeDocument/2006/math">
+                    <m:oMathParaPr>
+                      <m:jc m:val="left"/>
+                    </m:oMathParaPr>
+                    <m:oMath xmlns:m="http://schemas.openxmlformats.org/officeDocument/2006/math">
+                      <m:sSub>
+                        <m:sSubPr>
+                          <m:ctrlPr>
+                            <a:rPr lang="en-US" sz="1400" i="1">
+                              <a:latin typeface="Cambria Math" panose="02040503050406030204" pitchFamily="18" charset="0"/>
+                            </a:rPr>
+                          </m:ctrlPr>
+                        </m:sSubPr>
+                        <m:e>
+                          <m:r>
+                            <a:rPr lang="en-US" sz="1400" b="0" i="1" smtClean="0">
+                              <a:latin typeface="Cambria Math" panose="02040503050406030204" pitchFamily="18" charset="0"/>
+                            </a:rPr>
+                            <m:t>𝐴</m:t>
+                          </m:r>
+                        </m:e>
+                        <m:sub>
+                          <m:r>
+                            <a:rPr lang="en-US" sz="1400" b="0" i="1" smtClean="0">
+                              <a:latin typeface="Cambria Math" panose="02040503050406030204" pitchFamily="18" charset="0"/>
+                            </a:rPr>
+                            <m:t>𝑠</m:t>
+                          </m:r>
+                        </m:sub>
+                      </m:sSub>
+                      <m:d>
+                        <m:dPr>
+                          <m:ctrlPr>
+                            <a:rPr lang="en-US" sz="1400" i="1">
+                              <a:latin typeface="Cambria Math" panose="02040503050406030204" pitchFamily="18" charset="0"/>
+                            </a:rPr>
+                          </m:ctrlPr>
+                        </m:dPr>
+                        <m:e>
+                          <m:r>
+                            <a:rPr lang="en-US" sz="1400" i="1">
+                              <a:latin typeface="Cambria Math" panose="02040503050406030204" pitchFamily="18" charset="0"/>
+                            </a:rPr>
+                            <m:t>𝑡</m:t>
+                          </m:r>
+                        </m:e>
+                      </m:d>
+                      <m:r>
+                        <a:rPr lang="en-US" sz="1400" i="1">
+                          <a:latin typeface="Cambria Math" panose="02040503050406030204" pitchFamily="18" charset="0"/>
+                        </a:rPr>
+                        <m:t> :</m:t>
+                      </m:r>
+                      <m:r>
+                        <a:rPr lang="en-US" sz="1400" b="0" i="1" smtClean="0">
+                          <a:latin typeface="Cambria Math" panose="02040503050406030204" pitchFamily="18" charset="0"/>
+                        </a:rPr>
+                        <m:t>𝑆𝑖𝑛𝑔𝑙𝑒</m:t>
+                      </m:r>
+                      <m:r>
+                        <a:rPr lang="en-US" sz="1400" b="0" i="1" smtClean="0">
+                          <a:latin typeface="Cambria Math" panose="02040503050406030204" pitchFamily="18" charset="0"/>
+                        </a:rPr>
+                        <m:t> </m:t>
+                      </m:r>
+                      <m:r>
+                        <a:rPr lang="en-US" sz="1400" b="0" i="1" smtClean="0">
+                          <a:latin typeface="Cambria Math" panose="02040503050406030204" pitchFamily="18" charset="0"/>
+                        </a:rPr>
+                        <m:t>𝑆𝑖𝑑𝑒𝑏𝑎𝑛𝑑</m:t>
+                      </m:r>
+                      <m:r>
+                        <a:rPr lang="en-US" sz="1400" b="0" i="1" smtClean="0">
+                          <a:latin typeface="Cambria Math" panose="02040503050406030204" pitchFamily="18" charset="0"/>
+                        </a:rPr>
+                        <m:t> (</m:t>
+                      </m:r>
+                      <m:r>
+                        <a:rPr lang="en-US" sz="1400" b="0" i="1" smtClean="0">
+                          <a:latin typeface="Cambria Math" panose="02040503050406030204" pitchFamily="18" charset="0"/>
+                        </a:rPr>
+                        <m:t>𝑆𝑆𝐵</m:t>
+                      </m:r>
+                      <m:r>
+                        <a:rPr lang="en-US" sz="1400" b="0" i="1" smtClean="0">
+                          <a:latin typeface="Cambria Math" panose="02040503050406030204" pitchFamily="18" charset="0"/>
+                        </a:rPr>
+                        <m:t>) </m:t>
+                      </m:r>
+                      <m:r>
+                        <a:rPr lang="en-US" sz="1400" i="1">
+                          <a:latin typeface="Cambria Math" panose="02040503050406030204" pitchFamily="18" charset="0"/>
+                        </a:rPr>
+                        <m:t>𝑠𝑖𝑔𝑛𝑎𝑙</m:t>
+                      </m:r>
+                    </m:oMath>
+                  </m:oMathPara>
+                </a14:m>
+                <a:endParaRPr lang="en-US" sz="1400" dirty="0" smtClean="0"/>
+              </a:p>
+              <a:p>
+                <a:endParaRPr lang="en-US" sz="1400" dirty="0"/>
+              </a:p>
+            </p:txBody>
+          </p:sp>
+        </mc:Choice>
+        <mc:Fallback>
+          <p:sp>
+            <p:nvSpPr>
+              <p:cNvPr id="227" name="TextBox 226"/>
+              <p:cNvSpPr txBox="1">
+                <a:spLocks noRot="1" noChangeAspect="1" noMove="1" noResize="1" noEditPoints="1" noAdjustHandles="1" noChangeArrowheads="1" noChangeShapeType="1" noTextEdit="1"/>
+              </p:cNvSpPr>
+              <p:nvPr/>
+            </p:nvSpPr>
+            <p:spPr>
+              <a:xfrm>
+                <a:off x="560263" y="5502621"/>
+                <a:ext cx="2966902" cy="1077218"/>
+              </a:xfrm>
+              <a:prstGeom prst="rect">
+                <a:avLst/>
+              </a:prstGeom>
+              <a:blipFill>
+                <a:blip r:embed="rId11"/>
+                <a:stretch>
+                  <a:fillRect l="-2053"/>
+                </a:stretch>
+              </a:blipFill>
+            </p:spPr>
+            <p:txBody>
+              <a:bodyPr/>
+              <a:lstStyle/>
+              <a:p>
+                <a:r>
+                  <a:rPr lang="en-US">
+                    <a:noFill/>
+                  </a:rPr>
+                  <a:t> </a:t>
+                </a:r>
+              </a:p>
+            </p:txBody>
+          </p:sp>
+        </mc:Fallback>
+      </mc:AlternateContent>
     </p:spTree>
     <p:extLst>
       <p:ext uri="{BB962C8B-B14F-4D97-AF65-F5344CB8AC3E}">
@@ -2979,6 +5885,2862 @@
   <p:clrMapOvr>
     <a:masterClrMapping/>
   </p:clrMapOvr>
+</p:sld>
+</file>
+
+<file path=ppt/slides/slide2.xml><?xml version="1.0" encoding="utf-8"?>
+<p:sld xmlns:a="http://schemas.openxmlformats.org/drawingml/2006/main" xmlns:r="http://schemas.openxmlformats.org/officeDocument/2006/relationships" xmlns:p="http://schemas.openxmlformats.org/presentationml/2006/main">
+  <p:cSld>
+    <p:spTree>
+      <p:nvGrpSpPr>
+        <p:cNvPr id="1" name=""/>
+        <p:cNvGrpSpPr/>
+        <p:nvPr/>
+      </p:nvGrpSpPr>
+      <p:grpSpPr>
+        <a:xfrm>
+          <a:off x="0" y="0"/>
+          <a:ext cx="0" cy="0"/>
+          <a:chOff x="0" y="0"/>
+          <a:chExt cx="0" cy="0"/>
+        </a:xfrm>
+      </p:grpSpPr>
+      <p:sp>
+        <p:nvSpPr>
+          <p:cNvPr id="4" name="Rectangle 3"/>
+          <p:cNvSpPr/>
+          <p:nvPr/>
+        </p:nvSpPr>
+        <p:spPr>
+          <a:xfrm>
+            <a:off x="918801" y="1657884"/>
+            <a:ext cx="270377" cy="1623348"/>
+          </a:xfrm>
+          <a:prstGeom prst="rect">
+            <a:avLst/>
+          </a:prstGeom>
+          <a:ln w="28575"/>
+        </p:spPr>
+        <p:style>
+          <a:lnRef idx="2">
+            <a:schemeClr val="dk1"/>
+          </a:lnRef>
+          <a:fillRef idx="1">
+            <a:schemeClr val="lt1"/>
+          </a:fillRef>
+          <a:effectRef idx="0">
+            <a:schemeClr val="dk1"/>
+          </a:effectRef>
+          <a:fontRef idx="minor">
+            <a:schemeClr val="dk1"/>
+          </a:fontRef>
+        </p:style>
+        <p:txBody>
+          <a:bodyPr rtlCol="0" anchor="ctr"/>
+          <a:lstStyle/>
+          <a:p>
+            <a:pPr algn="ctr"/>
+            <a:r>
+              <a:rPr lang="en-US" sz="1200" b="1" dirty="0" smtClean="0"/>
+              <a:t>COUPLER</a:t>
+            </a:r>
+            <a:endParaRPr lang="en-US" sz="1200" b="1" dirty="0"/>
+          </a:p>
+        </p:txBody>
+      </p:sp>
+      <p:cxnSp>
+        <p:nvCxnSpPr>
+          <p:cNvPr id="6" name="Straight Arrow Connector 5"/>
+          <p:cNvCxnSpPr/>
+          <p:nvPr/>
+        </p:nvCxnSpPr>
+        <p:spPr>
+          <a:xfrm>
+            <a:off x="210282" y="2062106"/>
+            <a:ext cx="708519" cy="0"/>
+          </a:xfrm>
+          <a:prstGeom prst="straightConnector1">
+            <a:avLst/>
+          </a:prstGeom>
+          <a:ln>
+            <a:tailEnd type="triangle"/>
+          </a:ln>
+        </p:spPr>
+        <p:style>
+          <a:lnRef idx="1">
+            <a:schemeClr val="accent1"/>
+          </a:lnRef>
+          <a:fillRef idx="0">
+            <a:schemeClr val="accent1"/>
+          </a:fillRef>
+          <a:effectRef idx="0">
+            <a:schemeClr val="accent1"/>
+          </a:effectRef>
+          <a:fontRef idx="minor">
+            <a:schemeClr val="tx1"/>
+          </a:fontRef>
+        </p:style>
+      </p:cxnSp>
+      <p:sp>
+        <p:nvSpPr>
+          <p:cNvPr id="12" name="Oval 11"/>
+          <p:cNvSpPr/>
+          <p:nvPr/>
+        </p:nvSpPr>
+        <p:spPr>
+          <a:xfrm>
+            <a:off x="197816" y="3941567"/>
+            <a:ext cx="537121" cy="507153"/>
+          </a:xfrm>
+          <a:prstGeom prst="ellipse">
+            <a:avLst/>
+          </a:prstGeom>
+          <a:ln w="28575"/>
+        </p:spPr>
+        <p:style>
+          <a:lnRef idx="2">
+            <a:schemeClr val="dk1"/>
+          </a:lnRef>
+          <a:fillRef idx="1">
+            <a:schemeClr val="lt1"/>
+          </a:fillRef>
+          <a:effectRef idx="0">
+            <a:schemeClr val="dk1"/>
+          </a:effectRef>
+          <a:fontRef idx="minor">
+            <a:schemeClr val="dk1"/>
+          </a:fontRef>
+        </p:style>
+        <p:txBody>
+          <a:bodyPr rtlCol="0" anchor="ctr"/>
+          <a:lstStyle/>
+          <a:p>
+            <a:pPr algn="ctr"/>
+            <a:r>
+              <a:rPr lang="en-US" sz="1400" b="1" dirty="0" smtClean="0"/>
+              <a:t>LO</a:t>
+            </a:r>
+            <a:endParaRPr lang="en-US" sz="1400" b="1" dirty="0"/>
+          </a:p>
+        </p:txBody>
+      </p:sp>
+      <p:cxnSp>
+        <p:nvCxnSpPr>
+          <p:cNvPr id="14" name="Elbow Connector 13"/>
+          <p:cNvCxnSpPr>
+            <a:stCxn id="12" idx="0"/>
+          </p:cNvCxnSpPr>
+          <p:nvPr/>
+        </p:nvCxnSpPr>
+        <p:spPr>
+          <a:xfrm rot="5400000" flipH="1" flipV="1">
+            <a:off x="198474" y="3221240"/>
+            <a:ext cx="988230" cy="452425"/>
+          </a:xfrm>
+          <a:prstGeom prst="bentConnector3">
+            <a:avLst>
+              <a:gd name="adj1" fmla="val 100156"/>
+            </a:avLst>
+          </a:prstGeom>
+          <a:ln>
+            <a:tailEnd type="triangle"/>
+          </a:ln>
+        </p:spPr>
+        <p:style>
+          <a:lnRef idx="1">
+            <a:schemeClr val="accent1"/>
+          </a:lnRef>
+          <a:fillRef idx="0">
+            <a:schemeClr val="accent1"/>
+          </a:fillRef>
+          <a:effectRef idx="0">
+            <a:schemeClr val="accent1"/>
+          </a:effectRef>
+          <a:fontRef idx="minor">
+            <a:schemeClr val="tx1"/>
+          </a:fontRef>
+        </p:style>
+      </p:cxnSp>
+      <p:cxnSp>
+        <p:nvCxnSpPr>
+          <p:cNvPr id="21" name="Straight Arrow Connector 20"/>
+          <p:cNvCxnSpPr>
+            <a:stCxn id="4" idx="3"/>
+            <a:endCxn id="22" idx="1"/>
+          </p:cNvCxnSpPr>
+          <p:nvPr/>
+        </p:nvCxnSpPr>
+        <p:spPr>
+          <a:xfrm>
+            <a:off x="1189178" y="2469558"/>
+            <a:ext cx="634344" cy="2877"/>
+          </a:xfrm>
+          <a:prstGeom prst="straightConnector1">
+            <a:avLst/>
+          </a:prstGeom>
+          <a:ln>
+            <a:tailEnd type="triangle"/>
+          </a:ln>
+        </p:spPr>
+        <p:style>
+          <a:lnRef idx="1">
+            <a:schemeClr val="accent1"/>
+          </a:lnRef>
+          <a:fillRef idx="0">
+            <a:schemeClr val="accent1"/>
+          </a:fillRef>
+          <a:effectRef idx="0">
+            <a:schemeClr val="accent1"/>
+          </a:effectRef>
+          <a:fontRef idx="minor">
+            <a:schemeClr val="tx1"/>
+          </a:fontRef>
+        </p:style>
+      </p:cxnSp>
+      <mc:AlternateContent xmlns:mc="http://schemas.openxmlformats.org/markup-compatibility/2006">
+        <mc:Choice xmlns:a14="http://schemas.microsoft.com/office/drawing/2010/main" Requires="a14">
+          <p:sp>
+            <p:nvSpPr>
+              <p:cNvPr id="22" name="Rectangle 21"/>
+              <p:cNvSpPr/>
+              <p:nvPr/>
+            </p:nvSpPr>
+            <p:spPr>
+              <a:xfrm>
+                <a:off x="1823522" y="2194696"/>
+                <a:ext cx="1045015" cy="555477"/>
+              </a:xfrm>
+              <a:prstGeom prst="rect">
+                <a:avLst/>
+              </a:prstGeom>
+              <a:ln w="28575"/>
+            </p:spPr>
+            <p:style>
+              <a:lnRef idx="2">
+                <a:schemeClr val="dk1"/>
+              </a:lnRef>
+              <a:fillRef idx="1">
+                <a:schemeClr val="lt1"/>
+              </a:fillRef>
+              <a:effectRef idx="0">
+                <a:schemeClr val="dk1"/>
+              </a:effectRef>
+              <a:fontRef idx="minor">
+                <a:schemeClr val="dk1"/>
+              </a:fontRef>
+            </p:style>
+            <p:txBody>
+              <a:bodyPr rtlCol="0" anchor="ctr"/>
+              <a:lstStyle/>
+              <a:p>
+                <a:pPr algn="ctr"/>
+                <a14:m>
+                  <m:oMathPara xmlns:m="http://schemas.openxmlformats.org/officeDocument/2006/math">
+                    <m:oMathParaPr>
+                      <m:jc m:val="centerGroup"/>
+                    </m:oMathParaPr>
+                    <m:oMath xmlns:m="http://schemas.openxmlformats.org/officeDocument/2006/math">
+                      <m:sSup>
+                        <m:sSupPr>
+                          <m:ctrlPr>
+                            <a:rPr lang="en-US" sz="1400" b="1" i="1" smtClean="0">
+                              <a:latin typeface="+mj-lt"/>
+                            </a:rPr>
+                          </m:ctrlPr>
+                        </m:sSupPr>
+                        <m:e>
+                          <m:r>
+                            <m:rPr>
+                              <m:nor/>
+                            </m:rPr>
+                            <a:rPr lang="en-US" sz="1400" b="1" dirty="0">
+                              <a:latin typeface="+mj-lt"/>
+                              <a:cs typeface="Calibri" panose="020F0502020204030204" pitchFamily="34" charset="0"/>
+                            </a:rPr>
+                            <m:t>|</m:t>
+                          </m:r>
+                          <m:r>
+                            <a:rPr lang="en-US" sz="1400" b="1" i="1">
+                              <a:latin typeface="+mj-lt"/>
+                              <a:ea typeface="Cambria Math" panose="02040503050406030204" pitchFamily="18" charset="0"/>
+                              <a:cs typeface="Calibri" panose="020F0502020204030204" pitchFamily="34" charset="0"/>
+                            </a:rPr>
+                            <m:t>∙</m:t>
+                          </m:r>
+                          <m:r>
+                            <m:rPr>
+                              <m:nor/>
+                            </m:rPr>
+                            <a:rPr lang="en-US" sz="1400" b="1" dirty="0">
+                              <a:latin typeface="+mj-lt"/>
+                              <a:cs typeface="Calibri" panose="020F0502020204030204" pitchFamily="34" charset="0"/>
+                            </a:rPr>
+                            <m:t>|</m:t>
+                          </m:r>
+                          <m:r>
+                            <m:rPr>
+                              <m:nor/>
+                            </m:rPr>
+                            <a:rPr lang="en-US" sz="1400" b="1" dirty="0">
+                              <a:latin typeface="+mj-lt"/>
+                            </a:rPr>
+                            <m:t> </m:t>
+                          </m:r>
+                        </m:e>
+                        <m:sup>
+                          <m:r>
+                            <a:rPr lang="en-US" sz="1400" b="1" i="1" smtClean="0">
+                              <a:latin typeface="+mj-lt"/>
+                            </a:rPr>
+                            <m:t>𝟐</m:t>
+                          </m:r>
+                        </m:sup>
+                      </m:sSup>
+                    </m:oMath>
+                  </m:oMathPara>
+                </a14:m>
+                <a:endParaRPr lang="en-US" sz="1400" b="1" dirty="0">
+                  <a:latin typeface="+mj-lt"/>
+                </a:endParaRPr>
+              </a:p>
+            </p:txBody>
+          </p:sp>
+        </mc:Choice>
+        <mc:Fallback>
+          <p:sp>
+            <p:nvSpPr>
+              <p:cNvPr id="22" name="Rectangle 21"/>
+              <p:cNvSpPr>
+                <a:spLocks noRot="1" noChangeAspect="1" noMove="1" noResize="1" noEditPoints="1" noAdjustHandles="1" noChangeArrowheads="1" noChangeShapeType="1" noTextEdit="1"/>
+              </p:cNvSpPr>
+              <p:nvPr/>
+            </p:nvSpPr>
+            <p:spPr>
+              <a:xfrm>
+                <a:off x="1823522" y="2194696"/>
+                <a:ext cx="1045015" cy="555477"/>
+              </a:xfrm>
+              <a:prstGeom prst="rect">
+                <a:avLst/>
+              </a:prstGeom>
+              <a:blipFill>
+                <a:blip r:embed="rId2"/>
+                <a:stretch>
+                  <a:fillRect/>
+                </a:stretch>
+              </a:blipFill>
+              <a:ln w="28575"/>
+            </p:spPr>
+            <p:txBody>
+              <a:bodyPr/>
+              <a:lstStyle/>
+              <a:p>
+                <a:r>
+                  <a:rPr lang="en-US">
+                    <a:noFill/>
+                  </a:rPr>
+                  <a:t> </a:t>
+                </a:r>
+              </a:p>
+            </p:txBody>
+          </p:sp>
+        </mc:Fallback>
+      </mc:AlternateContent>
+      <mc:AlternateContent xmlns:mc="http://schemas.openxmlformats.org/markup-compatibility/2006">
+        <mc:Choice xmlns:a14="http://schemas.microsoft.com/office/drawing/2010/main" Requires="a14">
+          <p:sp>
+            <p:nvSpPr>
+              <p:cNvPr id="40" name="Rectangle 39"/>
+              <p:cNvSpPr/>
+              <p:nvPr/>
+            </p:nvSpPr>
+            <p:spPr>
+              <a:xfrm>
+                <a:off x="197817" y="1728265"/>
+                <a:ext cx="733447" cy="307777"/>
+              </a:xfrm>
+              <a:prstGeom prst="rect">
+                <a:avLst/>
+              </a:prstGeom>
+            </p:spPr>
+            <p:txBody>
+              <a:bodyPr wrap="square">
+                <a:spAutoFit/>
+              </a:bodyPr>
+              <a:lstStyle/>
+              <a:p>
+                <a:pPr algn="ctr"/>
+                <a14:m>
+                  <m:oMathPara xmlns:m="http://schemas.openxmlformats.org/officeDocument/2006/math">
+                    <m:oMathParaPr>
+                      <m:jc m:val="centerGroup"/>
+                    </m:oMathParaPr>
+                    <m:oMath xmlns:m="http://schemas.openxmlformats.org/officeDocument/2006/math">
+                      <m:sSub>
+                        <m:sSubPr>
+                          <m:ctrlPr>
+                            <a:rPr lang="en-US" sz="1400" b="1" i="1" smtClean="0">
+                              <a:latin typeface="Cambria Math" panose="02040503050406030204" pitchFamily="18" charset="0"/>
+                            </a:rPr>
+                          </m:ctrlPr>
+                        </m:sSubPr>
+                        <m:e>
+                          <m:r>
+                            <a:rPr lang="en-US" sz="1400" b="1" i="1" smtClean="0">
+                              <a:latin typeface="Cambria Math" panose="02040503050406030204" pitchFamily="18" charset="0"/>
+                            </a:rPr>
+                            <m:t>𝑨</m:t>
+                          </m:r>
+                        </m:e>
+                        <m:sub>
+                          <m:r>
+                            <a:rPr lang="en-US" sz="1400" b="1" i="1" smtClean="0">
+                              <a:latin typeface="Cambria Math" panose="02040503050406030204" pitchFamily="18" charset="0"/>
+                            </a:rPr>
+                            <m:t>𝒔</m:t>
+                          </m:r>
+                        </m:sub>
+                      </m:sSub>
+                      <m:r>
+                        <a:rPr lang="en-US" sz="1400" b="1" i="1" smtClean="0">
+                          <a:latin typeface="Cambria Math" panose="02040503050406030204" pitchFamily="18" charset="0"/>
+                        </a:rPr>
+                        <m:t>(</m:t>
+                      </m:r>
+                      <m:r>
+                        <a:rPr lang="en-US" sz="1400" b="1" i="1" smtClean="0">
+                          <a:latin typeface="Cambria Math" panose="02040503050406030204" pitchFamily="18" charset="0"/>
+                        </a:rPr>
+                        <m:t>𝒕</m:t>
+                      </m:r>
+                      <m:r>
+                        <a:rPr lang="en-US" sz="1400" b="1" i="1" smtClean="0">
+                          <a:latin typeface="Cambria Math" panose="02040503050406030204" pitchFamily="18" charset="0"/>
+                        </a:rPr>
+                        <m:t>)</m:t>
+                      </m:r>
+                    </m:oMath>
+                  </m:oMathPara>
+                </a14:m>
+                <a:endParaRPr lang="en-US" sz="1400" b="1" dirty="0"/>
+              </a:p>
+            </p:txBody>
+          </p:sp>
+        </mc:Choice>
+        <mc:Fallback>
+          <p:sp>
+            <p:nvSpPr>
+              <p:cNvPr id="40" name="Rectangle 39"/>
+              <p:cNvSpPr>
+                <a:spLocks noRot="1" noChangeAspect="1" noMove="1" noResize="1" noEditPoints="1" noAdjustHandles="1" noChangeArrowheads="1" noChangeShapeType="1" noTextEdit="1"/>
+              </p:cNvSpPr>
+              <p:nvPr/>
+            </p:nvSpPr>
+            <p:spPr>
+              <a:xfrm>
+                <a:off x="197817" y="1728265"/>
+                <a:ext cx="733447" cy="307777"/>
+              </a:xfrm>
+              <a:prstGeom prst="rect">
+                <a:avLst/>
+              </a:prstGeom>
+              <a:blipFill>
+                <a:blip r:embed="rId3"/>
+                <a:stretch>
+                  <a:fillRect b="-8000"/>
+                </a:stretch>
+              </a:blipFill>
+            </p:spPr>
+            <p:txBody>
+              <a:bodyPr/>
+              <a:lstStyle/>
+              <a:p>
+                <a:r>
+                  <a:rPr lang="en-US">
+                    <a:noFill/>
+                  </a:rPr>
+                  <a:t> </a:t>
+                </a:r>
+              </a:p>
+            </p:txBody>
+          </p:sp>
+        </mc:Fallback>
+      </mc:AlternateContent>
+      <mc:AlternateContent xmlns:mc="http://schemas.openxmlformats.org/markup-compatibility/2006">
+        <mc:Choice xmlns:a14="http://schemas.microsoft.com/office/drawing/2010/main" Requires="a14">
+          <p:sp>
+            <p:nvSpPr>
+              <p:cNvPr id="48" name="Rectangle 47"/>
+              <p:cNvSpPr/>
+              <p:nvPr/>
+            </p:nvSpPr>
+            <p:spPr>
+              <a:xfrm>
+                <a:off x="366612" y="3581662"/>
+                <a:ext cx="1430021" cy="307777"/>
+              </a:xfrm>
+              <a:prstGeom prst="rect">
+                <a:avLst/>
+              </a:prstGeom>
+            </p:spPr>
+            <p:txBody>
+              <a:bodyPr wrap="square">
+                <a:spAutoFit/>
+              </a:bodyPr>
+              <a:lstStyle/>
+              <a:p>
+                <a:pPr algn="ctr"/>
+                <a14:m>
+                  <m:oMathPara xmlns:m="http://schemas.openxmlformats.org/officeDocument/2006/math">
+                    <m:oMathParaPr>
+                      <m:jc m:val="centerGroup"/>
+                    </m:oMathParaPr>
+                    <m:oMath xmlns:m="http://schemas.openxmlformats.org/officeDocument/2006/math">
+                      <m:sSub>
+                        <m:sSubPr>
+                          <m:ctrlPr>
+                            <a:rPr lang="en-US" sz="1400" b="1" i="1" smtClean="0">
+                              <a:latin typeface="Cambria Math" panose="02040503050406030204" pitchFamily="18" charset="0"/>
+                            </a:rPr>
+                          </m:ctrlPr>
+                        </m:sSubPr>
+                        <m:e>
+                          <m:r>
+                            <a:rPr lang="en-US" sz="1400" b="1" i="1">
+                              <a:latin typeface="Cambria Math" panose="02040503050406030204" pitchFamily="18" charset="0"/>
+                            </a:rPr>
+                            <m:t>𝑨</m:t>
+                          </m:r>
+                        </m:e>
+                        <m:sub>
+                          <m:r>
+                            <a:rPr lang="en-US" sz="1400" b="1" i="1" smtClean="0">
+                              <a:latin typeface="Cambria Math" panose="02040503050406030204" pitchFamily="18" charset="0"/>
+                            </a:rPr>
+                            <m:t>𝟎</m:t>
+                          </m:r>
+                        </m:sub>
+                      </m:sSub>
+                      <m:r>
+                        <a:rPr lang="en-US" sz="1400" b="1" i="1" smtClean="0">
+                          <a:latin typeface="Cambria Math" panose="02040503050406030204" pitchFamily="18" charset="0"/>
+                        </a:rPr>
+                        <m:t> </m:t>
+                      </m:r>
+                      <m:r>
+                        <a:rPr lang="en-US" sz="1400" b="1" i="0" smtClean="0">
+                          <a:latin typeface="Cambria Math" panose="02040503050406030204" pitchFamily="18" charset="0"/>
+                        </a:rPr>
+                        <m:t>𝐞𝐱𝐩</m:t>
+                      </m:r>
+                      <m:r>
+                        <a:rPr lang="en-US" sz="1400" b="1" i="1" smtClean="0">
+                          <a:latin typeface="Cambria Math" panose="02040503050406030204" pitchFamily="18" charset="0"/>
+                        </a:rPr>
+                        <m:t>⁡(</m:t>
+                      </m:r>
+                      <m:r>
+                        <a:rPr lang="en-US" sz="1400" b="1" i="1" smtClean="0">
+                          <a:latin typeface="Cambria Math" panose="02040503050406030204" pitchFamily="18" charset="0"/>
+                        </a:rPr>
+                        <m:t>𝒊</m:t>
+                      </m:r>
+                      <m:r>
+                        <a:rPr lang="en-US" sz="1400" b="1" i="1" smtClean="0">
+                          <a:latin typeface="Cambria Math" panose="02040503050406030204" pitchFamily="18" charset="0"/>
+                          <a:ea typeface="Cambria Math" panose="02040503050406030204" pitchFamily="18" charset="0"/>
+                        </a:rPr>
+                        <m:t>𝝅</m:t>
+                      </m:r>
+                      <m:r>
+                        <a:rPr lang="en-US" sz="1400" b="1" i="1" smtClean="0">
+                          <a:latin typeface="Cambria Math" panose="02040503050406030204" pitchFamily="18" charset="0"/>
+                          <a:ea typeface="Cambria Math" panose="02040503050406030204" pitchFamily="18" charset="0"/>
+                        </a:rPr>
+                        <m:t>𝑩𝒕</m:t>
+                      </m:r>
+                      <m:r>
+                        <a:rPr lang="en-US" sz="1400" b="1" i="1" smtClean="0">
+                          <a:latin typeface="Cambria Math" panose="02040503050406030204" pitchFamily="18" charset="0"/>
+                        </a:rPr>
+                        <m:t>)</m:t>
+                      </m:r>
+                    </m:oMath>
+                  </m:oMathPara>
+                </a14:m>
+                <a:endParaRPr lang="en-US" sz="1400" b="1" dirty="0"/>
+              </a:p>
+            </p:txBody>
+          </p:sp>
+        </mc:Choice>
+        <mc:Fallback>
+          <p:sp>
+            <p:nvSpPr>
+              <p:cNvPr id="48" name="Rectangle 47"/>
+              <p:cNvSpPr>
+                <a:spLocks noRot="1" noChangeAspect="1" noMove="1" noResize="1" noEditPoints="1" noAdjustHandles="1" noChangeArrowheads="1" noChangeShapeType="1" noTextEdit="1"/>
+              </p:cNvSpPr>
+              <p:nvPr/>
+            </p:nvSpPr>
+            <p:spPr>
+              <a:xfrm>
+                <a:off x="366612" y="3581662"/>
+                <a:ext cx="1430021" cy="307777"/>
+              </a:xfrm>
+              <a:prstGeom prst="rect">
+                <a:avLst/>
+              </a:prstGeom>
+              <a:blipFill>
+                <a:blip r:embed="rId4"/>
+                <a:stretch>
+                  <a:fillRect b="-8000"/>
+                </a:stretch>
+              </a:blipFill>
+            </p:spPr>
+            <p:txBody>
+              <a:bodyPr/>
+              <a:lstStyle/>
+              <a:p>
+                <a:r>
+                  <a:rPr lang="en-US">
+                    <a:noFill/>
+                  </a:rPr>
+                  <a:t> </a:t>
+                </a:r>
+              </a:p>
+            </p:txBody>
+          </p:sp>
+        </mc:Fallback>
+      </mc:AlternateContent>
+      <mc:AlternateContent xmlns:mc="http://schemas.openxmlformats.org/markup-compatibility/2006">
+        <mc:Choice xmlns:a14="http://schemas.microsoft.com/office/drawing/2010/main" Requires="a14">
+          <p:sp>
+            <p:nvSpPr>
+              <p:cNvPr id="49" name="TextBox 48"/>
+              <p:cNvSpPr txBox="1"/>
+              <p:nvPr/>
+            </p:nvSpPr>
+            <p:spPr>
+              <a:xfrm>
+                <a:off x="2151672" y="1918493"/>
+                <a:ext cx="388714" cy="276999"/>
+              </a:xfrm>
+              <a:prstGeom prst="rect">
+                <a:avLst/>
+              </a:prstGeom>
+              <a:noFill/>
+            </p:spPr>
+            <p:txBody>
+              <a:bodyPr wrap="square" lIns="0" tIns="0" rIns="0" bIns="0" rtlCol="0">
+                <a:spAutoFit/>
+              </a:bodyPr>
+              <a:lstStyle/>
+              <a:p>
+                <a14:m>
+                  <m:oMathPara xmlns:m="http://schemas.openxmlformats.org/officeDocument/2006/math">
+                    <m:oMathParaPr>
+                      <m:jc m:val="centerGroup"/>
+                    </m:oMathParaPr>
+                    <m:oMath xmlns:m="http://schemas.openxmlformats.org/officeDocument/2006/math">
+                      <m:r>
+                        <m:rPr>
+                          <m:sty m:val="p"/>
+                        </m:rPr>
+                        <a:rPr lang="en-US" b="0" i="0" smtClean="0">
+                          <a:latin typeface="Cambria Math" panose="02040503050406030204" pitchFamily="18" charset="0"/>
+                        </a:rPr>
+                        <m:t>PD</m:t>
+                      </m:r>
+                    </m:oMath>
+                  </m:oMathPara>
+                </a14:m>
+                <a:endParaRPr lang="en-US" dirty="0"/>
+              </a:p>
+            </p:txBody>
+          </p:sp>
+        </mc:Choice>
+        <mc:Fallback>
+          <p:sp>
+            <p:nvSpPr>
+              <p:cNvPr id="49" name="TextBox 48"/>
+              <p:cNvSpPr txBox="1">
+                <a:spLocks noRot="1" noChangeAspect="1" noMove="1" noResize="1" noEditPoints="1" noAdjustHandles="1" noChangeArrowheads="1" noChangeShapeType="1" noTextEdit="1"/>
+              </p:cNvSpPr>
+              <p:nvPr/>
+            </p:nvSpPr>
+            <p:spPr>
+              <a:xfrm>
+                <a:off x="2151672" y="1918493"/>
+                <a:ext cx="388714" cy="276999"/>
+              </a:xfrm>
+              <a:prstGeom prst="rect">
+                <a:avLst/>
+              </a:prstGeom>
+              <a:blipFill>
+                <a:blip r:embed="rId5"/>
+                <a:stretch>
+                  <a:fillRect l="-7813" r="-7813" b="-6667"/>
+                </a:stretch>
+              </a:blipFill>
+            </p:spPr>
+            <p:txBody>
+              <a:bodyPr/>
+              <a:lstStyle/>
+              <a:p>
+                <a:r>
+                  <a:rPr lang="en-US">
+                    <a:noFill/>
+                  </a:rPr>
+                  <a:t> </a:t>
+                </a:r>
+              </a:p>
+            </p:txBody>
+          </p:sp>
+        </mc:Fallback>
+      </mc:AlternateContent>
+      <mc:AlternateContent xmlns:mc="http://schemas.openxmlformats.org/markup-compatibility/2006">
+        <mc:Choice xmlns:a14="http://schemas.microsoft.com/office/drawing/2010/main" Requires="a14">
+          <p:sp>
+            <p:nvSpPr>
+              <p:cNvPr id="110" name="Rectangle 109"/>
+              <p:cNvSpPr/>
+              <p:nvPr/>
+            </p:nvSpPr>
+            <p:spPr>
+              <a:xfrm>
+                <a:off x="53647" y="5160983"/>
+                <a:ext cx="3142334" cy="369332"/>
+              </a:xfrm>
+              <a:prstGeom prst="rect">
+                <a:avLst/>
+              </a:prstGeom>
+            </p:spPr>
+            <p:txBody>
+              <a:bodyPr wrap="none">
+                <a:spAutoFit/>
+              </a:bodyPr>
+              <a:lstStyle/>
+              <a:p>
+                <a:pPr algn="ctr"/>
+                <a14:m>
+                  <m:oMathPara xmlns:m="http://schemas.openxmlformats.org/officeDocument/2006/math">
+                    <m:oMathParaPr>
+                      <m:jc m:val="centerGroup"/>
+                    </m:oMathParaPr>
+                    <m:oMath xmlns:m="http://schemas.openxmlformats.org/officeDocument/2006/math">
+                      <m:sSub>
+                        <m:sSubPr>
+                          <m:ctrlPr>
+                            <a:rPr lang="en-US" i="1">
+                              <a:latin typeface="Cambria Math" panose="02040503050406030204" pitchFamily="18" charset="0"/>
+                            </a:rPr>
+                          </m:ctrlPr>
+                        </m:sSubPr>
+                        <m:e>
+                          <m:sSub>
+                            <m:sSubPr>
+                              <m:ctrlPr>
+                                <a:rPr lang="en-US" i="1">
+                                  <a:latin typeface="Cambria Math" panose="02040503050406030204" pitchFamily="18" charset="0"/>
+                                </a:rPr>
+                              </m:ctrlPr>
+                            </m:sSubPr>
+                            <m:e>
+                              <m:r>
+                                <a:rPr lang="en-US" i="1">
+                                  <a:latin typeface="Cambria Math" panose="02040503050406030204" pitchFamily="18" charset="0"/>
+                                </a:rPr>
+                                <m:t>𝐴</m:t>
+                              </m:r>
+                              <m:d>
+                                <m:dPr>
+                                  <m:ctrlPr>
+                                    <a:rPr lang="en-US" i="1">
+                                      <a:latin typeface="Cambria Math" panose="02040503050406030204" pitchFamily="18" charset="0"/>
+                                    </a:rPr>
+                                  </m:ctrlPr>
+                                </m:dPr>
+                                <m:e>
+                                  <m:r>
+                                    <a:rPr lang="en-US" i="1">
+                                      <a:latin typeface="Cambria Math" panose="02040503050406030204" pitchFamily="18" charset="0"/>
+                                    </a:rPr>
+                                    <m:t>𝑡</m:t>
+                                  </m:r>
+                                </m:e>
+                              </m:d>
+                              <m:r>
+                                <a:rPr lang="en-US" i="1">
+                                  <a:latin typeface="Cambria Math" panose="02040503050406030204" pitchFamily="18" charset="0"/>
+                                </a:rPr>
+                                <m:t>=</m:t>
+                              </m:r>
+                              <m:r>
+                                <a:rPr lang="en-US" i="1">
+                                  <a:latin typeface="Cambria Math" panose="02040503050406030204" pitchFamily="18" charset="0"/>
+                                </a:rPr>
+                                <m:t>𝐴</m:t>
+                              </m:r>
+                            </m:e>
+                            <m:sub>
+                              <m:r>
+                                <a:rPr lang="en-US" i="1">
+                                  <a:latin typeface="Cambria Math" panose="02040503050406030204" pitchFamily="18" charset="0"/>
+                                </a:rPr>
+                                <m:t>𝑠</m:t>
+                              </m:r>
+                            </m:sub>
+                          </m:sSub>
+                          <m:d>
+                            <m:dPr>
+                              <m:ctrlPr>
+                                <a:rPr lang="en-US" i="1">
+                                  <a:latin typeface="Cambria Math" panose="02040503050406030204" pitchFamily="18" charset="0"/>
+                                </a:rPr>
+                              </m:ctrlPr>
+                            </m:dPr>
+                            <m:e>
+                              <m:r>
+                                <a:rPr lang="en-US" i="1">
+                                  <a:latin typeface="Cambria Math" panose="02040503050406030204" pitchFamily="18" charset="0"/>
+                                </a:rPr>
+                                <m:t>𝑡</m:t>
+                              </m:r>
+                            </m:e>
+                          </m:d>
+                          <m:r>
+                            <m:rPr>
+                              <m:nor/>
+                            </m:rPr>
+                            <a:rPr lang="en-US" dirty="0"/>
+                            <m:t> </m:t>
+                          </m:r>
+                          <m:r>
+                            <a:rPr lang="en-US" i="1" dirty="0">
+                              <a:latin typeface="Cambria Math" panose="02040503050406030204" pitchFamily="18" charset="0"/>
+                            </a:rPr>
+                            <m:t>+</m:t>
+                          </m:r>
+                          <m:r>
+                            <a:rPr lang="en-US" i="1">
+                              <a:latin typeface="Cambria Math" panose="02040503050406030204" pitchFamily="18" charset="0"/>
+                            </a:rPr>
+                            <m:t>𝐴</m:t>
+                          </m:r>
+                        </m:e>
+                        <m:sub>
+                          <m:r>
+                            <a:rPr lang="en-US" i="1">
+                              <a:latin typeface="Cambria Math" panose="02040503050406030204" pitchFamily="18" charset="0"/>
+                            </a:rPr>
+                            <m:t>0</m:t>
+                          </m:r>
+                        </m:sub>
+                      </m:sSub>
+                      <m:r>
+                        <a:rPr lang="en-US" i="1">
+                          <a:latin typeface="Cambria Math" panose="02040503050406030204" pitchFamily="18" charset="0"/>
+                        </a:rPr>
+                        <m:t> </m:t>
+                      </m:r>
+                      <m:r>
+                        <m:rPr>
+                          <m:sty m:val="p"/>
+                        </m:rPr>
+                        <a:rPr lang="en-US">
+                          <a:latin typeface="Cambria Math" panose="02040503050406030204" pitchFamily="18" charset="0"/>
+                        </a:rPr>
+                        <m:t>exp</m:t>
+                      </m:r>
+                      <m:r>
+                        <a:rPr lang="en-US" i="1">
+                          <a:latin typeface="Cambria Math" panose="02040503050406030204" pitchFamily="18" charset="0"/>
+                        </a:rPr>
+                        <m:t>(</m:t>
+                      </m:r>
+                      <m:r>
+                        <a:rPr lang="en-US" i="1">
+                          <a:latin typeface="Cambria Math" panose="02040503050406030204" pitchFamily="18" charset="0"/>
+                        </a:rPr>
+                        <m:t>𝑖</m:t>
+                      </m:r>
+                      <m:r>
+                        <a:rPr lang="en-US" i="1">
+                          <a:latin typeface="Cambria Math" panose="02040503050406030204" pitchFamily="18" charset="0"/>
+                          <a:ea typeface="Cambria Math" panose="02040503050406030204" pitchFamily="18" charset="0"/>
+                        </a:rPr>
+                        <m:t>𝜋</m:t>
+                      </m:r>
+                      <m:r>
+                        <a:rPr lang="en-US" i="1">
+                          <a:latin typeface="Cambria Math" panose="02040503050406030204" pitchFamily="18" charset="0"/>
+                          <a:ea typeface="Cambria Math" panose="02040503050406030204" pitchFamily="18" charset="0"/>
+                        </a:rPr>
+                        <m:t>𝐵𝑡</m:t>
+                      </m:r>
+                      <m:r>
+                        <a:rPr lang="en-US" i="1">
+                          <a:latin typeface="Cambria Math" panose="02040503050406030204" pitchFamily="18" charset="0"/>
+                        </a:rPr>
+                        <m:t>)</m:t>
+                      </m:r>
+                    </m:oMath>
+                  </m:oMathPara>
+                </a14:m>
+                <a:endParaRPr lang="en-US" dirty="0"/>
+              </a:p>
+            </p:txBody>
+          </p:sp>
+        </mc:Choice>
+        <mc:Fallback>
+          <p:sp>
+            <p:nvSpPr>
+              <p:cNvPr id="110" name="Rectangle 109"/>
+              <p:cNvSpPr>
+                <a:spLocks noRot="1" noChangeAspect="1" noMove="1" noResize="1" noEditPoints="1" noAdjustHandles="1" noChangeArrowheads="1" noChangeShapeType="1" noTextEdit="1"/>
+              </p:cNvSpPr>
+              <p:nvPr/>
+            </p:nvSpPr>
+            <p:spPr>
+              <a:xfrm>
+                <a:off x="53647" y="5160983"/>
+                <a:ext cx="3142334" cy="369332"/>
+              </a:xfrm>
+              <a:prstGeom prst="rect">
+                <a:avLst/>
+              </a:prstGeom>
+              <a:blipFill>
+                <a:blip r:embed="rId6"/>
+                <a:stretch>
+                  <a:fillRect b="-13333"/>
+                </a:stretch>
+              </a:blipFill>
+            </p:spPr>
+            <p:txBody>
+              <a:bodyPr/>
+              <a:lstStyle/>
+              <a:p>
+                <a:r>
+                  <a:rPr lang="en-US">
+                    <a:noFill/>
+                  </a:rPr>
+                  <a:t> </a:t>
+                </a:r>
+              </a:p>
+            </p:txBody>
+          </p:sp>
+        </mc:Fallback>
+      </mc:AlternateContent>
+      <mc:AlternateContent xmlns:mc="http://schemas.openxmlformats.org/markup-compatibility/2006">
+        <mc:Choice xmlns:a14="http://schemas.microsoft.com/office/drawing/2010/main" Requires="a14">
+          <p:sp>
+            <p:nvSpPr>
+              <p:cNvPr id="126" name="Rectangle 125"/>
+              <p:cNvSpPr/>
+              <p:nvPr/>
+            </p:nvSpPr>
+            <p:spPr>
+              <a:xfrm>
+                <a:off x="1250598" y="2194587"/>
+                <a:ext cx="567720" cy="307777"/>
+              </a:xfrm>
+              <a:prstGeom prst="rect">
+                <a:avLst/>
+              </a:prstGeom>
+            </p:spPr>
+            <p:txBody>
+              <a:bodyPr wrap="none">
+                <a:spAutoFit/>
+              </a:bodyPr>
+              <a:lstStyle/>
+              <a:p>
+                <a14:m>
+                  <m:oMathPara xmlns:m="http://schemas.openxmlformats.org/officeDocument/2006/math">
+                    <m:oMathParaPr>
+                      <m:jc m:val="centerGroup"/>
+                    </m:oMathParaPr>
+                    <m:oMath xmlns:m="http://schemas.openxmlformats.org/officeDocument/2006/math">
+                      <m:r>
+                        <a:rPr lang="en-US" sz="1400" b="1" i="1">
+                          <a:latin typeface="Cambria Math" panose="02040503050406030204" pitchFamily="18" charset="0"/>
+                        </a:rPr>
+                        <m:t>𝑨</m:t>
+                      </m:r>
+                      <m:d>
+                        <m:dPr>
+                          <m:ctrlPr>
+                            <a:rPr lang="en-US" sz="1400" b="1" i="1">
+                              <a:latin typeface="Cambria Math" panose="02040503050406030204" pitchFamily="18" charset="0"/>
+                            </a:rPr>
+                          </m:ctrlPr>
+                        </m:dPr>
+                        <m:e>
+                          <m:r>
+                            <a:rPr lang="en-US" sz="1400" b="1" i="1">
+                              <a:latin typeface="Cambria Math" panose="02040503050406030204" pitchFamily="18" charset="0"/>
+                            </a:rPr>
+                            <m:t>𝒕</m:t>
+                          </m:r>
+                        </m:e>
+                      </m:d>
+                    </m:oMath>
+                  </m:oMathPara>
+                </a14:m>
+                <a:endParaRPr lang="en-US" sz="1400" b="1" dirty="0"/>
+              </a:p>
+            </p:txBody>
+          </p:sp>
+        </mc:Choice>
+        <mc:Fallback>
+          <p:sp>
+            <p:nvSpPr>
+              <p:cNvPr id="126" name="Rectangle 125"/>
+              <p:cNvSpPr>
+                <a:spLocks noRot="1" noChangeAspect="1" noMove="1" noResize="1" noEditPoints="1" noAdjustHandles="1" noChangeArrowheads="1" noChangeShapeType="1" noTextEdit="1"/>
+              </p:cNvSpPr>
+              <p:nvPr/>
+            </p:nvSpPr>
+            <p:spPr>
+              <a:xfrm>
+                <a:off x="1250598" y="2194587"/>
+                <a:ext cx="567720" cy="307777"/>
+              </a:xfrm>
+              <a:prstGeom prst="rect">
+                <a:avLst/>
+              </a:prstGeom>
+              <a:blipFill>
+                <a:blip r:embed="rId7"/>
+                <a:stretch>
+                  <a:fillRect/>
+                </a:stretch>
+              </a:blipFill>
+            </p:spPr>
+            <p:txBody>
+              <a:bodyPr/>
+              <a:lstStyle/>
+              <a:p>
+                <a:r>
+                  <a:rPr lang="en-US">
+                    <a:noFill/>
+                  </a:rPr>
+                  <a:t> </a:t>
+                </a:r>
+              </a:p>
+            </p:txBody>
+          </p:sp>
+        </mc:Fallback>
+      </mc:AlternateContent>
+      <p:cxnSp>
+        <p:nvCxnSpPr>
+          <p:cNvPr id="130" name="Straight Arrow Connector 129"/>
+          <p:cNvCxnSpPr>
+            <a:stCxn id="22" idx="3"/>
+            <a:endCxn id="167" idx="1"/>
+          </p:cNvCxnSpPr>
+          <p:nvPr/>
+        </p:nvCxnSpPr>
+        <p:spPr>
+          <a:xfrm flipV="1">
+            <a:off x="2868537" y="2469716"/>
+            <a:ext cx="1489636" cy="2719"/>
+          </a:xfrm>
+          <a:prstGeom prst="straightConnector1">
+            <a:avLst/>
+          </a:prstGeom>
+          <a:ln>
+            <a:tailEnd type="triangle"/>
+          </a:ln>
+        </p:spPr>
+        <p:style>
+          <a:lnRef idx="1">
+            <a:schemeClr val="accent1"/>
+          </a:lnRef>
+          <a:fillRef idx="0">
+            <a:schemeClr val="accent1"/>
+          </a:fillRef>
+          <a:effectRef idx="0">
+            <a:schemeClr val="accent1"/>
+          </a:effectRef>
+          <a:fontRef idx="minor">
+            <a:schemeClr val="tx1"/>
+          </a:fontRef>
+        </p:style>
+      </p:cxnSp>
+      <p:sp>
+        <p:nvSpPr>
+          <p:cNvPr id="157" name="Rectangle 156"/>
+          <p:cNvSpPr/>
+          <p:nvPr/>
+        </p:nvSpPr>
+        <p:spPr>
+          <a:xfrm>
+            <a:off x="8391971" y="4367534"/>
+            <a:ext cx="1194710" cy="555478"/>
+          </a:xfrm>
+          <a:prstGeom prst="rect">
+            <a:avLst/>
+          </a:prstGeom>
+          <a:ln w="28575"/>
+        </p:spPr>
+        <p:style>
+          <a:lnRef idx="2">
+            <a:schemeClr val="dk1"/>
+          </a:lnRef>
+          <a:fillRef idx="1">
+            <a:schemeClr val="lt1"/>
+          </a:fillRef>
+          <a:effectRef idx="0">
+            <a:schemeClr val="dk1"/>
+          </a:effectRef>
+          <a:fontRef idx="minor">
+            <a:schemeClr val="dk1"/>
+          </a:fontRef>
+        </p:style>
+        <p:txBody>
+          <a:bodyPr rtlCol="0" anchor="ctr"/>
+          <a:lstStyle/>
+          <a:p>
+            <a:pPr algn="ctr"/>
+            <a:r>
+              <a:rPr lang="en-US" sz="1400" b="1" dirty="0" smtClean="0">
+                <a:latin typeface="+mj-lt"/>
+              </a:rPr>
+              <a:t>Demodulation</a:t>
+            </a:r>
+          </a:p>
+          <a:p>
+            <a:pPr algn="ctr"/>
+            <a:r>
+              <a:rPr lang="en-US" sz="1400" b="1" dirty="0" smtClean="0">
+                <a:latin typeface="+mj-lt"/>
+              </a:rPr>
+              <a:t>DSP</a:t>
+            </a:r>
+            <a:endParaRPr lang="en-US" sz="1400" b="1" dirty="0">
+              <a:latin typeface="+mj-lt"/>
+            </a:endParaRPr>
+          </a:p>
+        </p:txBody>
+      </p:sp>
+      <p:grpSp>
+        <p:nvGrpSpPr>
+          <p:cNvPr id="180" name="Group 179"/>
+          <p:cNvGrpSpPr/>
+          <p:nvPr/>
+        </p:nvGrpSpPr>
+        <p:grpSpPr>
+          <a:xfrm>
+            <a:off x="4051775" y="1657884"/>
+            <a:ext cx="7865283" cy="1623348"/>
+            <a:chOff x="3603172" y="1657884"/>
+            <a:chExt cx="7865283" cy="1623348"/>
+          </a:xfrm>
+        </p:grpSpPr>
+        <p:grpSp>
+          <p:nvGrpSpPr>
+            <p:cNvPr id="137" name="Group 136"/>
+            <p:cNvGrpSpPr/>
+            <p:nvPr/>
+          </p:nvGrpSpPr>
+          <p:grpSpPr>
+            <a:xfrm>
+              <a:off x="3603172" y="1657884"/>
+              <a:ext cx="7865283" cy="1623348"/>
+              <a:chOff x="2683759" y="1657885"/>
+              <a:chExt cx="7865283" cy="1623348"/>
+            </a:xfrm>
+          </p:grpSpPr>
+          <p:sp>
+            <p:nvSpPr>
+              <p:cNvPr id="102" name="Rectangle 101"/>
+              <p:cNvSpPr/>
+              <p:nvPr/>
+            </p:nvSpPr>
+            <p:spPr>
+              <a:xfrm>
+                <a:off x="2683759" y="1688971"/>
+                <a:ext cx="7865283" cy="1592262"/>
+              </a:xfrm>
+              <a:prstGeom prst="rect">
+                <a:avLst/>
+              </a:prstGeom>
+              <a:solidFill>
+                <a:schemeClr val="lt1">
+                  <a:alpha val="0"/>
+                </a:schemeClr>
+              </a:solidFill>
+              <a:ln w="28575">
+                <a:solidFill>
+                  <a:schemeClr val="dk1"/>
+                </a:solidFill>
+                <a:prstDash val="sysDot"/>
+              </a:ln>
+            </p:spPr>
+            <p:style>
+              <a:lnRef idx="2">
+                <a:schemeClr val="dk1"/>
+              </a:lnRef>
+              <a:fillRef idx="1">
+                <a:schemeClr val="lt1"/>
+              </a:fillRef>
+              <a:effectRef idx="0">
+                <a:schemeClr val="dk1"/>
+              </a:effectRef>
+              <a:fontRef idx="minor">
+                <a:schemeClr val="dk1"/>
+              </a:fontRef>
+            </p:style>
+            <p:txBody>
+              <a:bodyPr rtlCol="0" anchor="ctr"/>
+              <a:lstStyle/>
+              <a:p>
+                <a:pPr algn="ctr"/>
+                <a:endParaRPr lang="en-US" dirty="0"/>
+              </a:p>
+            </p:txBody>
+          </p:sp>
+          <mc:AlternateContent xmlns:mc="http://schemas.openxmlformats.org/markup-compatibility/2006">
+            <mc:Choice xmlns:a14="http://schemas.microsoft.com/office/drawing/2010/main" Requires="a14">
+              <p:sp>
+                <p:nvSpPr>
+                  <p:cNvPr id="39" name="Rectangle 38"/>
+                  <p:cNvSpPr/>
+                  <p:nvPr/>
+                </p:nvSpPr>
+                <p:spPr>
+                  <a:xfrm>
+                    <a:off x="4034276" y="2307300"/>
+                    <a:ext cx="734168" cy="324517"/>
+                  </a:xfrm>
+                  <a:prstGeom prst="rect">
+                    <a:avLst/>
+                  </a:prstGeom>
+                  <a:ln w="28575"/>
+                </p:spPr>
+                <p:style>
+                  <a:lnRef idx="2">
+                    <a:schemeClr val="dk1"/>
+                  </a:lnRef>
+                  <a:fillRef idx="1">
+                    <a:schemeClr val="lt1"/>
+                  </a:fillRef>
+                  <a:effectRef idx="0">
+                    <a:schemeClr val="dk1"/>
+                  </a:effectRef>
+                  <a:fontRef idx="minor">
+                    <a:schemeClr val="dk1"/>
+                  </a:fontRef>
+                </p:style>
+                <p:txBody>
+                  <a:bodyPr rtlCol="0" anchor="ctr"/>
+                  <a:lstStyle/>
+                  <a:p>
+                    <a:pPr algn="ctr"/>
+                    <a14:m>
+                      <m:oMathPara xmlns:m="http://schemas.openxmlformats.org/officeDocument/2006/math">
+                        <m:oMathParaPr>
+                          <m:jc m:val="center"/>
+                        </m:oMathParaPr>
+                        <m:oMath xmlns:m="http://schemas.openxmlformats.org/officeDocument/2006/math">
+                          <m:r>
+                            <m:rPr>
+                              <m:nor/>
+                            </m:rPr>
+                            <a:rPr lang="en-US" sz="1200" dirty="0">
+                              <a:latin typeface="+mj-lt"/>
+                              <a:cs typeface="Calibri" panose="020F0502020204030204" pitchFamily="34" charset="0"/>
+                            </a:rPr>
+                            <m:t>|</m:t>
+                          </m:r>
+                          <m:r>
+                            <a:rPr lang="en-US" sz="1200" i="1">
+                              <a:latin typeface="+mj-lt"/>
+                              <a:ea typeface="Cambria Math" panose="02040503050406030204" pitchFamily="18" charset="0"/>
+                              <a:cs typeface="Calibri" panose="020F0502020204030204" pitchFamily="34" charset="0"/>
+                            </a:rPr>
+                            <m:t>∙</m:t>
+                          </m:r>
+                          <m:r>
+                            <m:rPr>
+                              <m:nor/>
+                            </m:rPr>
+                            <a:rPr lang="en-US" sz="1200" dirty="0">
+                              <a:latin typeface="+mj-lt"/>
+                              <a:cs typeface="Calibri" panose="020F0502020204030204" pitchFamily="34" charset="0"/>
+                            </a:rPr>
+                            <m:t>|</m:t>
+                          </m:r>
+                        </m:oMath>
+                      </m:oMathPara>
+                    </a14:m>
+                    <a:endParaRPr lang="en-US" sz="1200" dirty="0">
+                      <a:latin typeface="+mj-lt"/>
+                    </a:endParaRPr>
+                  </a:p>
+                </p:txBody>
+              </p:sp>
+            </mc:Choice>
+            <mc:Fallback>
+              <p:sp>
+                <p:nvSpPr>
+                  <p:cNvPr id="39" name="Rectangle 38"/>
+                  <p:cNvSpPr>
+                    <a:spLocks noRot="1" noChangeAspect="1" noMove="1" noResize="1" noEditPoints="1" noAdjustHandles="1" noChangeArrowheads="1" noChangeShapeType="1" noTextEdit="1"/>
+                  </p:cNvSpPr>
+                  <p:nvPr/>
+                </p:nvSpPr>
+                <p:spPr>
+                  <a:xfrm>
+                    <a:off x="4034276" y="2307300"/>
+                    <a:ext cx="734168" cy="324517"/>
+                  </a:xfrm>
+                  <a:prstGeom prst="rect">
+                    <a:avLst/>
+                  </a:prstGeom>
+                  <a:blipFill>
+                    <a:blip r:embed="rId8"/>
+                    <a:stretch>
+                      <a:fillRect/>
+                    </a:stretch>
+                  </a:blipFill>
+                  <a:ln w="28575"/>
+                </p:spPr>
+                <p:txBody>
+                  <a:bodyPr/>
+                  <a:lstStyle/>
+                  <a:p>
+                    <a:r>
+                      <a:rPr lang="en-US">
+                        <a:noFill/>
+                      </a:rPr>
+                      <a:t> </a:t>
+                    </a:r>
+                  </a:p>
+                </p:txBody>
+              </p:sp>
+            </mc:Fallback>
+          </mc:AlternateContent>
+          <mc:AlternateContent xmlns:mc="http://schemas.openxmlformats.org/markup-compatibility/2006">
+            <mc:Choice xmlns:a14="http://schemas.microsoft.com/office/drawing/2010/main" Requires="a14">
+              <p:sp>
+                <p:nvSpPr>
+                  <p:cNvPr id="56" name="Rectangle 55"/>
+                  <p:cNvSpPr/>
+                  <p:nvPr/>
+                </p:nvSpPr>
+                <p:spPr>
+                  <a:xfrm>
+                    <a:off x="5069276" y="2307684"/>
+                    <a:ext cx="734168" cy="324517"/>
+                  </a:xfrm>
+                  <a:prstGeom prst="rect">
+                    <a:avLst/>
+                  </a:prstGeom>
+                  <a:ln w="28575"/>
+                </p:spPr>
+                <p:style>
+                  <a:lnRef idx="2">
+                    <a:schemeClr val="dk1"/>
+                  </a:lnRef>
+                  <a:fillRef idx="1">
+                    <a:schemeClr val="lt1"/>
+                  </a:fillRef>
+                  <a:effectRef idx="0">
+                    <a:schemeClr val="dk1"/>
+                  </a:effectRef>
+                  <a:fontRef idx="minor">
+                    <a:schemeClr val="dk1"/>
+                  </a:fontRef>
+                </p:style>
+                <p:txBody>
+                  <a:bodyPr rtlCol="0" anchor="ctr"/>
+                  <a:lstStyle/>
+                  <a:p>
+                    <a:pPr algn="ctr"/>
+                    <a14:m>
+                      <m:oMathPara xmlns:m="http://schemas.openxmlformats.org/officeDocument/2006/math">
+                        <m:oMathParaPr>
+                          <m:jc m:val="center"/>
+                        </m:oMathParaPr>
+                        <m:oMath xmlns:m="http://schemas.openxmlformats.org/officeDocument/2006/math">
+                          <m:r>
+                            <m:rPr>
+                              <m:sty m:val="p"/>
+                            </m:rPr>
+                            <a:rPr lang="en-US" sz="1200" b="0" i="0" smtClean="0">
+                              <a:latin typeface="Cambria Math" panose="02040503050406030204" pitchFamily="18" charset="0"/>
+                            </a:rPr>
+                            <m:t>ln</m:t>
+                          </m:r>
+                          <m:r>
+                            <a:rPr lang="en-US" sz="1200" b="0" i="1" smtClean="0">
+                              <a:latin typeface="Cambria Math" panose="02040503050406030204" pitchFamily="18" charset="0"/>
+                            </a:rPr>
+                            <m:t>⁡(</m:t>
+                          </m:r>
+                          <m:r>
+                            <a:rPr lang="en-US" sz="1200" i="1">
+                              <a:latin typeface="Cambria Math" panose="02040503050406030204" pitchFamily="18" charset="0"/>
+                              <a:ea typeface="Cambria Math" panose="02040503050406030204" pitchFamily="18" charset="0"/>
+                              <a:cs typeface="Calibri" panose="020F0502020204030204" pitchFamily="34" charset="0"/>
+                            </a:rPr>
+                            <m:t>∙</m:t>
+                          </m:r>
+                          <m:r>
+                            <a:rPr lang="en-US" sz="1200" b="0" i="1" smtClean="0">
+                              <a:latin typeface="Cambria Math" panose="02040503050406030204" pitchFamily="18" charset="0"/>
+                            </a:rPr>
+                            <m:t>)</m:t>
+                          </m:r>
+                        </m:oMath>
+                      </m:oMathPara>
+                    </a14:m>
+                    <a:endParaRPr lang="en-US" sz="1200" dirty="0">
+                      <a:latin typeface="+mj-lt"/>
+                    </a:endParaRPr>
+                  </a:p>
+                </p:txBody>
+              </p:sp>
+            </mc:Choice>
+            <mc:Fallback>
+              <p:sp>
+                <p:nvSpPr>
+                  <p:cNvPr id="56" name="Rectangle 55"/>
+                  <p:cNvSpPr>
+                    <a:spLocks noRot="1" noChangeAspect="1" noMove="1" noResize="1" noEditPoints="1" noAdjustHandles="1" noChangeArrowheads="1" noChangeShapeType="1" noTextEdit="1"/>
+                  </p:cNvSpPr>
+                  <p:nvPr/>
+                </p:nvSpPr>
+                <p:spPr>
+                  <a:xfrm>
+                    <a:off x="5069276" y="2307684"/>
+                    <a:ext cx="734168" cy="324517"/>
+                  </a:xfrm>
+                  <a:prstGeom prst="rect">
+                    <a:avLst/>
+                  </a:prstGeom>
+                  <a:blipFill>
+                    <a:blip r:embed="rId9"/>
+                    <a:stretch>
+                      <a:fillRect/>
+                    </a:stretch>
+                  </a:blipFill>
+                  <a:ln w="28575"/>
+                </p:spPr>
+                <p:txBody>
+                  <a:bodyPr/>
+                  <a:lstStyle/>
+                  <a:p>
+                    <a:r>
+                      <a:rPr lang="en-US">
+                        <a:noFill/>
+                      </a:rPr>
+                      <a:t> </a:t>
+                    </a:r>
+                  </a:p>
+                </p:txBody>
+              </p:sp>
+            </mc:Fallback>
+          </mc:AlternateContent>
+          <p:cxnSp>
+            <p:nvCxnSpPr>
+              <p:cNvPr id="58" name="Straight Arrow Connector 57"/>
+              <p:cNvCxnSpPr>
+                <a:stCxn id="39" idx="3"/>
+                <a:endCxn id="56" idx="1"/>
+              </p:cNvCxnSpPr>
+              <p:nvPr/>
+            </p:nvCxnSpPr>
+            <p:spPr>
+              <a:xfrm>
+                <a:off x="4768444" y="2469559"/>
+                <a:ext cx="300832" cy="384"/>
+              </a:xfrm>
+              <a:prstGeom prst="straightConnector1">
+                <a:avLst/>
+              </a:prstGeom>
+              <a:ln>
+                <a:tailEnd type="triangle"/>
+              </a:ln>
+            </p:spPr>
+            <p:style>
+              <a:lnRef idx="1">
+                <a:schemeClr val="accent1"/>
+              </a:lnRef>
+              <a:fillRef idx="0">
+                <a:schemeClr val="accent1"/>
+              </a:fillRef>
+              <a:effectRef idx="0">
+                <a:schemeClr val="accent1"/>
+              </a:effectRef>
+              <a:fontRef idx="minor">
+                <a:schemeClr val="tx1"/>
+              </a:fontRef>
+            </p:style>
+          </p:cxnSp>
+          <mc:AlternateContent xmlns:mc="http://schemas.openxmlformats.org/markup-compatibility/2006">
+            <mc:Choice xmlns:a14="http://schemas.microsoft.com/office/drawing/2010/main" Requires="a14">
+              <p:sp>
+                <p:nvSpPr>
+                  <p:cNvPr id="59" name="Rectangle 58"/>
+                  <p:cNvSpPr/>
+                  <p:nvPr/>
+                </p:nvSpPr>
+                <p:spPr>
+                  <a:xfrm>
+                    <a:off x="6113393" y="2307684"/>
+                    <a:ext cx="734168" cy="324517"/>
+                  </a:xfrm>
+                  <a:prstGeom prst="rect">
+                    <a:avLst/>
+                  </a:prstGeom>
+                  <a:ln w="28575"/>
+                </p:spPr>
+                <p:style>
+                  <a:lnRef idx="2">
+                    <a:schemeClr val="dk1"/>
+                  </a:lnRef>
+                  <a:fillRef idx="1">
+                    <a:schemeClr val="lt1"/>
+                  </a:fillRef>
+                  <a:effectRef idx="0">
+                    <a:schemeClr val="dk1"/>
+                  </a:effectRef>
+                  <a:fontRef idx="minor">
+                    <a:schemeClr val="dk1"/>
+                  </a:fontRef>
+                </p:style>
+                <p:txBody>
+                  <a:bodyPr rtlCol="0" anchor="ctr"/>
+                  <a:lstStyle/>
+                  <a:p>
+                    <a:pPr algn="ctr"/>
+                    <a14:m>
+                      <m:oMathPara xmlns:m="http://schemas.openxmlformats.org/officeDocument/2006/math">
+                        <m:oMathParaPr>
+                          <m:jc m:val="center"/>
+                        </m:oMathParaPr>
+                        <m:oMath xmlns:m="http://schemas.openxmlformats.org/officeDocument/2006/math">
+                          <m:r>
+                            <m:rPr>
+                              <m:sty m:val="p"/>
+                            </m:rPr>
+                            <a:rPr lang="en-US" sz="1200" b="0" i="0" smtClean="0">
+                              <a:latin typeface="Cambria Math" panose="02040503050406030204" pitchFamily="18" charset="0"/>
+                            </a:rPr>
+                            <m:t>FFT</m:t>
+                          </m:r>
+                        </m:oMath>
+                      </m:oMathPara>
+                    </a14:m>
+                    <a:endParaRPr lang="en-US" sz="1200" dirty="0">
+                      <a:latin typeface="+mj-lt"/>
+                    </a:endParaRPr>
+                  </a:p>
+                </p:txBody>
+              </p:sp>
+            </mc:Choice>
+            <mc:Fallback>
+              <p:sp>
+                <p:nvSpPr>
+                  <p:cNvPr id="59" name="Rectangle 58"/>
+                  <p:cNvSpPr>
+                    <a:spLocks noRot="1" noChangeAspect="1" noMove="1" noResize="1" noEditPoints="1" noAdjustHandles="1" noChangeArrowheads="1" noChangeShapeType="1" noTextEdit="1"/>
+                  </p:cNvSpPr>
+                  <p:nvPr/>
+                </p:nvSpPr>
+                <p:spPr>
+                  <a:xfrm>
+                    <a:off x="6113393" y="2307684"/>
+                    <a:ext cx="734168" cy="324517"/>
+                  </a:xfrm>
+                  <a:prstGeom prst="rect">
+                    <a:avLst/>
+                  </a:prstGeom>
+                  <a:blipFill>
+                    <a:blip r:embed="rId10"/>
+                    <a:stretch>
+                      <a:fillRect/>
+                    </a:stretch>
+                  </a:blipFill>
+                  <a:ln w="28575"/>
+                </p:spPr>
+                <p:txBody>
+                  <a:bodyPr/>
+                  <a:lstStyle/>
+                  <a:p>
+                    <a:r>
+                      <a:rPr lang="en-US">
+                        <a:noFill/>
+                      </a:rPr>
+                      <a:t> </a:t>
+                    </a:r>
+                  </a:p>
+                </p:txBody>
+              </p:sp>
+            </mc:Fallback>
+          </mc:AlternateContent>
+          <p:cxnSp>
+            <p:nvCxnSpPr>
+              <p:cNvPr id="60" name="Straight Arrow Connector 59"/>
+              <p:cNvCxnSpPr>
+                <a:stCxn id="56" idx="3"/>
+                <a:endCxn id="59" idx="1"/>
+              </p:cNvCxnSpPr>
+              <p:nvPr/>
+            </p:nvCxnSpPr>
+            <p:spPr>
+              <a:xfrm>
+                <a:off x="5803443" y="2469942"/>
+                <a:ext cx="309950" cy="0"/>
+              </a:xfrm>
+              <a:prstGeom prst="straightConnector1">
+                <a:avLst/>
+              </a:prstGeom>
+              <a:ln>
+                <a:tailEnd type="triangle"/>
+              </a:ln>
+            </p:spPr>
+            <p:style>
+              <a:lnRef idx="1">
+                <a:schemeClr val="accent1"/>
+              </a:lnRef>
+              <a:fillRef idx="0">
+                <a:schemeClr val="accent1"/>
+              </a:fillRef>
+              <a:effectRef idx="0">
+                <a:schemeClr val="accent1"/>
+              </a:effectRef>
+              <a:fontRef idx="minor">
+                <a:schemeClr val="tx1"/>
+              </a:fontRef>
+            </p:style>
+          </p:cxnSp>
+          <p:sp>
+            <p:nvSpPr>
+              <p:cNvPr id="64" name="Flowchart: Summing Junction 63"/>
+              <p:cNvSpPr/>
+              <p:nvPr/>
+            </p:nvSpPr>
+            <p:spPr>
+              <a:xfrm>
+                <a:off x="7157512" y="2307684"/>
+                <a:ext cx="384241" cy="324516"/>
+              </a:xfrm>
+              <a:prstGeom prst="flowChartSummingJunction">
+                <a:avLst/>
+              </a:prstGeom>
+            </p:spPr>
+            <p:style>
+              <a:lnRef idx="2">
+                <a:schemeClr val="dk1"/>
+              </a:lnRef>
+              <a:fillRef idx="1">
+                <a:schemeClr val="lt1"/>
+              </a:fillRef>
+              <a:effectRef idx="0">
+                <a:schemeClr val="dk1"/>
+              </a:effectRef>
+              <a:fontRef idx="minor">
+                <a:schemeClr val="dk1"/>
+              </a:fontRef>
+            </p:style>
+            <p:txBody>
+              <a:bodyPr rtlCol="0" anchor="ctr"/>
+              <a:lstStyle/>
+              <a:p>
+                <a:pPr algn="ctr"/>
+                <a:endParaRPr lang="en-US"/>
+              </a:p>
+            </p:txBody>
+          </p:sp>
+          <p:cxnSp>
+            <p:nvCxnSpPr>
+              <p:cNvPr id="65" name="Straight Arrow Connector 64"/>
+              <p:cNvCxnSpPr>
+                <a:stCxn id="59" idx="3"/>
+                <a:endCxn id="64" idx="2"/>
+              </p:cNvCxnSpPr>
+              <p:nvPr/>
+            </p:nvCxnSpPr>
+            <p:spPr>
+              <a:xfrm flipV="1">
+                <a:off x="6847562" y="2469941"/>
+                <a:ext cx="309950" cy="1"/>
+              </a:xfrm>
+              <a:prstGeom prst="straightConnector1">
+                <a:avLst/>
+              </a:prstGeom>
+              <a:ln>
+                <a:tailEnd type="triangle"/>
+              </a:ln>
+            </p:spPr>
+            <p:style>
+              <a:lnRef idx="1">
+                <a:schemeClr val="accent1"/>
+              </a:lnRef>
+              <a:fillRef idx="0">
+                <a:schemeClr val="accent1"/>
+              </a:fillRef>
+              <a:effectRef idx="0">
+                <a:schemeClr val="accent1"/>
+              </a:effectRef>
+              <a:fontRef idx="minor">
+                <a:schemeClr val="tx1"/>
+              </a:fontRef>
+            </p:style>
+          </p:cxnSp>
+          <mc:AlternateContent xmlns:mc="http://schemas.openxmlformats.org/markup-compatibility/2006">
+            <mc:Choice xmlns:a14="http://schemas.microsoft.com/office/drawing/2010/main" Requires="a14">
+              <p:sp>
+                <p:nvSpPr>
+                  <p:cNvPr id="68" name="TextBox 67"/>
+                  <p:cNvSpPr txBox="1"/>
+                  <p:nvPr/>
+                </p:nvSpPr>
+                <p:spPr>
+                  <a:xfrm>
+                    <a:off x="6951873" y="2963618"/>
+                    <a:ext cx="795519" cy="178436"/>
+                  </a:xfrm>
+                  <a:prstGeom prst="rect">
+                    <a:avLst/>
+                  </a:prstGeom>
+                  <a:noFill/>
+                </p:spPr>
+                <p:txBody>
+                  <a:bodyPr wrap="square" lIns="0" tIns="0" rIns="0" bIns="0" rtlCol="0">
+                    <a:spAutoFit/>
+                  </a:bodyPr>
+                  <a:lstStyle/>
+                  <a:p>
+                    <a14:m>
+                      <m:oMathPara xmlns:m="http://schemas.openxmlformats.org/officeDocument/2006/math">
+                        <m:oMathParaPr>
+                          <m:jc m:val="centerGroup"/>
+                        </m:oMathParaPr>
+                        <m:oMath xmlns:m="http://schemas.openxmlformats.org/officeDocument/2006/math">
+                          <m:r>
+                            <a:rPr lang="en-US" sz="1200" b="0" i="1" smtClean="0">
+                              <a:latin typeface="Cambria Math" panose="02040503050406030204" pitchFamily="18" charset="0"/>
+                            </a:rPr>
+                            <m:t>𝑖</m:t>
+                          </m:r>
+                          <m:r>
+                            <a:rPr lang="en-US" sz="1200" b="0" i="1" smtClean="0">
+                              <a:latin typeface="Cambria Math" panose="02040503050406030204" pitchFamily="18" charset="0"/>
+                              <a:ea typeface="Cambria Math" panose="02040503050406030204" pitchFamily="18" charset="0"/>
+                            </a:rPr>
+                            <m:t>∙</m:t>
+                          </m:r>
+                          <m:r>
+                            <a:rPr lang="en-US" sz="1200" b="0" i="1" smtClean="0">
+                              <a:latin typeface="Cambria Math" panose="02040503050406030204" pitchFamily="18" charset="0"/>
+                              <a:ea typeface="Cambria Math" panose="02040503050406030204" pitchFamily="18" charset="0"/>
+                            </a:rPr>
+                            <m:t>𝑠𝑔𝑛</m:t>
+                          </m:r>
+                          <m:r>
+                            <a:rPr lang="en-US" sz="1200" b="0" i="1" smtClean="0">
+                              <a:latin typeface="Cambria Math" panose="02040503050406030204" pitchFamily="18" charset="0"/>
+                              <a:ea typeface="Cambria Math" panose="02040503050406030204" pitchFamily="18" charset="0"/>
+                            </a:rPr>
+                            <m:t>(</m:t>
+                          </m:r>
+                          <m:r>
+                            <a:rPr lang="en-US" sz="1200" b="0" i="1" smtClean="0">
+                              <a:latin typeface="Cambria Math" panose="02040503050406030204" pitchFamily="18" charset="0"/>
+                              <a:ea typeface="Cambria Math" panose="02040503050406030204" pitchFamily="18" charset="0"/>
+                            </a:rPr>
+                            <m:t>𝜔</m:t>
+                          </m:r>
+                          <m:r>
+                            <a:rPr lang="en-US" sz="1200" b="0" i="1" smtClean="0">
+                              <a:latin typeface="Cambria Math" panose="02040503050406030204" pitchFamily="18" charset="0"/>
+                              <a:ea typeface="Cambria Math" panose="02040503050406030204" pitchFamily="18" charset="0"/>
+                            </a:rPr>
+                            <m:t>)</m:t>
+                          </m:r>
+                        </m:oMath>
+                      </m:oMathPara>
+                    </a14:m>
+                    <a:endParaRPr lang="en-US" sz="1200" dirty="0"/>
+                  </a:p>
+                </p:txBody>
+              </p:sp>
+            </mc:Choice>
+            <mc:Fallback>
+              <p:sp>
+                <p:nvSpPr>
+                  <p:cNvPr id="68" name="TextBox 67"/>
+                  <p:cNvSpPr txBox="1">
+                    <a:spLocks noRot="1" noChangeAspect="1" noMove="1" noResize="1" noEditPoints="1" noAdjustHandles="1" noChangeArrowheads="1" noChangeShapeType="1" noTextEdit="1"/>
+                  </p:cNvSpPr>
+                  <p:nvPr/>
+                </p:nvSpPr>
+                <p:spPr>
+                  <a:xfrm>
+                    <a:off x="6951873" y="2963618"/>
+                    <a:ext cx="795519" cy="178436"/>
+                  </a:xfrm>
+                  <a:prstGeom prst="rect">
+                    <a:avLst/>
+                  </a:prstGeom>
+                  <a:blipFill>
+                    <a:blip r:embed="rId11"/>
+                    <a:stretch>
+                      <a:fillRect t="-3448" r="-769" b="-44828"/>
+                    </a:stretch>
+                  </a:blipFill>
+                </p:spPr>
+                <p:txBody>
+                  <a:bodyPr/>
+                  <a:lstStyle/>
+                  <a:p>
+                    <a:r>
+                      <a:rPr lang="en-US">
+                        <a:noFill/>
+                      </a:rPr>
+                      <a:t> </a:t>
+                    </a:r>
+                  </a:p>
+                </p:txBody>
+              </p:sp>
+            </mc:Fallback>
+          </mc:AlternateContent>
+          <p:cxnSp>
+            <p:nvCxnSpPr>
+              <p:cNvPr id="69" name="Straight Arrow Connector 68"/>
+              <p:cNvCxnSpPr>
+                <a:endCxn id="64" idx="4"/>
+              </p:cNvCxnSpPr>
+              <p:nvPr/>
+            </p:nvCxnSpPr>
+            <p:spPr>
+              <a:xfrm flipV="1">
+                <a:off x="7349633" y="2632199"/>
+                <a:ext cx="0" cy="331418"/>
+              </a:xfrm>
+              <a:prstGeom prst="straightConnector1">
+                <a:avLst/>
+              </a:prstGeom>
+              <a:ln>
+                <a:tailEnd type="triangle"/>
+              </a:ln>
+            </p:spPr>
+            <p:style>
+              <a:lnRef idx="1">
+                <a:schemeClr val="accent1"/>
+              </a:lnRef>
+              <a:fillRef idx="0">
+                <a:schemeClr val="accent1"/>
+              </a:fillRef>
+              <a:effectRef idx="0">
+                <a:schemeClr val="accent1"/>
+              </a:effectRef>
+              <a:fontRef idx="minor">
+                <a:schemeClr val="tx1"/>
+              </a:fontRef>
+            </p:style>
+          </p:cxnSp>
+          <mc:AlternateContent xmlns:mc="http://schemas.openxmlformats.org/markup-compatibility/2006">
+            <mc:Choice xmlns:a14="http://schemas.microsoft.com/office/drawing/2010/main" Requires="a14">
+              <p:sp>
+                <p:nvSpPr>
+                  <p:cNvPr id="74" name="Rectangle 73"/>
+                  <p:cNvSpPr/>
+                  <p:nvPr/>
+                </p:nvSpPr>
+                <p:spPr>
+                  <a:xfrm>
+                    <a:off x="7851704" y="2307683"/>
+                    <a:ext cx="734168" cy="324517"/>
+                  </a:xfrm>
+                  <a:prstGeom prst="rect">
+                    <a:avLst/>
+                  </a:prstGeom>
+                  <a:ln w="28575"/>
+                </p:spPr>
+                <p:style>
+                  <a:lnRef idx="2">
+                    <a:schemeClr val="dk1"/>
+                  </a:lnRef>
+                  <a:fillRef idx="1">
+                    <a:schemeClr val="lt1"/>
+                  </a:fillRef>
+                  <a:effectRef idx="0">
+                    <a:schemeClr val="dk1"/>
+                  </a:effectRef>
+                  <a:fontRef idx="minor">
+                    <a:schemeClr val="dk1"/>
+                  </a:fontRef>
+                </p:style>
+                <p:txBody>
+                  <a:bodyPr rtlCol="0" anchor="ctr"/>
+                  <a:lstStyle/>
+                  <a:p>
+                    <a:pPr algn="ctr"/>
+                    <a14:m>
+                      <m:oMathPara xmlns:m="http://schemas.openxmlformats.org/officeDocument/2006/math">
+                        <m:oMathParaPr>
+                          <m:jc m:val="center"/>
+                        </m:oMathParaPr>
+                        <m:oMath xmlns:m="http://schemas.openxmlformats.org/officeDocument/2006/math">
+                          <m:r>
+                            <m:rPr>
+                              <m:sty m:val="p"/>
+                            </m:rPr>
+                            <a:rPr lang="en-US" sz="1200" b="0" i="0" smtClean="0">
+                              <a:latin typeface="Cambria Math" panose="02040503050406030204" pitchFamily="18" charset="0"/>
+                            </a:rPr>
+                            <m:t>IFFT</m:t>
+                          </m:r>
+                        </m:oMath>
+                      </m:oMathPara>
+                    </a14:m>
+                    <a:endParaRPr lang="en-US" sz="1200" dirty="0">
+                      <a:latin typeface="+mj-lt"/>
+                    </a:endParaRPr>
+                  </a:p>
+                </p:txBody>
+              </p:sp>
+            </mc:Choice>
+            <mc:Fallback>
+              <p:sp>
+                <p:nvSpPr>
+                  <p:cNvPr id="74" name="Rectangle 73"/>
+                  <p:cNvSpPr>
+                    <a:spLocks noRot="1" noChangeAspect="1" noMove="1" noResize="1" noEditPoints="1" noAdjustHandles="1" noChangeArrowheads="1" noChangeShapeType="1" noTextEdit="1"/>
+                  </p:cNvSpPr>
+                  <p:nvPr/>
+                </p:nvSpPr>
+                <p:spPr>
+                  <a:xfrm>
+                    <a:off x="7851704" y="2307683"/>
+                    <a:ext cx="734168" cy="324517"/>
+                  </a:xfrm>
+                  <a:prstGeom prst="rect">
+                    <a:avLst/>
+                  </a:prstGeom>
+                  <a:blipFill>
+                    <a:blip r:embed="rId12"/>
+                    <a:stretch>
+                      <a:fillRect/>
+                    </a:stretch>
+                  </a:blipFill>
+                  <a:ln w="28575"/>
+                </p:spPr>
+                <p:txBody>
+                  <a:bodyPr/>
+                  <a:lstStyle/>
+                  <a:p>
+                    <a:r>
+                      <a:rPr lang="en-US">
+                        <a:noFill/>
+                      </a:rPr>
+                      <a:t> </a:t>
+                    </a:r>
+                  </a:p>
+                </p:txBody>
+              </p:sp>
+            </mc:Fallback>
+          </mc:AlternateContent>
+          <p:cxnSp>
+            <p:nvCxnSpPr>
+              <p:cNvPr id="75" name="Straight Arrow Connector 74"/>
+              <p:cNvCxnSpPr>
+                <a:stCxn id="64" idx="6"/>
+                <a:endCxn id="74" idx="1"/>
+              </p:cNvCxnSpPr>
+              <p:nvPr/>
+            </p:nvCxnSpPr>
+            <p:spPr>
+              <a:xfrm>
+                <a:off x="7541753" y="2469941"/>
+                <a:ext cx="309950" cy="0"/>
+              </a:xfrm>
+              <a:prstGeom prst="straightConnector1">
+                <a:avLst/>
+              </a:prstGeom>
+              <a:ln>
+                <a:tailEnd type="triangle"/>
+              </a:ln>
+            </p:spPr>
+            <p:style>
+              <a:lnRef idx="1">
+                <a:schemeClr val="accent1"/>
+              </a:lnRef>
+              <a:fillRef idx="0">
+                <a:schemeClr val="accent1"/>
+              </a:fillRef>
+              <a:effectRef idx="0">
+                <a:schemeClr val="accent1"/>
+              </a:effectRef>
+              <a:fontRef idx="minor">
+                <a:schemeClr val="tx1"/>
+              </a:fontRef>
+            </p:style>
+          </p:cxnSp>
+          <mc:AlternateContent xmlns:mc="http://schemas.openxmlformats.org/markup-compatibility/2006">
+            <mc:Choice xmlns:a14="http://schemas.microsoft.com/office/drawing/2010/main" Requires="a14">
+              <p:sp>
+                <p:nvSpPr>
+                  <p:cNvPr id="78" name="Rectangle 77"/>
+                  <p:cNvSpPr/>
+                  <p:nvPr/>
+                </p:nvSpPr>
+                <p:spPr>
+                  <a:xfrm>
+                    <a:off x="8895821" y="2307683"/>
+                    <a:ext cx="776365" cy="324517"/>
+                  </a:xfrm>
+                  <a:prstGeom prst="rect">
+                    <a:avLst/>
+                  </a:prstGeom>
+                  <a:ln w="28575"/>
+                </p:spPr>
+                <p:style>
+                  <a:lnRef idx="2">
+                    <a:schemeClr val="dk1"/>
+                  </a:lnRef>
+                  <a:fillRef idx="1">
+                    <a:schemeClr val="lt1"/>
+                  </a:fillRef>
+                  <a:effectRef idx="0">
+                    <a:schemeClr val="dk1"/>
+                  </a:effectRef>
+                  <a:fontRef idx="minor">
+                    <a:schemeClr val="dk1"/>
+                  </a:fontRef>
+                </p:style>
+                <p:txBody>
+                  <a:bodyPr rtlCol="0" anchor="ctr"/>
+                  <a:lstStyle/>
+                  <a:p>
+                    <a:pPr algn="ctr"/>
+                    <a14:m>
+                      <m:oMathPara xmlns:m="http://schemas.openxmlformats.org/officeDocument/2006/math">
+                        <m:oMathParaPr>
+                          <m:jc m:val="center"/>
+                        </m:oMathParaPr>
+                        <m:oMath xmlns:m="http://schemas.openxmlformats.org/officeDocument/2006/math">
+                          <m:r>
+                            <m:rPr>
+                              <m:sty m:val="p"/>
+                            </m:rPr>
+                            <a:rPr lang="en-US" sz="1200" b="0" i="0" smtClean="0">
+                              <a:latin typeface="Cambria Math" panose="02040503050406030204" pitchFamily="18" charset="0"/>
+                            </a:rPr>
+                            <m:t>exp</m:t>
+                          </m:r>
+                          <m:r>
+                            <a:rPr lang="en-US" sz="1200" b="0" i="1" smtClean="0">
+                              <a:latin typeface="Cambria Math" panose="02040503050406030204" pitchFamily="18" charset="0"/>
+                            </a:rPr>
+                            <m:t>⁡{</m:t>
+                          </m:r>
+                          <m:r>
+                            <a:rPr lang="en-US" sz="1200" b="0" i="1" smtClean="0">
+                              <a:latin typeface="Cambria Math" panose="02040503050406030204" pitchFamily="18" charset="0"/>
+                            </a:rPr>
+                            <m:t>𝑖</m:t>
+                          </m:r>
+                          <m:r>
+                            <a:rPr lang="en-US" sz="1200" b="0" i="1" smtClean="0">
+                              <a:latin typeface="Cambria Math" panose="02040503050406030204" pitchFamily="18" charset="0"/>
+                            </a:rPr>
+                            <m:t>(∙)}</m:t>
+                          </m:r>
+                        </m:oMath>
+                      </m:oMathPara>
+                    </a14:m>
+                    <a:endParaRPr lang="en-US" sz="1200" dirty="0">
+                      <a:latin typeface="+mj-lt"/>
+                    </a:endParaRPr>
+                  </a:p>
+                </p:txBody>
+              </p:sp>
+            </mc:Choice>
+            <mc:Fallback>
+              <p:sp>
+                <p:nvSpPr>
+                  <p:cNvPr id="78" name="Rectangle 77"/>
+                  <p:cNvSpPr>
+                    <a:spLocks noRot="1" noChangeAspect="1" noMove="1" noResize="1" noEditPoints="1" noAdjustHandles="1" noChangeArrowheads="1" noChangeShapeType="1" noTextEdit="1"/>
+                  </p:cNvSpPr>
+                  <p:nvPr/>
+                </p:nvSpPr>
+                <p:spPr>
+                  <a:xfrm>
+                    <a:off x="8895821" y="2307683"/>
+                    <a:ext cx="776365" cy="324517"/>
+                  </a:xfrm>
+                  <a:prstGeom prst="rect">
+                    <a:avLst/>
+                  </a:prstGeom>
+                  <a:blipFill>
+                    <a:blip r:embed="rId13"/>
+                    <a:stretch>
+                      <a:fillRect/>
+                    </a:stretch>
+                  </a:blipFill>
+                  <a:ln w="28575"/>
+                </p:spPr>
+                <p:txBody>
+                  <a:bodyPr/>
+                  <a:lstStyle/>
+                  <a:p>
+                    <a:r>
+                      <a:rPr lang="en-US">
+                        <a:noFill/>
+                      </a:rPr>
+                      <a:t> </a:t>
+                    </a:r>
+                  </a:p>
+                </p:txBody>
+              </p:sp>
+            </mc:Fallback>
+          </mc:AlternateContent>
+          <p:cxnSp>
+            <p:nvCxnSpPr>
+              <p:cNvPr id="79" name="Straight Arrow Connector 78"/>
+              <p:cNvCxnSpPr>
+                <a:stCxn id="74" idx="3"/>
+                <a:endCxn id="78" idx="1"/>
+              </p:cNvCxnSpPr>
+              <p:nvPr/>
+            </p:nvCxnSpPr>
+            <p:spPr>
+              <a:xfrm>
+                <a:off x="8585872" y="2469942"/>
+                <a:ext cx="309949" cy="0"/>
+              </a:xfrm>
+              <a:prstGeom prst="straightConnector1">
+                <a:avLst/>
+              </a:prstGeom>
+              <a:ln>
+                <a:tailEnd type="triangle"/>
+              </a:ln>
+            </p:spPr>
+            <p:style>
+              <a:lnRef idx="1">
+                <a:schemeClr val="accent1"/>
+              </a:lnRef>
+              <a:fillRef idx="0">
+                <a:schemeClr val="accent1"/>
+              </a:fillRef>
+              <a:effectRef idx="0">
+                <a:schemeClr val="accent1"/>
+              </a:effectRef>
+              <a:fontRef idx="minor">
+                <a:schemeClr val="tx1"/>
+              </a:fontRef>
+            </p:style>
+          </p:cxnSp>
+          <p:sp>
+            <p:nvSpPr>
+              <p:cNvPr id="86" name="Flowchart: Summing Junction 85"/>
+              <p:cNvSpPr/>
+              <p:nvPr/>
+            </p:nvSpPr>
+            <p:spPr>
+              <a:xfrm>
+                <a:off x="9939940" y="2307684"/>
+                <a:ext cx="384241" cy="324516"/>
+              </a:xfrm>
+              <a:prstGeom prst="flowChartSummingJunction">
+                <a:avLst/>
+              </a:prstGeom>
+            </p:spPr>
+            <p:style>
+              <a:lnRef idx="2">
+                <a:schemeClr val="dk1"/>
+              </a:lnRef>
+              <a:fillRef idx="1">
+                <a:schemeClr val="lt1"/>
+              </a:fillRef>
+              <a:effectRef idx="0">
+                <a:schemeClr val="dk1"/>
+              </a:effectRef>
+              <a:fontRef idx="minor">
+                <a:schemeClr val="dk1"/>
+              </a:fontRef>
+            </p:style>
+            <p:txBody>
+              <a:bodyPr rtlCol="0" anchor="ctr"/>
+              <a:lstStyle/>
+              <a:p>
+                <a:pPr algn="ctr"/>
+                <a:endParaRPr lang="en-US"/>
+              </a:p>
+            </p:txBody>
+          </p:sp>
+          <p:cxnSp>
+            <p:nvCxnSpPr>
+              <p:cNvPr id="87" name="Straight Arrow Connector 86"/>
+              <p:cNvCxnSpPr>
+                <a:stCxn id="78" idx="3"/>
+                <a:endCxn id="86" idx="2"/>
+              </p:cNvCxnSpPr>
+              <p:nvPr/>
+            </p:nvCxnSpPr>
+            <p:spPr>
+              <a:xfrm>
+                <a:off x="9672186" y="2469942"/>
+                <a:ext cx="267754" cy="0"/>
+              </a:xfrm>
+              <a:prstGeom prst="straightConnector1">
+                <a:avLst/>
+              </a:prstGeom>
+              <a:ln>
+                <a:tailEnd type="triangle"/>
+              </a:ln>
+            </p:spPr>
+            <p:style>
+              <a:lnRef idx="1">
+                <a:schemeClr val="accent1"/>
+              </a:lnRef>
+              <a:fillRef idx="0">
+                <a:schemeClr val="accent1"/>
+              </a:fillRef>
+              <a:effectRef idx="0">
+                <a:schemeClr val="accent1"/>
+              </a:effectRef>
+              <a:fontRef idx="minor">
+                <a:schemeClr val="tx1"/>
+              </a:fontRef>
+            </p:style>
+          </p:cxnSp>
+          <p:cxnSp>
+            <p:nvCxnSpPr>
+              <p:cNvPr id="97" name="Elbow Connector 96"/>
+              <p:cNvCxnSpPr>
+                <a:endCxn id="86" idx="0"/>
+              </p:cNvCxnSpPr>
+              <p:nvPr/>
+            </p:nvCxnSpPr>
+            <p:spPr>
+              <a:xfrm flipV="1">
+                <a:off x="4901692" y="2307684"/>
+                <a:ext cx="5230369" cy="162258"/>
+              </a:xfrm>
+              <a:prstGeom prst="bentConnector4">
+                <a:avLst>
+                  <a:gd name="adj1" fmla="val 33"/>
+                  <a:gd name="adj2" fmla="val 213830"/>
+                </a:avLst>
+              </a:prstGeom>
+              <a:ln>
+                <a:tailEnd type="triangle"/>
+              </a:ln>
+            </p:spPr>
+            <p:style>
+              <a:lnRef idx="1">
+                <a:schemeClr val="accent1"/>
+              </a:lnRef>
+              <a:fillRef idx="0">
+                <a:schemeClr val="accent1"/>
+              </a:fillRef>
+              <a:effectRef idx="0">
+                <a:schemeClr val="accent1"/>
+              </a:effectRef>
+              <a:fontRef idx="minor">
+                <a:schemeClr val="tx1"/>
+              </a:fontRef>
+            </p:style>
+          </p:cxnSp>
+          <p:sp>
+            <p:nvSpPr>
+              <p:cNvPr id="103" name="Rectangle 102"/>
+              <p:cNvSpPr/>
+              <p:nvPr/>
+            </p:nvSpPr>
+            <p:spPr>
+              <a:xfrm>
+                <a:off x="6365598" y="1657885"/>
+                <a:ext cx="2206281" cy="298403"/>
+              </a:xfrm>
+              <a:prstGeom prst="rect">
+                <a:avLst/>
+              </a:prstGeom>
+            </p:spPr>
+            <p:txBody>
+              <a:bodyPr wrap="none">
+                <a:spAutoFit/>
+              </a:bodyPr>
+              <a:lstStyle/>
+              <a:p>
+                <a:pPr algn="ctr"/>
+                <a:r>
+                  <a:rPr lang="en-US" dirty="0" err="1" smtClean="0"/>
+                  <a:t>Kramers-Kronig</a:t>
+                </a:r>
+                <a:r>
+                  <a:rPr lang="en-US" dirty="0" smtClean="0"/>
+                  <a:t> </a:t>
+                </a:r>
+                <a:r>
+                  <a:rPr lang="en-US" dirty="0"/>
+                  <a:t>Algorithm</a:t>
+                </a:r>
+              </a:p>
+            </p:txBody>
+          </p:sp>
+        </p:grpSp>
+        <mc:AlternateContent xmlns:mc="http://schemas.openxmlformats.org/markup-compatibility/2006">
+          <mc:Choice xmlns:a14="http://schemas.microsoft.com/office/drawing/2010/main" Requires="a14">
+            <p:sp>
+              <p:nvSpPr>
+                <p:cNvPr id="167" name="Rectangle 166"/>
+                <p:cNvSpPr/>
+                <p:nvPr/>
+              </p:nvSpPr>
+              <p:spPr>
+                <a:xfrm>
+                  <a:off x="3909570" y="2307299"/>
+                  <a:ext cx="734168" cy="324834"/>
+                </a:xfrm>
+                <a:prstGeom prst="rect">
+                  <a:avLst/>
+                </a:prstGeom>
+                <a:ln w="28575"/>
+              </p:spPr>
+              <p:style>
+                <a:lnRef idx="2">
+                  <a:schemeClr val="dk1"/>
+                </a:lnRef>
+                <a:fillRef idx="1">
+                  <a:schemeClr val="lt1"/>
+                </a:fillRef>
+                <a:effectRef idx="0">
+                  <a:schemeClr val="dk1"/>
+                </a:effectRef>
+                <a:fontRef idx="minor">
+                  <a:schemeClr val="dk1"/>
+                </a:fontRef>
+              </p:style>
+              <p:txBody>
+                <a:bodyPr rtlCol="0" anchor="ctr"/>
+                <a:lstStyle/>
+                <a:p>
+                  <a:pPr algn="ctr"/>
+                  <a14:m>
+                    <m:oMathPara xmlns:m="http://schemas.openxmlformats.org/officeDocument/2006/math">
+                      <m:oMathParaPr>
+                        <m:jc m:val="center"/>
+                      </m:oMathParaPr>
+                      <m:oMath xmlns:m="http://schemas.openxmlformats.org/officeDocument/2006/math">
+                        <m:rad>
+                          <m:radPr>
+                            <m:degHide m:val="on"/>
+                            <m:ctrlPr>
+                              <a:rPr lang="en-US" sz="1200" b="1" i="1">
+                                <a:latin typeface="Cambria Math" panose="02040503050406030204" pitchFamily="18" charset="0"/>
+                              </a:rPr>
+                            </m:ctrlPr>
+                          </m:radPr>
+                          <m:deg/>
+                          <m:e>
+                            <m:r>
+                              <a:rPr lang="en-US" sz="1200" b="1" i="1">
+                                <a:latin typeface="Cambria Math" panose="02040503050406030204" pitchFamily="18" charset="0"/>
+                              </a:rPr>
+                              <m:t>𝑨</m:t>
+                            </m:r>
+                            <m:r>
+                              <a:rPr lang="en-US" sz="1200" b="1" i="1">
+                                <a:latin typeface="Cambria Math" panose="02040503050406030204" pitchFamily="18" charset="0"/>
+                              </a:rPr>
+                              <m:t>(</m:t>
+                            </m:r>
+                            <m:r>
+                              <a:rPr lang="en-US" sz="1200" b="1" i="1">
+                                <a:latin typeface="Cambria Math" panose="02040503050406030204" pitchFamily="18" charset="0"/>
+                              </a:rPr>
+                              <m:t>𝒕</m:t>
+                            </m:r>
+                            <m:r>
+                              <a:rPr lang="en-US" sz="1200" b="1" i="1">
+                                <a:latin typeface="Cambria Math" panose="02040503050406030204" pitchFamily="18" charset="0"/>
+                              </a:rPr>
+                              <m:t>)</m:t>
+                            </m:r>
+                          </m:e>
+                        </m:rad>
+                      </m:oMath>
+                    </m:oMathPara>
+                  </a14:m>
+                  <a:endParaRPr lang="en-US" sz="1200" b="1" dirty="0"/>
+                </a:p>
+              </p:txBody>
+            </p:sp>
+          </mc:Choice>
+          <mc:Fallback>
+            <p:sp>
+              <p:nvSpPr>
+                <p:cNvPr id="167" name="Rectangle 166"/>
+                <p:cNvSpPr>
+                  <a:spLocks noRot="1" noChangeAspect="1" noMove="1" noResize="1" noEditPoints="1" noAdjustHandles="1" noChangeArrowheads="1" noChangeShapeType="1" noTextEdit="1"/>
+                </p:cNvSpPr>
+                <p:nvPr/>
+              </p:nvSpPr>
+              <p:spPr>
+                <a:xfrm>
+                  <a:off x="3909570" y="2307299"/>
+                  <a:ext cx="734168" cy="324834"/>
+                </a:xfrm>
+                <a:prstGeom prst="rect">
+                  <a:avLst/>
+                </a:prstGeom>
+                <a:blipFill>
+                  <a:blip r:embed="rId14"/>
+                  <a:stretch>
+                    <a:fillRect/>
+                  </a:stretch>
+                </a:blipFill>
+                <a:ln w="28575"/>
+              </p:spPr>
+              <p:txBody>
+                <a:bodyPr/>
+                <a:lstStyle/>
+                <a:p>
+                  <a:r>
+                    <a:rPr lang="en-US">
+                      <a:noFill/>
+                    </a:rPr>
+                    <a:t> </a:t>
+                  </a:r>
+                </a:p>
+              </p:txBody>
+            </p:sp>
+          </mc:Fallback>
+        </mc:AlternateContent>
+        <p:cxnSp>
+          <p:nvCxnSpPr>
+            <p:cNvPr id="173" name="Straight Arrow Connector 172"/>
+            <p:cNvCxnSpPr>
+              <a:stCxn id="167" idx="3"/>
+              <a:endCxn id="39" idx="1"/>
+            </p:cNvCxnSpPr>
+            <p:nvPr/>
+          </p:nvCxnSpPr>
+          <p:spPr>
+            <a:xfrm flipV="1">
+              <a:off x="4643738" y="2469558"/>
+              <a:ext cx="309951" cy="158"/>
+            </a:xfrm>
+            <a:prstGeom prst="straightConnector1">
+              <a:avLst/>
+            </a:prstGeom>
+            <a:ln>
+              <a:tailEnd type="triangle"/>
+            </a:ln>
+          </p:spPr>
+          <p:style>
+            <a:lnRef idx="1">
+              <a:schemeClr val="accent1"/>
+            </a:lnRef>
+            <a:fillRef idx="0">
+              <a:schemeClr val="accent1"/>
+            </a:fillRef>
+            <a:effectRef idx="0">
+              <a:schemeClr val="accent1"/>
+            </a:effectRef>
+            <a:fontRef idx="minor">
+              <a:schemeClr val="tx1"/>
+            </a:fontRef>
+          </p:style>
+        </p:cxnSp>
+      </p:grpSp>
+      <p:cxnSp>
+        <p:nvCxnSpPr>
+          <p:cNvPr id="182" name="Elbow Connector 181"/>
+          <p:cNvCxnSpPr>
+            <a:stCxn id="86" idx="6"/>
+            <a:endCxn id="202" idx="3"/>
+          </p:cNvCxnSpPr>
+          <p:nvPr/>
+        </p:nvCxnSpPr>
+        <p:spPr>
+          <a:xfrm flipH="1">
+            <a:off x="11133333" y="2469941"/>
+            <a:ext cx="558864" cy="2175332"/>
+          </a:xfrm>
+          <a:prstGeom prst="bentConnector3">
+            <a:avLst>
+              <a:gd name="adj1" fmla="val -62312"/>
+            </a:avLst>
+          </a:prstGeom>
+          <a:ln>
+            <a:tailEnd type="triangle"/>
+          </a:ln>
+        </p:spPr>
+        <p:style>
+          <a:lnRef idx="1">
+            <a:schemeClr val="accent1"/>
+          </a:lnRef>
+          <a:fillRef idx="0">
+            <a:schemeClr val="accent1"/>
+          </a:fillRef>
+          <a:effectRef idx="0">
+            <a:schemeClr val="accent1"/>
+          </a:effectRef>
+          <a:fontRef idx="minor">
+            <a:schemeClr val="tx1"/>
+          </a:fontRef>
+        </p:style>
+      </p:cxnSp>
+      <mc:AlternateContent xmlns:mc="http://schemas.openxmlformats.org/markup-compatibility/2006">
+        <mc:Choice xmlns:a14="http://schemas.microsoft.com/office/drawing/2010/main" Requires="a14">
+          <p:sp>
+            <p:nvSpPr>
+              <p:cNvPr id="188" name="TextBox 187"/>
+              <p:cNvSpPr txBox="1"/>
+              <p:nvPr/>
+            </p:nvSpPr>
+            <p:spPr>
+              <a:xfrm>
+                <a:off x="2998223" y="2236467"/>
+                <a:ext cx="1009315" cy="220253"/>
+              </a:xfrm>
+              <a:prstGeom prst="rect">
+                <a:avLst/>
+              </a:prstGeom>
+              <a:noFill/>
+            </p:spPr>
+            <p:txBody>
+              <a:bodyPr wrap="none" lIns="0" tIns="0" rIns="0" bIns="0" rtlCol="0">
+                <a:spAutoFit/>
+              </a:bodyPr>
+              <a:lstStyle/>
+              <a:p>
+                <a14:m>
+                  <m:oMathPara xmlns:m="http://schemas.openxmlformats.org/officeDocument/2006/math">
+                    <m:oMathParaPr>
+                      <m:jc m:val="centerGroup"/>
+                    </m:oMathParaPr>
+                    <m:oMath xmlns:m="http://schemas.openxmlformats.org/officeDocument/2006/math">
+                      <m:r>
+                        <a:rPr lang="en-US" sz="1400" b="1" i="1" smtClean="0">
+                          <a:latin typeface="+mj-lt"/>
+                        </a:rPr>
+                        <m:t>𝑰</m:t>
+                      </m:r>
+                      <m:r>
+                        <a:rPr lang="en-US" sz="1400" b="1" i="1" smtClean="0">
+                          <a:latin typeface="+mj-lt"/>
+                        </a:rPr>
+                        <m:t>(</m:t>
+                      </m:r>
+                      <m:r>
+                        <a:rPr lang="en-US" sz="1400" b="1" i="1" smtClean="0">
+                          <a:latin typeface="+mj-lt"/>
+                        </a:rPr>
+                        <m:t>𝒕</m:t>
+                      </m:r>
+                      <m:r>
+                        <a:rPr lang="en-US" sz="1400" b="1" i="1" smtClean="0">
+                          <a:latin typeface="+mj-lt"/>
+                        </a:rPr>
+                        <m:t>)</m:t>
+                      </m:r>
+                      <m:r>
+                        <m:rPr>
+                          <m:nor/>
+                        </m:rPr>
+                        <a:rPr lang="en-US" sz="1400" b="1" dirty="0">
+                          <a:latin typeface="+mj-lt"/>
+                          <a:sym typeface="Symbol" panose="05050102010706020507" pitchFamily="18" charset="2"/>
+                        </a:rPr>
+                        <m:t></m:t>
+                      </m:r>
+                      <m:sSup>
+                        <m:sSupPr>
+                          <m:ctrlPr>
+                            <a:rPr lang="en-US" sz="1400" b="1" i="1" dirty="0" smtClean="0">
+                              <a:latin typeface="+mj-lt"/>
+                              <a:sym typeface="Symbol" panose="05050102010706020507" pitchFamily="18" charset="2"/>
+                            </a:rPr>
+                          </m:ctrlPr>
+                        </m:sSupPr>
+                        <m:e>
+                          <m:r>
+                            <a:rPr lang="en-US" sz="1400" b="1" i="1" dirty="0" smtClean="0">
+                              <a:latin typeface="+mj-lt"/>
+                              <a:sym typeface="Symbol" panose="05050102010706020507" pitchFamily="18" charset="2"/>
+                            </a:rPr>
+                            <m:t>|</m:t>
+                          </m:r>
+                          <m:r>
+                            <a:rPr lang="en-US" sz="1400" b="1" i="1" dirty="0" smtClean="0">
+                              <a:latin typeface="+mj-lt"/>
+                              <a:sym typeface="Symbol" panose="05050102010706020507" pitchFamily="18" charset="2"/>
+                            </a:rPr>
+                            <m:t>𝑨</m:t>
+                          </m:r>
+                          <m:r>
+                            <a:rPr lang="en-US" sz="1400" b="1" i="1" dirty="0" smtClean="0">
+                              <a:latin typeface="+mj-lt"/>
+                              <a:sym typeface="Symbol" panose="05050102010706020507" pitchFamily="18" charset="2"/>
+                            </a:rPr>
+                            <m:t>(</m:t>
+                          </m:r>
+                          <m:r>
+                            <a:rPr lang="en-US" sz="1400" b="1" i="1" dirty="0" smtClean="0">
+                              <a:latin typeface="+mj-lt"/>
+                              <a:sym typeface="Symbol" panose="05050102010706020507" pitchFamily="18" charset="2"/>
+                            </a:rPr>
+                            <m:t>𝒕</m:t>
+                          </m:r>
+                          <m:r>
+                            <a:rPr lang="en-US" sz="1400" b="1" i="1" dirty="0" smtClean="0">
+                              <a:latin typeface="+mj-lt"/>
+                              <a:sym typeface="Symbol" panose="05050102010706020507" pitchFamily="18" charset="2"/>
+                            </a:rPr>
+                            <m:t>)|</m:t>
+                          </m:r>
+                        </m:e>
+                        <m:sup>
+                          <m:r>
+                            <a:rPr lang="en-US" sz="1400" b="1" i="1" dirty="0" smtClean="0">
+                              <a:latin typeface="+mj-lt"/>
+                              <a:sym typeface="Symbol" panose="05050102010706020507" pitchFamily="18" charset="2"/>
+                            </a:rPr>
+                            <m:t>𝟐</m:t>
+                          </m:r>
+                        </m:sup>
+                      </m:sSup>
+                    </m:oMath>
+                  </m:oMathPara>
+                </a14:m>
+                <a:endParaRPr lang="en-US" sz="1400" b="1" dirty="0">
+                  <a:latin typeface="+mj-lt"/>
+                </a:endParaRPr>
+              </a:p>
+            </p:txBody>
+          </p:sp>
+        </mc:Choice>
+        <mc:Fallback>
+          <p:sp>
+            <p:nvSpPr>
+              <p:cNvPr id="188" name="TextBox 187"/>
+              <p:cNvSpPr txBox="1">
+                <a:spLocks noRot="1" noChangeAspect="1" noMove="1" noResize="1" noEditPoints="1" noAdjustHandles="1" noChangeArrowheads="1" noChangeShapeType="1" noTextEdit="1"/>
+              </p:cNvSpPr>
+              <p:nvPr/>
+            </p:nvSpPr>
+            <p:spPr>
+              <a:xfrm>
+                <a:off x="2998223" y="2236467"/>
+                <a:ext cx="1009315" cy="220253"/>
+              </a:xfrm>
+              <a:prstGeom prst="rect">
+                <a:avLst/>
+              </a:prstGeom>
+              <a:blipFill>
+                <a:blip r:embed="rId15"/>
+                <a:stretch>
+                  <a:fillRect l="-3636" t="-2778" r="-1818" b="-30556"/>
+                </a:stretch>
+              </a:blipFill>
+            </p:spPr>
+            <p:txBody>
+              <a:bodyPr/>
+              <a:lstStyle/>
+              <a:p>
+                <a:r>
+                  <a:rPr lang="en-US">
+                    <a:noFill/>
+                  </a:rPr>
+                  <a:t> </a:t>
+                </a:r>
+              </a:p>
+            </p:txBody>
+          </p:sp>
+        </mc:Fallback>
+      </mc:AlternateContent>
+      <p:cxnSp>
+        <p:nvCxnSpPr>
+          <p:cNvPr id="197" name="Straight Arrow Connector 196"/>
+          <p:cNvCxnSpPr>
+            <a:endCxn id="157" idx="3"/>
+          </p:cNvCxnSpPr>
+          <p:nvPr/>
+        </p:nvCxnSpPr>
+        <p:spPr>
+          <a:xfrm flipH="1">
+            <a:off x="9586681" y="4645273"/>
+            <a:ext cx="353215" cy="0"/>
+          </a:xfrm>
+          <a:prstGeom prst="straightConnector1">
+            <a:avLst/>
+          </a:prstGeom>
+          <a:ln>
+            <a:tailEnd type="triangle"/>
+          </a:ln>
+        </p:spPr>
+        <p:style>
+          <a:lnRef idx="1">
+            <a:schemeClr val="accent1"/>
+          </a:lnRef>
+          <a:fillRef idx="0">
+            <a:schemeClr val="accent1"/>
+          </a:fillRef>
+          <a:effectRef idx="0">
+            <a:schemeClr val="accent1"/>
+          </a:effectRef>
+          <a:fontRef idx="minor">
+            <a:schemeClr val="tx1"/>
+          </a:fontRef>
+        </p:style>
+      </p:cxnSp>
+      <mc:AlternateContent xmlns:mc="http://schemas.openxmlformats.org/markup-compatibility/2006">
+        <mc:Choice xmlns:a14="http://schemas.microsoft.com/office/drawing/2010/main" Requires="a14">
+          <p:sp>
+            <p:nvSpPr>
+              <p:cNvPr id="202" name="Rectangle 201"/>
+              <p:cNvSpPr/>
+              <p:nvPr/>
+            </p:nvSpPr>
+            <p:spPr>
+              <a:xfrm>
+                <a:off x="9938623" y="4367534"/>
+                <a:ext cx="1194710" cy="555478"/>
+              </a:xfrm>
+              <a:prstGeom prst="rect">
+                <a:avLst/>
+              </a:prstGeom>
+              <a:ln w="28575"/>
+            </p:spPr>
+            <p:style>
+              <a:lnRef idx="2">
+                <a:schemeClr val="dk1"/>
+              </a:lnRef>
+              <a:fillRef idx="1">
+                <a:schemeClr val="lt1"/>
+              </a:fillRef>
+              <a:effectRef idx="0">
+                <a:schemeClr val="dk1"/>
+              </a:effectRef>
+              <a:fontRef idx="minor">
+                <a:schemeClr val="dk1"/>
+              </a:fontRef>
+            </p:style>
+            <p:txBody>
+              <a:bodyPr rtlCol="0" anchor="ctr"/>
+              <a:lstStyle/>
+              <a:p>
+                <a:pPr algn="ctr"/>
+                <a14:m>
+                  <m:oMathPara xmlns:m="http://schemas.openxmlformats.org/officeDocument/2006/math">
+                    <m:oMathParaPr>
+                      <m:jc m:val="centerGroup"/>
+                    </m:oMathParaPr>
+                    <m:oMath xmlns:m="http://schemas.openxmlformats.org/officeDocument/2006/math">
+                      <m:sSup>
+                        <m:sSupPr>
+                          <m:ctrlPr>
+                            <a:rPr lang="en-US" sz="1400" b="1" i="1">
+                              <a:latin typeface="Cambria Math" panose="02040503050406030204" pitchFamily="18" charset="0"/>
+                            </a:rPr>
+                          </m:ctrlPr>
+                        </m:sSupPr>
+                        <m:e>
+                          <m:r>
+                            <a:rPr lang="en-US" sz="1400" b="1" i="1" dirty="0">
+                              <a:latin typeface="Cambria Math" panose="02040503050406030204" pitchFamily="18" charset="0"/>
+                              <a:cs typeface="Calibri" panose="020F0502020204030204" pitchFamily="34" charset="0"/>
+                            </a:rPr>
+                            <m:t>𝐂𝐃</m:t>
+                          </m:r>
+                          <m:r>
+                            <m:rPr>
+                              <m:nor/>
+                            </m:rPr>
+                            <a:rPr lang="en-US" sz="1400" b="1" dirty="0"/>
+                            <m:t> </m:t>
+                          </m:r>
+                        </m:e>
+                        <m:sup>
+                          <m:r>
+                            <a:rPr lang="en-US" sz="1400" b="1" dirty="0">
+                              <a:latin typeface="Cambria Math" panose="02040503050406030204" pitchFamily="18" charset="0"/>
+                            </a:rPr>
+                            <m:t>−</m:t>
+                          </m:r>
+                          <m:r>
+                            <a:rPr lang="en-US" sz="1400" b="1" i="1" dirty="0">
+                              <a:latin typeface="Cambria Math" panose="02040503050406030204" pitchFamily="18" charset="0"/>
+                            </a:rPr>
+                            <m:t>𝟏</m:t>
+                          </m:r>
+                        </m:sup>
+                      </m:sSup>
+                    </m:oMath>
+                  </m:oMathPara>
+                </a14:m>
+                <a:endParaRPr lang="en-US" sz="1400" b="1" dirty="0"/>
+              </a:p>
+            </p:txBody>
+          </p:sp>
+        </mc:Choice>
+        <mc:Fallback>
+          <p:sp>
+            <p:nvSpPr>
+              <p:cNvPr id="202" name="Rectangle 201"/>
+              <p:cNvSpPr>
+                <a:spLocks noRot="1" noChangeAspect="1" noMove="1" noResize="1" noEditPoints="1" noAdjustHandles="1" noChangeArrowheads="1" noChangeShapeType="1" noTextEdit="1"/>
+              </p:cNvSpPr>
+              <p:nvPr/>
+            </p:nvSpPr>
+            <p:spPr>
+              <a:xfrm>
+                <a:off x="9938623" y="4367534"/>
+                <a:ext cx="1194710" cy="555478"/>
+              </a:xfrm>
+              <a:prstGeom prst="rect">
+                <a:avLst/>
+              </a:prstGeom>
+              <a:blipFill>
+                <a:blip r:embed="rId16"/>
+                <a:stretch>
+                  <a:fillRect/>
+                </a:stretch>
+              </a:blipFill>
+              <a:ln w="28575"/>
+            </p:spPr>
+            <p:txBody>
+              <a:bodyPr/>
+              <a:lstStyle/>
+              <a:p>
+                <a:r>
+                  <a:rPr lang="en-US">
+                    <a:noFill/>
+                  </a:rPr>
+                  <a:t> </a:t>
+                </a:r>
+              </a:p>
+            </p:txBody>
+          </p:sp>
+        </mc:Fallback>
+      </mc:AlternateContent>
+    </p:spTree>
+    <p:extLst>
+      <p:ext uri="{BB962C8B-B14F-4D97-AF65-F5344CB8AC3E}">
+        <p14:creationId xmlns:p14="http://schemas.microsoft.com/office/powerpoint/2010/main" val="1062001333"/>
+      </p:ext>
+    </p:extLst>
+  </p:cSld>
+  <p:clrMapOvr>
+    <a:masterClrMapping/>
+  </p:clrMapOvr>
+  <p:timing>
+    <p:tnLst>
+      <p:par>
+        <p:cTn id="1" dur="indefinite" restart="never" nodeType="tmRoot"/>
+      </p:par>
+    </p:tnLst>
+  </p:timing>
 </p:sld>
 </file>
 
